--- a/CM2013_Sleep_Scoring_Project_Lecture.pptx
+++ b/CM2013_Sleep_Scoring_Project_Lecture.pptx
@@ -5,49 +5,49 @@
     <p:sldMasterId id="2147483648" r:id="rId1"/>
   </p:sldMasterIdLst>
   <p:sldIdLst>
-    <p:sldId id="256" r:id="rId7"/>
-    <p:sldId id="257" r:id="rId8"/>
-    <p:sldId id="258" r:id="rId9"/>
-    <p:sldId id="259" r:id="rId10"/>
-    <p:sldId id="260" r:id="rId11"/>
-    <p:sldId id="261" r:id="rId12"/>
-    <p:sldId id="262" r:id="rId13"/>
-    <p:sldId id="263" r:id="rId14"/>
-    <p:sldId id="264" r:id="rId15"/>
-    <p:sldId id="265" r:id="rId16"/>
-    <p:sldId id="266" r:id="rId17"/>
-    <p:sldId id="267" r:id="rId18"/>
-    <p:sldId id="268" r:id="rId19"/>
-    <p:sldId id="269" r:id="rId20"/>
-    <p:sldId id="270" r:id="rId21"/>
-    <p:sldId id="271" r:id="rId22"/>
-    <p:sldId id="272" r:id="rId23"/>
-    <p:sldId id="273" r:id="rId24"/>
-    <p:sldId id="274" r:id="rId25"/>
-    <p:sldId id="275" r:id="rId26"/>
-    <p:sldId id="276" r:id="rId27"/>
-    <p:sldId id="277" r:id="rId28"/>
-    <p:sldId id="278" r:id="rId29"/>
-    <p:sldId id="279" r:id="rId30"/>
-    <p:sldId id="280" r:id="rId31"/>
-    <p:sldId id="281" r:id="rId32"/>
-    <p:sldId id="282" r:id="rId33"/>
-    <p:sldId id="283" r:id="rId34"/>
-    <p:sldId id="284" r:id="rId35"/>
-    <p:sldId id="285" r:id="rId36"/>
-    <p:sldId id="286" r:id="rId37"/>
-    <p:sldId id="287" r:id="rId38"/>
-    <p:sldId id="288" r:id="rId39"/>
-    <p:sldId id="289" r:id="rId40"/>
-    <p:sldId id="290" r:id="rId41"/>
-    <p:sldId id="291" r:id="rId42"/>
-    <p:sldId id="292" r:id="rId43"/>
-    <p:sldId id="293" r:id="rId44"/>
-    <p:sldId id="294" r:id="rId45"/>
-    <p:sldId id="295" r:id="rId46"/>
-    <p:sldId id="296" r:id="rId47"/>
-    <p:sldId id="297" r:id="rId48"/>
-    <p:sldId id="298" r:id="rId49"/>
+    <p:sldId id="256" r:id="rId2"/>
+    <p:sldId id="257" r:id="rId3"/>
+    <p:sldId id="258" r:id="rId4"/>
+    <p:sldId id="259" r:id="rId5"/>
+    <p:sldId id="260" r:id="rId6"/>
+    <p:sldId id="261" r:id="rId7"/>
+    <p:sldId id="262" r:id="rId8"/>
+    <p:sldId id="263" r:id="rId9"/>
+    <p:sldId id="264" r:id="rId10"/>
+    <p:sldId id="265" r:id="rId11"/>
+    <p:sldId id="266" r:id="rId12"/>
+    <p:sldId id="267" r:id="rId13"/>
+    <p:sldId id="268" r:id="rId14"/>
+    <p:sldId id="269" r:id="rId15"/>
+    <p:sldId id="270" r:id="rId16"/>
+    <p:sldId id="271" r:id="rId17"/>
+    <p:sldId id="272" r:id="rId18"/>
+    <p:sldId id="273" r:id="rId19"/>
+    <p:sldId id="274" r:id="rId20"/>
+    <p:sldId id="275" r:id="rId21"/>
+    <p:sldId id="276" r:id="rId22"/>
+    <p:sldId id="277" r:id="rId23"/>
+    <p:sldId id="278" r:id="rId24"/>
+    <p:sldId id="279" r:id="rId25"/>
+    <p:sldId id="280" r:id="rId26"/>
+    <p:sldId id="281" r:id="rId27"/>
+    <p:sldId id="282" r:id="rId28"/>
+    <p:sldId id="283" r:id="rId29"/>
+    <p:sldId id="284" r:id="rId30"/>
+    <p:sldId id="285" r:id="rId31"/>
+    <p:sldId id="286" r:id="rId32"/>
+    <p:sldId id="287" r:id="rId33"/>
+    <p:sldId id="288" r:id="rId34"/>
+    <p:sldId id="289" r:id="rId35"/>
+    <p:sldId id="290" r:id="rId36"/>
+    <p:sldId id="291" r:id="rId37"/>
+    <p:sldId id="292" r:id="rId38"/>
+    <p:sldId id="293" r:id="rId39"/>
+    <p:sldId id="294" r:id="rId40"/>
+    <p:sldId id="295" r:id="rId41"/>
+    <p:sldId id="296" r:id="rId42"/>
+    <p:sldId id="297" r:id="rId43"/>
+    <p:sldId id="298" r:id="rId44"/>
   </p:sldIdLst>
   <p:sldSz cx="9144000" cy="6858000" type="screen4x3"/>
   <p:notesSz cx="6858000" cy="9144000"/>
@@ -146,6 +146,22 @@
       </a:defRPr>
     </a:lvl9pPr>
   </p:defaultTextStyle>
+  <p:extLst>
+    <p:ext uri="{EFAFB233-063F-42B5-8137-9DF3F51BA10A}">
+      <p15:sldGuideLst xmlns:p15="http://schemas.microsoft.com/office/powerpoint/2012/main">
+        <p15:guide id="1" orient="horz" pos="2160">
+          <p15:clr>
+            <a:srgbClr val="A4A3A4"/>
+          </p15:clr>
+        </p15:guide>
+        <p15:guide id="2" pos="2880">
+          <p15:clr>
+            <a:srgbClr val="A4A3A4"/>
+          </p15:clr>
+        </p15:guide>
+      </p15:sldGuideLst>
+    </p:ext>
+  </p:extLst>
 </p:presentation>
 </file>
 
@@ -187,10 +203,9 @@
           <a:lstStyle/>
           <a:p>
             <a:r>
-              <a:rPr lang="en-US" smtClean="0"/>
+              <a:rPr lang="en-US"/>
               <a:t>Click to edit Master title style</a:t>
             </a:r>
-            <a:endParaRPr lang="en-US"/>
           </a:p>
         </p:txBody>
       </p:sp>
@@ -306,10 +321,9 @@
           </a:lstStyle>
           <a:p>
             <a:r>
-              <a:rPr lang="en-US" smtClean="0"/>
+              <a:rPr lang="en-US"/>
               <a:t>Click to edit Master subtitle style</a:t>
             </a:r>
-            <a:endParaRPr lang="en-US"/>
           </a:p>
         </p:txBody>
       </p:sp>
@@ -330,7 +344,7 @@
           <a:p>
             <a:fld id="{5BCAD085-E8A6-8845-BD4E-CB4CCA059FC4}" type="datetimeFigureOut">
               <a:rPr lang="en-US" smtClean="0"/>
-              <a:t>1/27/13</a:t>
+              <a:t>9/30/2025</a:t>
             </a:fld>
             <a:endParaRPr lang="en-US"/>
           </a:p>
@@ -424,10 +438,9 @@
           <a:lstStyle/>
           <a:p>
             <a:r>
-              <a:rPr lang="en-US" smtClean="0"/>
+              <a:rPr lang="en-US"/>
               <a:t>Click to edit Master title style</a:t>
             </a:r>
-            <a:endParaRPr lang="en-US"/>
           </a:p>
         </p:txBody>
       </p:sp>
@@ -448,38 +461,37 @@
           <a:p>
             <a:pPr lvl="0"/>
             <a:r>
-              <a:rPr lang="en-US" smtClean="0"/>
+              <a:rPr lang="en-US"/>
               <a:t>Click to edit Master text styles</a:t>
             </a:r>
           </a:p>
           <a:p>
             <a:pPr lvl="1"/>
             <a:r>
-              <a:rPr lang="en-US" smtClean="0"/>
+              <a:rPr lang="en-US"/>
               <a:t>Second level</a:t>
             </a:r>
           </a:p>
           <a:p>
             <a:pPr lvl="2"/>
             <a:r>
-              <a:rPr lang="en-US" smtClean="0"/>
+              <a:rPr lang="en-US"/>
               <a:t>Third level</a:t>
             </a:r>
           </a:p>
           <a:p>
             <a:pPr lvl="3"/>
             <a:r>
-              <a:rPr lang="en-US" smtClean="0"/>
+              <a:rPr lang="en-US"/>
               <a:t>Fourth level</a:t>
             </a:r>
           </a:p>
           <a:p>
             <a:pPr lvl="4"/>
             <a:r>
-              <a:rPr lang="en-US" smtClean="0"/>
+              <a:rPr lang="en-US"/>
               <a:t>Fifth level</a:t>
             </a:r>
-            <a:endParaRPr lang="en-US"/>
           </a:p>
         </p:txBody>
       </p:sp>
@@ -500,7 +512,7 @@
           <a:p>
             <a:fld id="{5BCAD085-E8A6-8845-BD4E-CB4CCA059FC4}" type="datetimeFigureOut">
               <a:rPr lang="en-US" smtClean="0"/>
-              <a:t>1/27/13</a:t>
+              <a:t>9/30/2025</a:t>
             </a:fld>
             <a:endParaRPr lang="en-US"/>
           </a:p>
@@ -599,10 +611,9 @@
           <a:lstStyle/>
           <a:p>
             <a:r>
-              <a:rPr lang="en-US" smtClean="0"/>
+              <a:rPr lang="en-US"/>
               <a:t>Click to edit Master title style</a:t>
             </a:r>
-            <a:endParaRPr lang="en-US"/>
           </a:p>
         </p:txBody>
       </p:sp>
@@ -628,38 +639,37 @@
           <a:p>
             <a:pPr lvl="0"/>
             <a:r>
-              <a:rPr lang="en-US" smtClean="0"/>
+              <a:rPr lang="en-US"/>
               <a:t>Click to edit Master text styles</a:t>
             </a:r>
           </a:p>
           <a:p>
             <a:pPr lvl="1"/>
             <a:r>
-              <a:rPr lang="en-US" smtClean="0"/>
+              <a:rPr lang="en-US"/>
               <a:t>Second level</a:t>
             </a:r>
           </a:p>
           <a:p>
             <a:pPr lvl="2"/>
             <a:r>
-              <a:rPr lang="en-US" smtClean="0"/>
+              <a:rPr lang="en-US"/>
               <a:t>Third level</a:t>
             </a:r>
           </a:p>
           <a:p>
             <a:pPr lvl="3"/>
             <a:r>
-              <a:rPr lang="en-US" smtClean="0"/>
+              <a:rPr lang="en-US"/>
               <a:t>Fourth level</a:t>
             </a:r>
           </a:p>
           <a:p>
             <a:pPr lvl="4"/>
             <a:r>
-              <a:rPr lang="en-US" smtClean="0"/>
+              <a:rPr lang="en-US"/>
               <a:t>Fifth level</a:t>
             </a:r>
-            <a:endParaRPr lang="en-US"/>
           </a:p>
         </p:txBody>
       </p:sp>
@@ -680,7 +690,7 @@
           <a:p>
             <a:fld id="{5BCAD085-E8A6-8845-BD4E-CB4CCA059FC4}" type="datetimeFigureOut">
               <a:rPr lang="en-US" smtClean="0"/>
-              <a:t>1/27/13</a:t>
+              <a:t>9/30/2025</a:t>
             </a:fld>
             <a:endParaRPr lang="en-US"/>
           </a:p>
@@ -774,10 +784,9 @@
           <a:lstStyle/>
           <a:p>
             <a:r>
-              <a:rPr lang="en-US" smtClean="0"/>
+              <a:rPr lang="en-US"/>
               <a:t>Click to edit Master title style</a:t>
             </a:r>
-            <a:endParaRPr lang="en-US"/>
           </a:p>
         </p:txBody>
       </p:sp>
@@ -798,38 +807,37 @@
           <a:p>
             <a:pPr lvl="0"/>
             <a:r>
-              <a:rPr lang="en-US" smtClean="0"/>
+              <a:rPr lang="en-US"/>
               <a:t>Click to edit Master text styles</a:t>
             </a:r>
           </a:p>
           <a:p>
             <a:pPr lvl="1"/>
             <a:r>
-              <a:rPr lang="en-US" smtClean="0"/>
+              <a:rPr lang="en-US"/>
               <a:t>Second level</a:t>
             </a:r>
           </a:p>
           <a:p>
             <a:pPr lvl="2"/>
             <a:r>
-              <a:rPr lang="en-US" smtClean="0"/>
+              <a:rPr lang="en-US"/>
               <a:t>Third level</a:t>
             </a:r>
           </a:p>
           <a:p>
             <a:pPr lvl="3"/>
             <a:r>
-              <a:rPr lang="en-US" smtClean="0"/>
+              <a:rPr lang="en-US"/>
               <a:t>Fourth level</a:t>
             </a:r>
           </a:p>
           <a:p>
             <a:pPr lvl="4"/>
             <a:r>
-              <a:rPr lang="en-US" smtClean="0"/>
+              <a:rPr lang="en-US"/>
               <a:t>Fifth level</a:t>
             </a:r>
-            <a:endParaRPr lang="en-US"/>
           </a:p>
         </p:txBody>
       </p:sp>
@@ -850,7 +858,7 @@
           <a:p>
             <a:fld id="{5BCAD085-E8A6-8845-BD4E-CB4CCA059FC4}" type="datetimeFigureOut">
               <a:rPr lang="en-US" smtClean="0"/>
-              <a:t>1/27/13</a:t>
+              <a:t>9/30/2025</a:t>
             </a:fld>
             <a:endParaRPr lang="en-US"/>
           </a:p>
@@ -953,10 +961,9 @@
           </a:lstStyle>
           <a:p>
             <a:r>
-              <a:rPr lang="en-US" smtClean="0"/>
+              <a:rPr lang="en-US"/>
               <a:t>Click to edit Master title style</a:t>
             </a:r>
-            <a:endParaRPr lang="en-US"/>
           </a:p>
         </p:txBody>
       </p:sp>
@@ -1073,7 +1080,7 @@
           <a:p>
             <a:pPr lvl="0"/>
             <a:r>
-              <a:rPr lang="en-US" smtClean="0"/>
+              <a:rPr lang="en-US"/>
               <a:t>Click to edit Master text styles</a:t>
             </a:r>
           </a:p>
@@ -1096,7 +1103,7 @@
           <a:p>
             <a:fld id="{5BCAD085-E8A6-8845-BD4E-CB4CCA059FC4}" type="datetimeFigureOut">
               <a:rPr lang="en-US" smtClean="0"/>
-              <a:t>1/27/13</a:t>
+              <a:t>9/30/2025</a:t>
             </a:fld>
             <a:endParaRPr lang="en-US"/>
           </a:p>
@@ -1190,10 +1197,9 @@
           <a:lstStyle/>
           <a:p>
             <a:r>
-              <a:rPr lang="en-US" smtClean="0"/>
+              <a:rPr lang="en-US"/>
               <a:t>Click to edit Master title style</a:t>
             </a:r>
-            <a:endParaRPr lang="en-US"/>
           </a:p>
         </p:txBody>
       </p:sp>
@@ -1247,38 +1253,37 @@
           <a:p>
             <a:pPr lvl="0"/>
             <a:r>
-              <a:rPr lang="en-US" smtClean="0"/>
+              <a:rPr lang="en-US"/>
               <a:t>Click to edit Master text styles</a:t>
             </a:r>
           </a:p>
           <a:p>
             <a:pPr lvl="1"/>
             <a:r>
-              <a:rPr lang="en-US" smtClean="0"/>
+              <a:rPr lang="en-US"/>
               <a:t>Second level</a:t>
             </a:r>
           </a:p>
           <a:p>
             <a:pPr lvl="2"/>
             <a:r>
-              <a:rPr lang="en-US" smtClean="0"/>
+              <a:rPr lang="en-US"/>
               <a:t>Third level</a:t>
             </a:r>
           </a:p>
           <a:p>
             <a:pPr lvl="3"/>
             <a:r>
-              <a:rPr lang="en-US" smtClean="0"/>
+              <a:rPr lang="en-US"/>
               <a:t>Fourth level</a:t>
             </a:r>
           </a:p>
           <a:p>
             <a:pPr lvl="4"/>
             <a:r>
-              <a:rPr lang="en-US" smtClean="0"/>
+              <a:rPr lang="en-US"/>
               <a:t>Fifth level</a:t>
             </a:r>
-            <a:endParaRPr lang="en-US"/>
           </a:p>
         </p:txBody>
       </p:sp>
@@ -1332,38 +1337,37 @@
           <a:p>
             <a:pPr lvl="0"/>
             <a:r>
-              <a:rPr lang="en-US" smtClean="0"/>
+              <a:rPr lang="en-US"/>
               <a:t>Click to edit Master text styles</a:t>
             </a:r>
           </a:p>
           <a:p>
             <a:pPr lvl="1"/>
             <a:r>
-              <a:rPr lang="en-US" smtClean="0"/>
+              <a:rPr lang="en-US"/>
               <a:t>Second level</a:t>
             </a:r>
           </a:p>
           <a:p>
             <a:pPr lvl="2"/>
             <a:r>
-              <a:rPr lang="en-US" smtClean="0"/>
+              <a:rPr lang="en-US"/>
               <a:t>Third level</a:t>
             </a:r>
           </a:p>
           <a:p>
             <a:pPr lvl="3"/>
             <a:r>
-              <a:rPr lang="en-US" smtClean="0"/>
+              <a:rPr lang="en-US"/>
               <a:t>Fourth level</a:t>
             </a:r>
           </a:p>
           <a:p>
             <a:pPr lvl="4"/>
             <a:r>
-              <a:rPr lang="en-US" smtClean="0"/>
+              <a:rPr lang="en-US"/>
               <a:t>Fifth level</a:t>
             </a:r>
-            <a:endParaRPr lang="en-US"/>
           </a:p>
         </p:txBody>
       </p:sp>
@@ -1384,7 +1388,7 @@
           <a:p>
             <a:fld id="{5BCAD085-E8A6-8845-BD4E-CB4CCA059FC4}" type="datetimeFigureOut">
               <a:rPr lang="en-US" smtClean="0"/>
-              <a:t>1/27/13</a:t>
+              <a:t>9/30/2025</a:t>
             </a:fld>
             <a:endParaRPr lang="en-US"/>
           </a:p>
@@ -1482,10 +1486,9 @@
           </a:lstStyle>
           <a:p>
             <a:r>
-              <a:rPr lang="en-US" smtClean="0"/>
+              <a:rPr lang="en-US"/>
               <a:t>Click to edit Master title style</a:t>
             </a:r>
-            <a:endParaRPr lang="en-US"/>
           </a:p>
         </p:txBody>
       </p:sp>
@@ -1548,7 +1551,7 @@
           <a:p>
             <a:pPr lvl="0"/>
             <a:r>
-              <a:rPr lang="en-US" smtClean="0"/>
+              <a:rPr lang="en-US"/>
               <a:t>Click to edit Master text styles</a:t>
             </a:r>
           </a:p>
@@ -1604,38 +1607,37 @@
           <a:p>
             <a:pPr lvl="0"/>
             <a:r>
-              <a:rPr lang="en-US" smtClean="0"/>
+              <a:rPr lang="en-US"/>
               <a:t>Click to edit Master text styles</a:t>
             </a:r>
           </a:p>
           <a:p>
             <a:pPr lvl="1"/>
             <a:r>
-              <a:rPr lang="en-US" smtClean="0"/>
+              <a:rPr lang="en-US"/>
               <a:t>Second level</a:t>
             </a:r>
           </a:p>
           <a:p>
             <a:pPr lvl="2"/>
             <a:r>
-              <a:rPr lang="en-US" smtClean="0"/>
+              <a:rPr lang="en-US"/>
               <a:t>Third level</a:t>
             </a:r>
           </a:p>
           <a:p>
             <a:pPr lvl="3"/>
             <a:r>
-              <a:rPr lang="en-US" smtClean="0"/>
+              <a:rPr lang="en-US"/>
               <a:t>Fourth level</a:t>
             </a:r>
           </a:p>
           <a:p>
             <a:pPr lvl="4"/>
             <a:r>
-              <a:rPr lang="en-US" smtClean="0"/>
+              <a:rPr lang="en-US"/>
               <a:t>Fifth level</a:t>
             </a:r>
-            <a:endParaRPr lang="en-US"/>
           </a:p>
         </p:txBody>
       </p:sp>
@@ -1698,7 +1700,7 @@
           <a:p>
             <a:pPr lvl="0"/>
             <a:r>
-              <a:rPr lang="en-US" smtClean="0"/>
+              <a:rPr lang="en-US"/>
               <a:t>Click to edit Master text styles</a:t>
             </a:r>
           </a:p>
@@ -1754,38 +1756,37 @@
           <a:p>
             <a:pPr lvl="0"/>
             <a:r>
-              <a:rPr lang="en-US" smtClean="0"/>
+              <a:rPr lang="en-US"/>
               <a:t>Click to edit Master text styles</a:t>
             </a:r>
           </a:p>
           <a:p>
             <a:pPr lvl="1"/>
             <a:r>
-              <a:rPr lang="en-US" smtClean="0"/>
+              <a:rPr lang="en-US"/>
               <a:t>Second level</a:t>
             </a:r>
           </a:p>
           <a:p>
             <a:pPr lvl="2"/>
             <a:r>
-              <a:rPr lang="en-US" smtClean="0"/>
+              <a:rPr lang="en-US"/>
               <a:t>Third level</a:t>
             </a:r>
           </a:p>
           <a:p>
             <a:pPr lvl="3"/>
             <a:r>
-              <a:rPr lang="en-US" smtClean="0"/>
+              <a:rPr lang="en-US"/>
               <a:t>Fourth level</a:t>
             </a:r>
           </a:p>
           <a:p>
             <a:pPr lvl="4"/>
             <a:r>
-              <a:rPr lang="en-US" smtClean="0"/>
+              <a:rPr lang="en-US"/>
               <a:t>Fifth level</a:t>
             </a:r>
-            <a:endParaRPr lang="en-US"/>
           </a:p>
         </p:txBody>
       </p:sp>
@@ -1806,7 +1807,7 @@
           <a:p>
             <a:fld id="{5BCAD085-E8A6-8845-BD4E-CB4CCA059FC4}" type="datetimeFigureOut">
               <a:rPr lang="en-US" smtClean="0"/>
-              <a:t>1/27/13</a:t>
+              <a:t>9/30/2025</a:t>
             </a:fld>
             <a:endParaRPr lang="en-US"/>
           </a:p>
@@ -1900,10 +1901,9 @@
           <a:lstStyle/>
           <a:p>
             <a:r>
-              <a:rPr lang="en-US" smtClean="0"/>
+              <a:rPr lang="en-US"/>
               <a:t>Click to edit Master title style</a:t>
             </a:r>
-            <a:endParaRPr lang="en-US"/>
           </a:p>
         </p:txBody>
       </p:sp>
@@ -1924,7 +1924,7 @@
           <a:p>
             <a:fld id="{5BCAD085-E8A6-8845-BD4E-CB4CCA059FC4}" type="datetimeFigureOut">
               <a:rPr lang="en-US" smtClean="0"/>
-              <a:t>1/27/13</a:t>
+              <a:t>9/30/2025</a:t>
             </a:fld>
             <a:endParaRPr lang="en-US"/>
           </a:p>
@@ -2019,7 +2019,7 @@
           <a:p>
             <a:fld id="{5BCAD085-E8A6-8845-BD4E-CB4CCA059FC4}" type="datetimeFigureOut">
               <a:rPr lang="en-US" smtClean="0"/>
-              <a:t>1/27/13</a:t>
+              <a:t>9/30/2025</a:t>
             </a:fld>
             <a:endParaRPr lang="en-US"/>
           </a:p>
@@ -2122,10 +2122,9 @@
           </a:lstStyle>
           <a:p>
             <a:r>
-              <a:rPr lang="en-US" smtClean="0"/>
+              <a:rPr lang="en-US"/>
               <a:t>Click to edit Master title style</a:t>
             </a:r>
-            <a:endParaRPr lang="en-US"/>
           </a:p>
         </p:txBody>
       </p:sp>
@@ -2179,38 +2178,37 @@
           <a:p>
             <a:pPr lvl="0"/>
             <a:r>
-              <a:rPr lang="en-US" smtClean="0"/>
+              <a:rPr lang="en-US"/>
               <a:t>Click to edit Master text styles</a:t>
             </a:r>
           </a:p>
           <a:p>
             <a:pPr lvl="1"/>
             <a:r>
-              <a:rPr lang="en-US" smtClean="0"/>
+              <a:rPr lang="en-US"/>
               <a:t>Second level</a:t>
             </a:r>
           </a:p>
           <a:p>
             <a:pPr lvl="2"/>
             <a:r>
-              <a:rPr lang="en-US" smtClean="0"/>
+              <a:rPr lang="en-US"/>
               <a:t>Third level</a:t>
             </a:r>
           </a:p>
           <a:p>
             <a:pPr lvl="3"/>
             <a:r>
-              <a:rPr lang="en-US" smtClean="0"/>
+              <a:rPr lang="en-US"/>
               <a:t>Fourth level</a:t>
             </a:r>
           </a:p>
           <a:p>
             <a:pPr lvl="4"/>
             <a:r>
-              <a:rPr lang="en-US" smtClean="0"/>
+              <a:rPr lang="en-US"/>
               <a:t>Fifth level</a:t>
             </a:r>
-            <a:endParaRPr lang="en-US"/>
           </a:p>
         </p:txBody>
       </p:sp>
@@ -2273,7 +2271,7 @@
           <a:p>
             <a:pPr lvl="0"/>
             <a:r>
-              <a:rPr lang="en-US" smtClean="0"/>
+              <a:rPr lang="en-US"/>
               <a:t>Click to edit Master text styles</a:t>
             </a:r>
           </a:p>
@@ -2296,7 +2294,7 @@
           <a:p>
             <a:fld id="{5BCAD085-E8A6-8845-BD4E-CB4CCA059FC4}" type="datetimeFigureOut">
               <a:rPr lang="en-US" smtClean="0"/>
-              <a:t>1/27/13</a:t>
+              <a:t>9/30/2025</a:t>
             </a:fld>
             <a:endParaRPr lang="en-US"/>
           </a:p>
@@ -2399,10 +2397,9 @@
           </a:lstStyle>
           <a:p>
             <a:r>
-              <a:rPr lang="en-US" smtClean="0"/>
+              <a:rPr lang="en-US"/>
               <a:t>Click to edit Master title style</a:t>
             </a:r>
-            <a:endParaRPr lang="en-US"/>
           </a:p>
         </p:txBody>
       </p:sp>
@@ -2526,7 +2523,7 @@
           <a:p>
             <a:pPr lvl="0"/>
             <a:r>
-              <a:rPr lang="en-US" smtClean="0"/>
+              <a:rPr lang="en-US"/>
               <a:t>Click to edit Master text styles</a:t>
             </a:r>
           </a:p>
@@ -2549,7 +2546,7 @@
           <a:p>
             <a:fld id="{5BCAD085-E8A6-8845-BD4E-CB4CCA059FC4}" type="datetimeFigureOut">
               <a:rPr lang="en-US" smtClean="0"/>
-              <a:t>1/27/13</a:t>
+              <a:t>9/30/2025</a:t>
             </a:fld>
             <a:endParaRPr lang="en-US"/>
           </a:p>
@@ -2658,10 +2655,9 @@
           <a:lstStyle/>
           <a:p>
             <a:r>
-              <a:rPr lang="en-US" smtClean="0"/>
+              <a:rPr lang="en-US"/>
               <a:t>Click to edit Master title style</a:t>
             </a:r>
-            <a:endParaRPr lang="en-US"/>
           </a:p>
         </p:txBody>
       </p:sp>
@@ -2692,38 +2688,37 @@
           <a:p>
             <a:pPr lvl="0"/>
             <a:r>
-              <a:rPr lang="en-US" smtClean="0"/>
+              <a:rPr lang="en-US"/>
               <a:t>Click to edit Master text styles</a:t>
             </a:r>
           </a:p>
           <a:p>
             <a:pPr lvl="1"/>
             <a:r>
-              <a:rPr lang="en-US" smtClean="0"/>
+              <a:rPr lang="en-US"/>
               <a:t>Second level</a:t>
             </a:r>
           </a:p>
           <a:p>
             <a:pPr lvl="2"/>
             <a:r>
-              <a:rPr lang="en-US" smtClean="0"/>
+              <a:rPr lang="en-US"/>
               <a:t>Third level</a:t>
             </a:r>
           </a:p>
           <a:p>
             <a:pPr lvl="3"/>
             <a:r>
-              <a:rPr lang="en-US" smtClean="0"/>
+              <a:rPr lang="en-US"/>
               <a:t>Fourth level</a:t>
             </a:r>
           </a:p>
           <a:p>
             <a:pPr lvl="4"/>
             <a:r>
-              <a:rPr lang="en-US" smtClean="0"/>
+              <a:rPr lang="en-US"/>
               <a:t>Fifth level</a:t>
             </a:r>
-            <a:endParaRPr lang="en-US"/>
           </a:p>
         </p:txBody>
       </p:sp>
@@ -2762,7 +2757,7 @@
           <a:p>
             <a:fld id="{5BCAD085-E8A6-8845-BD4E-CB4CCA059FC4}" type="datetimeFigureOut">
               <a:rPr lang="en-US" smtClean="0"/>
-              <a:t>1/27/13</a:t>
+              <a:t>9/30/2025</a:t>
             </a:fld>
             <a:endParaRPr lang="en-US"/>
           </a:p>
@@ -3121,7 +3116,7 @@
 </file>
 
 <file path=ppt/slides/slide1.xml><?xml version="1.0" encoding="utf-8"?>
-<p:sld xmlns:a="http://schemas.openxmlformats.org/drawingml/2006/main" xmlns:p="http://schemas.openxmlformats.org/presentationml/2006/main" xmlns:r="http://schemas.openxmlformats.org/officeDocument/2006/relationships">
+<p:sld xmlns:a="http://schemas.openxmlformats.org/drawingml/2006/main" xmlns:r="http://schemas.openxmlformats.org/officeDocument/2006/relationships" xmlns:p="http://schemas.openxmlformats.org/presentationml/2006/main">
   <p:cSld>
     <p:spTree>
       <p:nvGrpSpPr>
@@ -3129,7 +3124,14 @@
         <p:cNvGrpSpPr/>
         <p:nvPr/>
       </p:nvGrpSpPr>
-      <p:grpSpPr/>
+      <p:grpSpPr>
+        <a:xfrm>
+          <a:off x="0" y="0"/>
+          <a:ext cx="0" cy="0"/>
+          <a:chOff x="0" y="0"/>
+          <a:chExt cx="0" cy="0"/>
+        </a:xfrm>
+      </p:grpSpPr>
       <p:sp>
         <p:nvSpPr>
           <p:cNvPr id="2" name="Title 1"/>
@@ -3142,10 +3144,13 @@
         </p:nvSpPr>
         <p:spPr/>
         <p:txBody>
-          <a:bodyPr/>
-          <a:lstStyle/>
-          <a:p>
-            <a:r>
+          <a:bodyPr>
+            <a:normAutofit/>
+          </a:bodyPr>
+          <a:lstStyle/>
+          <a:p>
+            <a:r>
+              <a:rPr sz="3200" dirty="0"/>
               <a:t>CM2013: Sleep Scoring Project</a:t>
             </a:r>
           </a:p>
@@ -3163,15 +3168,19 @@
         </p:nvSpPr>
         <p:spPr/>
         <p:txBody>
-          <a:bodyPr/>
-          <a:lstStyle/>
-          <a:p>
-            <a:r>
+          <a:bodyPr>
+            <a:normAutofit/>
+          </a:bodyPr>
+          <a:lstStyle/>
+          <a:p>
+            <a:r>
+              <a:rPr sz="2400"/>
               <a:t>Biomedical Signal Processing</a:t>
             </a:r>
           </a:p>
           <a:p>
             <a:r>
+              <a:rPr sz="2400"/>
               <a:t>Automated Sleep Stage Classification</a:t>
             </a:r>
           </a:p>
@@ -3186,7 +3195,7 @@
 </file>
 
 <file path=ppt/slides/slide10.xml><?xml version="1.0" encoding="utf-8"?>
-<p:sld xmlns:a="http://schemas.openxmlformats.org/drawingml/2006/main" xmlns:p="http://schemas.openxmlformats.org/presentationml/2006/main" xmlns:r="http://schemas.openxmlformats.org/officeDocument/2006/relationships">
+<p:sld xmlns:a="http://schemas.openxmlformats.org/drawingml/2006/main" xmlns:r="http://schemas.openxmlformats.org/officeDocument/2006/relationships" xmlns:p="http://schemas.openxmlformats.org/presentationml/2006/main">
   <p:cSld>
     <p:spTree>
       <p:nvGrpSpPr>
@@ -3194,7 +3203,14 @@
         <p:cNvGrpSpPr/>
         <p:nvPr/>
       </p:nvGrpSpPr>
-      <p:grpSpPr/>
+      <p:grpSpPr>
+        <a:xfrm>
+          <a:off x="0" y="0"/>
+          <a:ext cx="0" cy="0"/>
+          <a:chOff x="0" y="0"/>
+          <a:chExt cx="0" cy="0"/>
+        </a:xfrm>
+      </p:grpSpPr>
       <p:sp>
         <p:nvSpPr>
           <p:cNvPr id="2" name="Title 1"/>
@@ -3207,10 +3223,13 @@
         </p:nvSpPr>
         <p:spPr/>
         <p:txBody>
-          <a:bodyPr/>
-          <a:lstStyle/>
-          <a:p>
-            <a:r>
+          <a:bodyPr>
+            <a:normAutofit/>
+          </a:bodyPr>
+          <a:lstStyle/>
+          <a:p>
+            <a:r>
+              <a:rPr sz="3200" dirty="0"/>
               <a:t>Iteration Timeline &amp; Milestones</a:t>
             </a:r>
           </a:p>
@@ -3235,11 +3254,41 @@
                 <a:tableStyleId>{5C22544A-7EE6-4342-B048-85BDC9FD1C3A}</a:tableStyleId>
               </a:tblPr>
               <a:tblGrid>
-                <a:gridCol w="1645920"/>
-                <a:gridCol w="1645920"/>
-                <a:gridCol w="1645920"/>
-                <a:gridCol w="1645920"/>
-                <a:gridCol w="1645920"/>
+                <a:gridCol w="1645920">
+                  <a:extLst>
+                    <a:ext uri="{9D8B030D-6E8A-4147-A177-3AD203B41FA5}">
+                      <a16:colId xmlns:a16="http://schemas.microsoft.com/office/drawing/2014/main" val="20000"/>
+                    </a:ext>
+                  </a:extLst>
+                </a:gridCol>
+                <a:gridCol w="1645920">
+                  <a:extLst>
+                    <a:ext uri="{9D8B030D-6E8A-4147-A177-3AD203B41FA5}">
+                      <a16:colId xmlns:a16="http://schemas.microsoft.com/office/drawing/2014/main" val="20001"/>
+                    </a:ext>
+                  </a:extLst>
+                </a:gridCol>
+                <a:gridCol w="1645920">
+                  <a:extLst>
+                    <a:ext uri="{9D8B030D-6E8A-4147-A177-3AD203B41FA5}">
+                      <a16:colId xmlns:a16="http://schemas.microsoft.com/office/drawing/2014/main" val="20002"/>
+                    </a:ext>
+                  </a:extLst>
+                </a:gridCol>
+                <a:gridCol w="1645920">
+                  <a:extLst>
+                    <a:ext uri="{9D8B030D-6E8A-4147-A177-3AD203B41FA5}">
+                      <a16:colId xmlns:a16="http://schemas.microsoft.com/office/drawing/2014/main" val="20003"/>
+                    </a:ext>
+                  </a:extLst>
+                </a:gridCol>
+                <a:gridCol w="1645920">
+                  <a:extLst>
+                    <a:ext uri="{9D8B030D-6E8A-4147-A177-3AD203B41FA5}">
+                      <a16:colId xmlns:a16="http://schemas.microsoft.com/office/drawing/2014/main" val="20004"/>
+                    </a:ext>
+                  </a:extLst>
+                </a:gridCol>
               </a:tblGrid>
               <a:tr h="731520">
                 <a:tc>
@@ -3248,7 +3297,7 @@
                     <a:lstStyle/>
                     <a:p>
                       <a:pPr>
-                        <a:defRPr b="1" sz="1200">
+                        <a:defRPr sz="1200" b="1">
                           <a:solidFill>
                             <a:srgbClr val="FFFFFF"/>
                           </a:solidFill>
@@ -3271,7 +3320,7 @@
                     <a:lstStyle/>
                     <a:p>
                       <a:pPr>
-                        <a:defRPr b="1" sz="1200">
+                        <a:defRPr sz="1200" b="1">
                           <a:solidFill>
                             <a:srgbClr val="FFFFFF"/>
                           </a:solidFill>
@@ -3294,7 +3343,7 @@
                     <a:lstStyle/>
                     <a:p>
                       <a:pPr>
-                        <a:defRPr b="1" sz="1200">
+                        <a:defRPr sz="1200" b="1">
                           <a:solidFill>
                             <a:srgbClr val="FFFFFF"/>
                           </a:solidFill>
@@ -3317,7 +3366,7 @@
                     <a:lstStyle/>
                     <a:p>
                       <a:pPr>
-                        <a:defRPr b="1" sz="1200">
+                        <a:defRPr sz="1200" b="1">
                           <a:solidFill>
                             <a:srgbClr val="FFFFFF"/>
                           </a:solidFill>
@@ -3340,7 +3389,7 @@
                     <a:lstStyle/>
                     <a:p>
                       <a:pPr>
-                        <a:defRPr b="1" sz="1200">
+                        <a:defRPr sz="1200" b="1">
                           <a:solidFill>
                             <a:srgbClr val="FFFFFF"/>
                           </a:solidFill>
@@ -3357,6 +3406,11 @@
                     </a:solidFill>
                   </a:tcPr>
                 </a:tc>
+                <a:extLst>
+                  <a:ext uri="{0D108BD9-81ED-4DB2-BD59-A6C34878D82A}">
+                    <a16:rowId xmlns:a16="http://schemas.microsoft.com/office/drawing/2014/main" val="10000"/>
+                  </a:ext>
+                </a:extLst>
               </a:tr>
               <a:tr h="731520">
                 <a:tc>
@@ -3434,6 +3488,11 @@
                   </a:txBody>
                   <a:tcPr/>
                 </a:tc>
+                <a:extLst>
+                  <a:ext uri="{0D108BD9-81ED-4DB2-BD59-A6C34878D82A}">
+                    <a16:rowId xmlns:a16="http://schemas.microsoft.com/office/drawing/2014/main" val="10001"/>
+                  </a:ext>
+                </a:extLst>
               </a:tr>
               <a:tr h="731520">
                 <a:tc>
@@ -3511,6 +3570,11 @@
                   </a:txBody>
                   <a:tcPr/>
                 </a:tc>
+                <a:extLst>
+                  <a:ext uri="{0D108BD9-81ED-4DB2-BD59-A6C34878D82A}">
+                    <a16:rowId xmlns:a16="http://schemas.microsoft.com/office/drawing/2014/main" val="10002"/>
+                  </a:ext>
+                </a:extLst>
               </a:tr>
               <a:tr h="731520">
                 <a:tc>
@@ -3588,6 +3652,11 @@
                   </a:txBody>
                   <a:tcPr/>
                 </a:tc>
+                <a:extLst>
+                  <a:ext uri="{0D108BD9-81ED-4DB2-BD59-A6C34878D82A}">
+                    <a16:rowId xmlns:a16="http://schemas.microsoft.com/office/drawing/2014/main" val="10003"/>
+                  </a:ext>
+                </a:extLst>
               </a:tr>
               <a:tr h="731520">
                 <a:tc>
@@ -3665,6 +3734,11 @@
                   </a:txBody>
                   <a:tcPr/>
                 </a:tc>
+                <a:extLst>
+                  <a:ext uri="{0D108BD9-81ED-4DB2-BD59-A6C34878D82A}">
+                    <a16:rowId xmlns:a16="http://schemas.microsoft.com/office/drawing/2014/main" val="10004"/>
+                  </a:ext>
+                </a:extLst>
               </a:tr>
             </a:tbl>
           </a:graphicData>
@@ -3679,7 +3753,7 @@
 </file>
 
 <file path=ppt/slides/slide11.xml><?xml version="1.0" encoding="utf-8"?>
-<p:sld xmlns:a="http://schemas.openxmlformats.org/drawingml/2006/main" xmlns:p="http://schemas.openxmlformats.org/presentationml/2006/main" xmlns:r="http://schemas.openxmlformats.org/officeDocument/2006/relationships">
+<p:sld xmlns:a="http://schemas.openxmlformats.org/drawingml/2006/main" xmlns:r="http://schemas.openxmlformats.org/officeDocument/2006/relationships" xmlns:p="http://schemas.openxmlformats.org/presentationml/2006/main">
   <p:cSld>
     <p:spTree>
       <p:nvGrpSpPr>
@@ -3687,7 +3761,14 @@
         <p:cNvGrpSpPr/>
         <p:nvPr/>
       </p:nvGrpSpPr>
-      <p:grpSpPr/>
+      <p:grpSpPr>
+        <a:xfrm>
+          <a:off x="0" y="0"/>
+          <a:ext cx="0" cy="0"/>
+          <a:chOff x="0" y="0"/>
+          <a:chExt cx="0" cy="0"/>
+        </a:xfrm>
+      </p:grpSpPr>
       <p:sp>
         <p:nvSpPr>
           <p:cNvPr id="2" name="Title 1"/>
@@ -3700,10 +3781,13 @@
         </p:nvSpPr>
         <p:spPr/>
         <p:txBody>
-          <a:bodyPr/>
-          <a:lstStyle/>
-          <a:p>
-            <a:r>
+          <a:bodyPr>
+            <a:normAutofit/>
+          </a:bodyPr>
+          <a:lstStyle/>
+          <a:p>
+            <a:r>
+              <a:rPr sz="3200" dirty="0"/>
               <a:t>Iteration 1: Basic Pipeline (Oct 31)</a:t>
             </a:r>
           </a:p>
@@ -3721,66 +3805,75 @@
         </p:nvSpPr>
         <p:spPr/>
         <p:txBody>
-          <a:bodyPr/>
-          <a:lstStyle/>
-          <a:p/>
-          <a:p>
-            <a:pPr/>
-            <a:r>
+          <a:bodyPr>
+            <a:noAutofit/>
+          </a:bodyPr>
+          <a:lstStyle/>
+          <a:p>
+            <a:endParaRPr sz="2000"/>
+          </a:p>
+          <a:p>
+            <a:r>
+              <a:rPr sz="2000"/>
               <a:t>Focus: Get something working end-to-end</a:t>
             </a:r>
           </a:p>
           <a:p>
-            <a:pPr/>
-            <a:r>
+            <a:r>
+              <a:rPr sz="2000"/>
               <a:t>Signals: EEG only (single or dual channel)</a:t>
             </a:r>
           </a:p>
           <a:p>
-            <a:pPr/>
-            <a:r>
+            <a:r>
+              <a:rPr sz="2000"/>
               <a:t>Features: 16 time-domain features per channel</a:t>
             </a:r>
           </a:p>
           <a:p>
             <a:pPr lvl="1"/>
             <a:r>
+              <a:rPr sz="1800"/>
               <a:t>Mean, median, std, variance, RMS, Hjorth parameters</a:t>
             </a:r>
           </a:p>
           <a:p>
-            <a:pPr/>
-            <a:r>
+            <a:r>
+              <a:rPr sz="2000"/>
               <a:t>Classifier: k-Nearest Neighbors (k-NN)</a:t>
             </a:r>
           </a:p>
           <a:p>
             <a:pPr lvl="1"/>
             <a:r>
+              <a:rPr sz="1800"/>
               <a:t>Simple, interpretable baseline</a:t>
             </a:r>
           </a:p>
           <a:p>
-            <a:pPr/>
-            <a:r>
+            <a:r>
+              <a:rPr sz="2000"/>
               <a:t>Deliverables:</a:t>
             </a:r>
           </a:p>
           <a:p>
             <a:pPr lvl="1"/>
             <a:r>
+              <a:rPr sz="1800"/>
               <a:t>Complete data loading pipeline</a:t>
             </a:r>
           </a:p>
           <a:p>
             <a:pPr lvl="1"/>
             <a:r>
+              <a:rPr sz="1800"/>
               <a:t>Basic preprocessing (filtering, epoching)</a:t>
             </a:r>
           </a:p>
           <a:p>
             <a:pPr lvl="1"/>
             <a:r>
+              <a:rPr sz="1800"/>
               <a:t>Working end-to-end classification</a:t>
             </a:r>
           </a:p>
@@ -3795,7 +3888,7 @@
 </file>
 
 <file path=ppt/slides/slide12.xml><?xml version="1.0" encoding="utf-8"?>
-<p:sld xmlns:a="http://schemas.openxmlformats.org/drawingml/2006/main" xmlns:p="http://schemas.openxmlformats.org/presentationml/2006/main" xmlns:r="http://schemas.openxmlformats.org/officeDocument/2006/relationships">
+<p:sld xmlns:a="http://schemas.openxmlformats.org/drawingml/2006/main" xmlns:r="http://schemas.openxmlformats.org/officeDocument/2006/relationships" xmlns:p="http://schemas.openxmlformats.org/presentationml/2006/main">
   <p:cSld>
     <p:spTree>
       <p:nvGrpSpPr>
@@ -3803,7 +3896,14 @@
         <p:cNvGrpSpPr/>
         <p:nvPr/>
       </p:nvGrpSpPr>
-      <p:grpSpPr/>
+      <p:grpSpPr>
+        <a:xfrm>
+          <a:off x="0" y="0"/>
+          <a:ext cx="0" cy="0"/>
+          <a:chOff x="0" y="0"/>
+          <a:chExt cx="0" cy="0"/>
+        </a:xfrm>
+      </p:grpSpPr>
       <p:sp>
         <p:nvSpPr>
           <p:cNvPr id="2" name="Title 1"/>
@@ -3816,10 +3916,13 @@
         </p:nvSpPr>
         <p:spPr/>
         <p:txBody>
-          <a:bodyPr/>
-          <a:lstStyle/>
-          <a:p>
-            <a:r>
+          <a:bodyPr>
+            <a:noAutofit/>
+          </a:bodyPr>
+          <a:lstStyle/>
+          <a:p>
+            <a:r>
+              <a:rPr sz="3200" dirty="0"/>
               <a:t>Iteration 2: Enhanced Processing (Nov 19)</a:t>
             </a:r>
           </a:p>
@@ -3837,66 +3940,75 @@
         </p:nvSpPr>
         <p:spPr/>
         <p:txBody>
-          <a:bodyPr/>
-          <a:lstStyle/>
-          <a:p/>
-          <a:p>
-            <a:pPr/>
-            <a:r>
+          <a:bodyPr>
+            <a:noAutofit/>
+          </a:bodyPr>
+          <a:lstStyle/>
+          <a:p>
+            <a:endParaRPr sz="2000"/>
+          </a:p>
+          <a:p>
+            <a:r>
+              <a:rPr sz="2000"/>
               <a:t>Focus: Add EOG and frequency-domain features</a:t>
             </a:r>
           </a:p>
           <a:p>
-            <a:pPr/>
-            <a:r>
+            <a:r>
+              <a:rPr sz="2000"/>
               <a:t>Signals: EEG + EOG (eye movement detection)</a:t>
             </a:r>
           </a:p>
           <a:p>
-            <a:pPr/>
-            <a:r>
+            <a:r>
+              <a:rPr sz="2000"/>
               <a:t>Features: ~31 features (time + frequency domain)</a:t>
             </a:r>
           </a:p>
           <a:p>
             <a:pPr lvl="1"/>
             <a:r>
+              <a:rPr sz="1800"/>
               <a:t>Add frequency features: band powers, spectral entropy</a:t>
             </a:r>
           </a:p>
           <a:p>
             <a:pPr lvl="1"/>
             <a:r>
+              <a:rPr sz="1800"/>
               <a:t>EOG-specific: eye movement characteristics</a:t>
             </a:r>
           </a:p>
           <a:p>
-            <a:pPr/>
-            <a:r>
+            <a:r>
+              <a:rPr sz="2000"/>
               <a:t>Classifier: Support Vector Machine (SVM)</a:t>
             </a:r>
           </a:p>
           <a:p>
             <a:pPr lvl="1"/>
             <a:r>
+              <a:rPr sz="1800"/>
               <a:t>Better handling of high-dimensional data</a:t>
             </a:r>
           </a:p>
           <a:p>
-            <a:pPr/>
-            <a:r>
+            <a:r>
+              <a:rPr sz="2000"/>
               <a:t>Deliverables:</a:t>
             </a:r>
           </a:p>
           <a:p>
             <a:pPr lvl="1"/>
             <a:r>
+              <a:rPr sz="1800"/>
               <a:t>Multi-signal processing capability</a:t>
             </a:r>
           </a:p>
           <a:p>
             <a:pPr lvl="1"/>
             <a:r>
+              <a:rPr sz="1800"/>
               <a:t>Frequency-domain feature extraction</a:t>
             </a:r>
           </a:p>
@@ -3911,7 +4023,7 @@
 </file>
 
 <file path=ppt/slides/slide13.xml><?xml version="1.0" encoding="utf-8"?>
-<p:sld xmlns:a="http://schemas.openxmlformats.org/drawingml/2006/main" xmlns:p="http://schemas.openxmlformats.org/presentationml/2006/main" xmlns:r="http://schemas.openxmlformats.org/officeDocument/2006/relationships">
+<p:sld xmlns:a="http://schemas.openxmlformats.org/drawingml/2006/main" xmlns:r="http://schemas.openxmlformats.org/officeDocument/2006/relationships" xmlns:p="http://schemas.openxmlformats.org/presentationml/2006/main">
   <p:cSld>
     <p:spTree>
       <p:nvGrpSpPr>
@@ -3919,7 +4031,14 @@
         <p:cNvGrpSpPr/>
         <p:nvPr/>
       </p:nvGrpSpPr>
-      <p:grpSpPr/>
+      <p:grpSpPr>
+        <a:xfrm>
+          <a:off x="0" y="0"/>
+          <a:ext cx="0" cy="0"/>
+          <a:chOff x="0" y="0"/>
+          <a:chExt cx="0" cy="0"/>
+        </a:xfrm>
+      </p:grpSpPr>
       <p:sp>
         <p:nvSpPr>
           <p:cNvPr id="2" name="Title 1"/>
@@ -3932,10 +4051,13 @@
         </p:nvSpPr>
         <p:spPr/>
         <p:txBody>
-          <a:bodyPr/>
-          <a:lstStyle/>
-          <a:p>
-            <a:r>
+          <a:bodyPr>
+            <a:normAutofit/>
+          </a:bodyPr>
+          <a:lstStyle/>
+          <a:p>
+            <a:r>
+              <a:rPr sz="3200" dirty="0"/>
               <a:t>Iteration 3: Multi-Signal (Dec 5)</a:t>
             </a:r>
           </a:p>
@@ -3953,66 +4075,75 @@
         </p:nvSpPr>
         <p:spPr/>
         <p:txBody>
-          <a:bodyPr/>
-          <a:lstStyle/>
-          <a:p/>
-          <a:p>
-            <a:pPr/>
-            <a:r>
+          <a:bodyPr>
+            <a:noAutofit/>
+          </a:bodyPr>
+          <a:lstStyle/>
+          <a:p>
+            <a:endParaRPr sz="2000"/>
+          </a:p>
+          <a:p>
+            <a:r>
+              <a:rPr sz="2000"/>
               <a:t>Focus: Add EMG and implement feature selection</a:t>
             </a:r>
           </a:p>
           <a:p>
-            <a:pPr/>
-            <a:r>
+            <a:r>
+              <a:rPr sz="2000"/>
               <a:t>Signals: EEG + EOG + EMG (muscle tone)</a:t>
             </a:r>
           </a:p>
           <a:p>
-            <a:pPr/>
-            <a:r>
+            <a:r>
+              <a:rPr sz="2000"/>
               <a:t>Features: ~30 selected features (down from 50+)</a:t>
             </a:r>
           </a:p>
           <a:p>
             <a:pPr lvl="1"/>
             <a:r>
+              <a:rPr sz="1800"/>
               <a:t>Feature selection: statistical tests, mutual information</a:t>
             </a:r>
           </a:p>
           <a:p>
             <a:pPr lvl="1"/>
             <a:r>
+              <a:rPr sz="1800"/>
               <a:t>EMG features: muscle activity indicators</a:t>
             </a:r>
           </a:p>
           <a:p>
-            <a:pPr/>
-            <a:r>
+            <a:r>
+              <a:rPr sz="2000"/>
               <a:t>Classifier: Random Forest</a:t>
             </a:r>
           </a:p>
           <a:p>
             <a:pPr lvl="1"/>
             <a:r>
+              <a:rPr sz="1800"/>
               <a:t>Handles non-linear relationships, provides feature importance</a:t>
             </a:r>
           </a:p>
           <a:p>
-            <a:pPr/>
-            <a:r>
+            <a:r>
+              <a:rPr sz="2000"/>
               <a:t>Deliverables:</a:t>
             </a:r>
           </a:p>
           <a:p>
             <a:pPr lvl="1"/>
             <a:r>
+              <a:rPr sz="1800"/>
               <a:t>Complete multi-signal processing</a:t>
             </a:r>
           </a:p>
           <a:p>
             <a:pPr lvl="1"/>
             <a:r>
+              <a:rPr sz="1800"/>
               <a:t>Intelligent feature selection</a:t>
             </a:r>
           </a:p>
@@ -4027,7 +4158,7 @@
 </file>
 
 <file path=ppt/slides/slide14.xml><?xml version="1.0" encoding="utf-8"?>
-<p:sld xmlns:a="http://schemas.openxmlformats.org/drawingml/2006/main" xmlns:p="http://schemas.openxmlformats.org/presentationml/2006/main" xmlns:r="http://schemas.openxmlformats.org/officeDocument/2006/relationships">
+<p:sld xmlns:a="http://schemas.openxmlformats.org/drawingml/2006/main" xmlns:r="http://schemas.openxmlformats.org/officeDocument/2006/relationships" xmlns:p="http://schemas.openxmlformats.org/presentationml/2006/main">
   <p:cSld>
     <p:spTree>
       <p:nvGrpSpPr>
@@ -4035,7 +4166,14 @@
         <p:cNvGrpSpPr/>
         <p:nvPr/>
       </p:nvGrpSpPr>
-      <p:grpSpPr/>
+      <p:grpSpPr>
+        <a:xfrm>
+          <a:off x="0" y="0"/>
+          <a:ext cx="0" cy="0"/>
+          <a:chOff x="0" y="0"/>
+          <a:chExt cx="0" cy="0"/>
+        </a:xfrm>
+      </p:grpSpPr>
       <p:sp>
         <p:nvSpPr>
           <p:cNvPr id="2" name="Title 1"/>
@@ -4048,10 +4186,13 @@
         </p:nvSpPr>
         <p:spPr/>
         <p:txBody>
-          <a:bodyPr/>
-          <a:lstStyle/>
-          <a:p>
-            <a:r>
+          <a:bodyPr>
+            <a:normAutofit/>
+          </a:bodyPr>
+          <a:lstStyle/>
+          <a:p>
+            <a:r>
+              <a:rPr sz="3200" dirty="0"/>
               <a:t>Iteration 4: Full System (Dec 18)</a:t>
             </a:r>
           </a:p>
@@ -4069,66 +4210,75 @@
         </p:nvSpPr>
         <p:spPr/>
         <p:txBody>
-          <a:bodyPr/>
-          <a:lstStyle/>
-          <a:p/>
-          <a:p>
-            <a:pPr/>
-            <a:r>
+          <a:bodyPr>
+            <a:noAutofit/>
+          </a:bodyPr>
+          <a:lstStyle/>
+          <a:p>
+            <a:endParaRPr sz="2000"/>
+          </a:p>
+          <a:p>
+            <a:r>
+              <a:rPr sz="2000"/>
               <a:t>Focus: Optimization and finalization</a:t>
             </a:r>
           </a:p>
           <a:p>
-            <a:pPr/>
-            <a:r>
+            <a:r>
+              <a:rPr sz="2000"/>
               <a:t>Signals: All available channels optimally combined</a:t>
             </a:r>
           </a:p>
           <a:p>
-            <a:pPr/>
-            <a:r>
+            <a:r>
+              <a:rPr sz="2000"/>
               <a:t>Features: Optimized feature set</a:t>
             </a:r>
           </a:p>
           <a:p>
             <a:pPr lvl="1"/>
             <a:r>
+              <a:rPr sz="1800"/>
               <a:t>Cross-validation for robustness</a:t>
             </a:r>
           </a:p>
           <a:p>
-            <a:pPr/>
-            <a:r>
+            <a:r>
+              <a:rPr sz="2000"/>
               <a:t>Classifier: Optimized Random Forest</a:t>
             </a:r>
           </a:p>
           <a:p>
             <a:pPr lvl="1"/>
             <a:r>
+              <a:rPr sz="1800"/>
               <a:t>Hyperparameter tuning, ensemble methods</a:t>
             </a:r>
           </a:p>
           <a:p>
-            <a:pPr/>
-            <a:r>
+            <a:r>
+              <a:rPr sz="2000"/>
               <a:t>Deliverables:</a:t>
             </a:r>
           </a:p>
           <a:p>
             <a:pPr lvl="1"/>
             <a:r>
+              <a:rPr sz="1800"/>
               <a:t>Final competition submission</a:t>
             </a:r>
           </a:p>
           <a:p>
             <a:pPr lvl="1"/>
             <a:r>
+              <a:rPr sz="1800"/>
               <a:t>Complete technical report</a:t>
             </a:r>
           </a:p>
           <a:p>
             <a:pPr lvl="1"/>
             <a:r>
+              <a:rPr sz="1800"/>
               <a:t>Project documentation and presentation</a:t>
             </a:r>
           </a:p>
@@ -4143,7 +4293,7 @@
 </file>
 
 <file path=ppt/slides/slide15.xml><?xml version="1.0" encoding="utf-8"?>
-<p:sld xmlns:a="http://schemas.openxmlformats.org/drawingml/2006/main" xmlns:p="http://schemas.openxmlformats.org/presentationml/2006/main" xmlns:r="http://schemas.openxmlformats.org/officeDocument/2006/relationships">
+<p:sld xmlns:a="http://schemas.openxmlformats.org/drawingml/2006/main" xmlns:r="http://schemas.openxmlformats.org/officeDocument/2006/relationships" xmlns:p="http://schemas.openxmlformats.org/presentationml/2006/main">
   <p:cSld>
     <p:spTree>
       <p:nvGrpSpPr>
@@ -4151,7 +4301,14 @@
         <p:cNvGrpSpPr/>
         <p:nvPr/>
       </p:nvGrpSpPr>
-      <p:grpSpPr/>
+      <p:grpSpPr>
+        <a:xfrm>
+          <a:off x="0" y="0"/>
+          <a:ext cx="0" cy="0"/>
+          <a:chOff x="0" y="0"/>
+          <a:chExt cx="0" cy="0"/>
+        </a:xfrm>
+      </p:grpSpPr>
       <p:sp>
         <p:nvSpPr>
           <p:cNvPr id="2" name="Title 1"/>
@@ -4164,35 +4321,46 @@
         </p:nvSpPr>
         <p:spPr/>
         <p:txBody>
+          <a:bodyPr>
+            <a:normAutofit/>
+          </a:bodyPr>
+          <a:lstStyle/>
+          <a:p>
+            <a:r>
+              <a:rPr sz="3200" dirty="0"/>
+              <a:t>Project Management:</a:t>
+            </a:r>
+          </a:p>
+          <a:p>
+            <a:r>
+              <a:rPr sz="3200" dirty="0"/>
+              <a:t>Using </a:t>
+            </a:r>
+            <a:r>
+              <a:rPr sz="3200" dirty="0" err="1"/>
+              <a:t>ClickUp</a:t>
+            </a:r>
+            <a:endParaRPr sz="3200" dirty="0"/>
+          </a:p>
+        </p:txBody>
+      </p:sp>
+      <p:sp>
+        <p:nvSpPr>
+          <p:cNvPr id="3" name="Text Placeholder 2"/>
+          <p:cNvSpPr>
+            <a:spLocks noGrp="1"/>
+          </p:cNvSpPr>
+          <p:nvPr>
+            <p:ph type="body" idx="1"/>
+          </p:nvPr>
+        </p:nvSpPr>
+        <p:spPr/>
+        <p:txBody>
           <a:bodyPr/>
           <a:lstStyle/>
           <a:p>
-            <a:r>
-              <a:t>Project Management:</a:t>
-            </a:r>
-          </a:p>
-          <a:p>
-            <a:r>
-              <a:t>Using ClickUp</a:t>
-            </a:r>
-          </a:p>
-        </p:txBody>
-      </p:sp>
-      <p:sp>
-        <p:nvSpPr>
-          <p:cNvPr id="3" name="Text Placeholder 2"/>
-          <p:cNvSpPr>
-            <a:spLocks noGrp="1"/>
-          </p:cNvSpPr>
-          <p:nvPr>
-            <p:ph type="body" idx="1"/>
-          </p:nvPr>
-        </p:nvSpPr>
-        <p:spPr/>
-        <p:txBody>
-          <a:bodyPr/>
-          <a:lstStyle/>
-          <a:p/>
+            <a:endParaRPr/>
+          </a:p>
         </p:txBody>
       </p:sp>
     </p:spTree>
@@ -4204,7 +4372,7 @@
 </file>
 
 <file path=ppt/slides/slide16.xml><?xml version="1.0" encoding="utf-8"?>
-<p:sld xmlns:a="http://schemas.openxmlformats.org/drawingml/2006/main" xmlns:p="http://schemas.openxmlformats.org/presentationml/2006/main" xmlns:r="http://schemas.openxmlformats.org/officeDocument/2006/relationships">
+<p:sld xmlns:a="http://schemas.openxmlformats.org/drawingml/2006/main" xmlns:r="http://schemas.openxmlformats.org/officeDocument/2006/relationships" xmlns:p="http://schemas.openxmlformats.org/presentationml/2006/main">
   <p:cSld>
     <p:spTree>
       <p:nvGrpSpPr>
@@ -4212,7 +4380,14 @@
         <p:cNvGrpSpPr/>
         <p:nvPr/>
       </p:nvGrpSpPr>
-      <p:grpSpPr/>
+      <p:grpSpPr>
+        <a:xfrm>
+          <a:off x="0" y="0"/>
+          <a:ext cx="0" cy="0"/>
+          <a:chOff x="0" y="0"/>
+          <a:chExt cx="0" cy="0"/>
+        </a:xfrm>
+      </p:grpSpPr>
       <p:sp>
         <p:nvSpPr>
           <p:cNvPr id="2" name="Title 1"/>
@@ -4225,10 +4400,13 @@
         </p:nvSpPr>
         <p:spPr/>
         <p:txBody>
-          <a:bodyPr/>
-          <a:lstStyle/>
-          <a:p>
-            <a:r>
+          <a:bodyPr>
+            <a:normAutofit/>
+          </a:bodyPr>
+          <a:lstStyle/>
+          <a:p>
+            <a:r>
+              <a:rPr sz="3200" dirty="0"/>
               <a:t>Why Project Management Tools?</a:t>
             </a:r>
           </a:p>
@@ -4246,61 +4424,79 @@
         </p:nvSpPr>
         <p:spPr/>
         <p:txBody>
-          <a:bodyPr/>
-          <a:lstStyle/>
-          <a:p/>
-          <a:p>
-            <a:pPr/>
-            <a:r>
+          <a:bodyPr>
+            <a:noAutofit/>
+          </a:bodyPr>
+          <a:lstStyle/>
+          <a:p>
+            <a:endParaRPr sz="2000" dirty="0"/>
+          </a:p>
+          <a:p>
+            <a:r>
+              <a:rPr sz="2000" dirty="0"/>
               <a:t>Essential for team collaboration and coordination</a:t>
             </a:r>
           </a:p>
           <a:p>
             <a:pPr lvl="1"/>
             <a:r>
+              <a:rPr sz="1800" dirty="0"/>
               <a:t>Track who is doing what and when</a:t>
             </a:r>
           </a:p>
           <a:p>
             <a:pPr lvl="1"/>
             <a:r>
+              <a:rPr sz="1800" dirty="0"/>
               <a:t>Visualize progress and identify blockers</a:t>
             </a:r>
           </a:p>
           <a:p>
             <a:pPr lvl="1"/>
             <a:r>
+              <a:rPr sz="1800" dirty="0"/>
               <a:t>Maintain accountability and transparency</a:t>
             </a:r>
           </a:p>
           <a:p>
-            <a:pPr/>
-            <a:r>
+            <a:r>
+              <a:rPr sz="2000" dirty="0"/>
               <a:t>Professional skill development:</a:t>
             </a:r>
           </a:p>
           <a:p>
             <a:pPr lvl="1"/>
             <a:r>
+              <a:rPr sz="1800" dirty="0"/>
               <a:t>Industry standard practice</a:t>
             </a:r>
           </a:p>
           <a:p>
             <a:pPr lvl="1"/>
             <a:r>
+              <a:rPr sz="1800" dirty="0"/>
               <a:t>Critical for remote/distributed teams</a:t>
             </a:r>
           </a:p>
           <a:p>
-            <a:pPr/>
-            <a:r>
+            <a:r>
+              <a:rPr sz="2000" dirty="0"/>
               <a:t>Required for assessment (grading checkpoints)</a:t>
             </a:r>
           </a:p>
           <a:p>
             <a:pPr lvl="1"/>
             <a:r>
-              <a:t>Instructor reviews your ClickUp at each milestone</a:t>
+              <a:rPr sz="1800" dirty="0"/>
+              <a:t>Instructor reviews your </a:t>
+            </a:r>
+            <a:r>
+              <a:rPr sz="1800" dirty="0" err="1"/>
+              <a:t>ClickUp</a:t>
+            </a:r>
+            <a:r>
+              <a:rPr sz="1800" dirty="0"/>
+              <a:t> at each milestone</a:t>
             </a:r>
           </a:p>
         </p:txBody>
@@ -4314,7 +4510,7 @@
 </file>
 
 <file path=ppt/slides/slide17.xml><?xml version="1.0" encoding="utf-8"?>
-<p:sld xmlns:a="http://schemas.openxmlformats.org/drawingml/2006/main" xmlns:p="http://schemas.openxmlformats.org/presentationml/2006/main" xmlns:r="http://schemas.openxmlformats.org/officeDocument/2006/relationships">
+<p:sld xmlns:a="http://schemas.openxmlformats.org/drawingml/2006/main" xmlns:r="http://schemas.openxmlformats.org/officeDocument/2006/relationships" xmlns:p="http://schemas.openxmlformats.org/presentationml/2006/main">
   <p:cSld>
     <p:spTree>
       <p:nvGrpSpPr>
@@ -4322,7 +4518,14 @@
         <p:cNvGrpSpPr/>
         <p:nvPr/>
       </p:nvGrpSpPr>
-      <p:grpSpPr/>
+      <p:grpSpPr>
+        <a:xfrm>
+          <a:off x="0" y="0"/>
+          <a:ext cx="0" cy="0"/>
+          <a:chOff x="0" y="0"/>
+          <a:chExt cx="0" cy="0"/>
+        </a:xfrm>
+      </p:grpSpPr>
       <p:sp>
         <p:nvSpPr>
           <p:cNvPr id="2" name="Title 1"/>
@@ -4335,11 +4538,18 @@
         </p:nvSpPr>
         <p:spPr/>
         <p:txBody>
-          <a:bodyPr/>
-          <a:lstStyle/>
-          <a:p>
-            <a:r>
-              <a:t>ClickUp Setup (Project Manager Task)</a:t>
+          <a:bodyPr>
+            <a:normAutofit/>
+          </a:bodyPr>
+          <a:lstStyle/>
+          <a:p>
+            <a:r>
+              <a:rPr sz="3200" dirty="0" err="1"/>
+              <a:t>ClickUp</a:t>
+            </a:r>
+            <a:r>
+              <a:rPr sz="3200" dirty="0"/>
+              <a:t> Setup (Project Manager Task)</a:t>
             </a:r>
           </a:p>
         </p:txBody>
@@ -4356,66 +4566,75 @@
         </p:nvSpPr>
         <p:spPr/>
         <p:txBody>
-          <a:bodyPr/>
-          <a:lstStyle/>
-          <a:p/>
-          <a:p>
-            <a:pPr/>
-            <a:r>
+          <a:bodyPr>
+            <a:noAutofit/>
+          </a:bodyPr>
+          <a:lstStyle/>
+          <a:p>
+            <a:endParaRPr sz="2000"/>
+          </a:p>
+          <a:p>
+            <a:r>
+              <a:rPr sz="2000"/>
               <a:t>1. Designate one team member as Project Manager</a:t>
             </a:r>
           </a:p>
           <a:p>
             <a:pPr lvl="1"/>
             <a:r>
+              <a:rPr sz="1800"/>
               <a:t>Role can rotate between iterations</a:t>
             </a:r>
           </a:p>
           <a:p>
-            <a:pPr/>
-            <a:r>
+            <a:r>
+              <a:rPr sz="2000"/>
               <a:t>2. Create workspace: CM2013_Sleep_Scoring_Group[X]</a:t>
             </a:r>
           </a:p>
           <a:p>
-            <a:pPr/>
-            <a:r>
+            <a:r>
+              <a:rPr sz="2000"/>
               <a:t>3. Add all team members with edit access</a:t>
             </a:r>
           </a:p>
           <a:p>
-            <a:pPr/>
-            <a:r>
+            <a:r>
+              <a:rPr sz="2000"/>
               <a:t>4. ⚠️ MANDATORY: Add instructor as viewer</a:t>
             </a:r>
           </a:p>
           <a:p>
-            <a:pPr/>
-            <a:r>
+            <a:r>
+              <a:rPr sz="2000"/>
               <a:t>5. Create sprint folders:</a:t>
             </a:r>
           </a:p>
           <a:p>
             <a:pPr lvl="1"/>
             <a:r>
+              <a:rPr sz="1800"/>
               <a:t>Iteration 1: Basic EEG (Due: Oct 31, 2025)</a:t>
             </a:r>
           </a:p>
           <a:p>
             <a:pPr lvl="1"/>
             <a:r>
+              <a:rPr sz="1800"/>
               <a:t>Iteration 2: EEG+EOG (Due: Nov 19, 2025)</a:t>
             </a:r>
           </a:p>
           <a:p>
             <a:pPr lvl="1"/>
             <a:r>
+              <a:rPr sz="1800"/>
               <a:t>Iteration 3: EEG+EOG+EMG (Due: Dec 5, 2025)</a:t>
             </a:r>
           </a:p>
           <a:p>
             <a:pPr lvl="1"/>
             <a:r>
+              <a:rPr sz="1800"/>
               <a:t>Iteration 4: Full System (Due: Dec 18, 2025)</a:t>
             </a:r>
           </a:p>
@@ -4430,7 +4649,7 @@
 </file>
 
 <file path=ppt/slides/slide18.xml><?xml version="1.0" encoding="utf-8"?>
-<p:sld xmlns:a="http://schemas.openxmlformats.org/drawingml/2006/main" xmlns:p="http://schemas.openxmlformats.org/presentationml/2006/main" xmlns:r="http://schemas.openxmlformats.org/officeDocument/2006/relationships">
+<p:sld xmlns:a="http://schemas.openxmlformats.org/drawingml/2006/main" xmlns:r="http://schemas.openxmlformats.org/officeDocument/2006/relationships" xmlns:p="http://schemas.openxmlformats.org/presentationml/2006/main">
   <p:cSld>
     <p:spTree>
       <p:nvGrpSpPr>
@@ -4438,7 +4657,14 @@
         <p:cNvGrpSpPr/>
         <p:nvPr/>
       </p:nvGrpSpPr>
-      <p:grpSpPr/>
+      <p:grpSpPr>
+        <a:xfrm>
+          <a:off x="0" y="0"/>
+          <a:ext cx="0" cy="0"/>
+          <a:chOff x="0" y="0"/>
+          <a:chExt cx="0" cy="0"/>
+        </a:xfrm>
+      </p:grpSpPr>
       <p:sp>
         <p:nvSpPr>
           <p:cNvPr id="2" name="Title 1"/>
@@ -4451,12 +4677,20 @@
         </p:nvSpPr>
         <p:spPr/>
         <p:txBody>
-          <a:bodyPr/>
-          <a:lstStyle/>
-          <a:p>
-            <a:r>
-              <a:t>Task Organization in ClickUp</a:t>
-            </a:r>
+          <a:bodyPr>
+            <a:normAutofit/>
+          </a:bodyPr>
+          <a:lstStyle/>
+          <a:p>
+            <a:r>
+              <a:rPr sz="3200" dirty="0"/>
+              <a:t>Task Organization in </a:t>
+            </a:r>
+            <a:r>
+              <a:rPr sz="3200" dirty="0" err="1"/>
+              <a:t>ClickUp</a:t>
+            </a:r>
+            <a:endParaRPr sz="3200" dirty="0"/>
           </a:p>
         </p:txBody>
       </p:sp>
@@ -4472,66 +4706,77 @@
         </p:nvSpPr>
         <p:spPr/>
         <p:txBody>
-          <a:bodyPr/>
-          <a:lstStyle/>
-          <a:p/>
-          <a:p>
-            <a:pPr/>
-            <a:r>
+          <a:bodyPr>
+            <a:noAutofit/>
+          </a:bodyPr>
+          <a:lstStyle/>
+          <a:p>
+            <a:endParaRPr sz="2000"/>
+          </a:p>
+          <a:p>
+            <a:r>
+              <a:rPr sz="2000"/>
               <a:t>Create tags for organization (free version):</a:t>
             </a:r>
           </a:p>
           <a:p>
             <a:pPr lvl="1"/>
             <a:r>
+              <a:rPr sz="1800"/>
               <a:t>Priority: 🔴 HIGH, 🟡 MEDIUM, 🟢 LOW</a:t>
             </a:r>
           </a:p>
           <a:p>
             <a:pPr lvl="1"/>
             <a:r>
+              <a:rPr sz="1800"/>
               <a:t>Signals: #EEG, #EOG, #EMG</a:t>
             </a:r>
           </a:p>
           <a:p>
             <a:pPr lvl="1"/>
             <a:r>
+              <a:rPr sz="1800"/>
               <a:t>Components: #preprocessing, #features, #classification</a:t>
             </a:r>
           </a:p>
           <a:p>
             <a:pPr lvl="1"/>
             <a:r>
+              <a:rPr sz="1800"/>
               <a:t>Status: #BLOCKED, #NEEDS-REVIEW, #BUG</a:t>
             </a:r>
           </a:p>
           <a:p>
-            <a:pPr/>
-            <a:r>
+            <a:r>
+              <a:rPr sz="2000"/>
               <a:t>Task workflow:</a:t>
             </a:r>
           </a:p>
           <a:p>
             <a:pPr lvl="1"/>
             <a:r>
+              <a:rPr sz="1800"/>
               <a:t>To Do → In Progress → Review → Testing → Complete</a:t>
             </a:r>
           </a:p>
           <a:p>
-            <a:pPr/>
-            <a:r>
+            <a:r>
+              <a:rPr sz="2000"/>
               <a:t>Each task must have:</a:t>
             </a:r>
           </a:p>
           <a:p>
             <a:pPr lvl="1"/>
             <a:r>
+              <a:rPr sz="1800"/>
               <a:t>Clear title: [Component] Specific action</a:t>
             </a:r>
           </a:p>
           <a:p>
             <a:pPr lvl="1"/>
             <a:r>
+              <a:rPr sz="1800"/>
               <a:t>Assignee, due date, priority, description</a:t>
             </a:r>
           </a:p>
@@ -4546,7 +4791,7 @@
 </file>
 
 <file path=ppt/slides/slide19.xml><?xml version="1.0" encoding="utf-8"?>
-<p:sld xmlns:a="http://schemas.openxmlformats.org/drawingml/2006/main" xmlns:p="http://schemas.openxmlformats.org/presentationml/2006/main" xmlns:r="http://schemas.openxmlformats.org/officeDocument/2006/relationships">
+<p:sld xmlns:a="http://schemas.openxmlformats.org/drawingml/2006/main" xmlns:r="http://schemas.openxmlformats.org/officeDocument/2006/relationships" xmlns:p="http://schemas.openxmlformats.org/presentationml/2006/main">
   <p:cSld>
     <p:spTree>
       <p:nvGrpSpPr>
@@ -4554,7 +4799,14 @@
         <p:cNvGrpSpPr/>
         <p:nvPr/>
       </p:nvGrpSpPr>
-      <p:grpSpPr/>
+      <p:grpSpPr>
+        <a:xfrm>
+          <a:off x="0" y="0"/>
+          <a:ext cx="0" cy="0"/>
+          <a:chOff x="0" y="0"/>
+          <a:chExt cx="0" cy="0"/>
+        </a:xfrm>
+      </p:grpSpPr>
       <p:sp>
         <p:nvSpPr>
           <p:cNvPr id="2" name="Title 1"/>
@@ -4567,11 +4819,22 @@
         </p:nvSpPr>
         <p:spPr/>
         <p:txBody>
-          <a:bodyPr/>
-          <a:lstStyle/>
-          <a:p>
-            <a:r>
-              <a:t>Daily Standups (via ClickUp)</a:t>
+          <a:bodyPr>
+            <a:normAutofit/>
+          </a:bodyPr>
+          <a:lstStyle/>
+          <a:p>
+            <a:r>
+              <a:rPr sz="3200" dirty="0"/>
+              <a:t>Daily Standups (via </a:t>
+            </a:r>
+            <a:r>
+              <a:rPr sz="3200" dirty="0" err="1"/>
+              <a:t>ClickUp</a:t>
+            </a:r>
+            <a:r>
+              <a:rPr sz="3200" dirty="0"/>
+              <a:t>)</a:t>
             </a:r>
           </a:p>
         </p:txBody>
@@ -4588,72 +4851,83 @@
         </p:nvSpPr>
         <p:spPr/>
         <p:txBody>
-          <a:bodyPr/>
-          <a:lstStyle/>
-          <a:p/>
-          <a:p>
-            <a:pPr/>
-            <a:r>
+          <a:bodyPr>
+            <a:noAutofit/>
+          </a:bodyPr>
+          <a:lstStyle/>
+          <a:p>
+            <a:endParaRPr sz="2000"/>
+          </a:p>
+          <a:p>
+            <a:r>
+              <a:rPr sz="2000"/>
               <a:t>Each team member posts daily update as task comment:</a:t>
             </a:r>
           </a:p>
           <a:p>
-            <a:pPr/>
-          </a:p>
-          <a:p>
-            <a:pPr/>
-            <a:r>
+            <a:endParaRPr sz="2000"/>
+          </a:p>
+          <a:p>
+            <a:r>
+              <a:rPr sz="2000"/>
               <a:t>Format:</a:t>
             </a:r>
           </a:p>
           <a:p>
             <a:pPr lvl="1"/>
             <a:r>
+              <a:rPr sz="1800"/>
               <a:t>"Today: [what I did]</a:t>
             </a:r>
           </a:p>
           <a:p>
             <a:pPr lvl="1"/>
             <a:r>
+              <a:rPr sz="1800"/>
               <a:t>Tomorrow: [what I'll do]</a:t>
             </a:r>
           </a:p>
           <a:p>
             <a:pPr lvl="1"/>
             <a:r>
+              <a:rPr sz="1800"/>
               <a:t>Blockers: [any issues]"</a:t>
             </a:r>
           </a:p>
           <a:p>
-            <a:pPr/>
-          </a:p>
-          <a:p>
-            <a:pPr/>
-            <a:r>
+            <a:endParaRPr sz="2000"/>
+          </a:p>
+          <a:p>
+            <a:r>
+              <a:rPr sz="2000"/>
               <a:t>Benefits:</a:t>
             </a:r>
           </a:p>
           <a:p>
             <a:pPr lvl="1"/>
             <a:r>
+              <a:rPr sz="1800"/>
               <a:t>Keep everyone informed without meetings</a:t>
             </a:r>
           </a:p>
           <a:p>
             <a:pPr lvl="1"/>
             <a:r>
+              <a:rPr sz="1800"/>
               <a:t>Identify problems early</a:t>
             </a:r>
           </a:p>
           <a:p>
             <a:pPr lvl="1"/>
             <a:r>
+              <a:rPr sz="1800"/>
               <a:t>Build accountability and momentum</a:t>
             </a:r>
           </a:p>
           <a:p>
             <a:pPr lvl="1"/>
             <a:r>
+              <a:rPr sz="1800"/>
               <a:t>Tag PM if blocked: @mention</a:t>
             </a:r>
           </a:p>
@@ -4668,7 +4942,7 @@
 </file>
 
 <file path=ppt/slides/slide2.xml><?xml version="1.0" encoding="utf-8"?>
-<p:sld xmlns:a="http://schemas.openxmlformats.org/drawingml/2006/main" xmlns:p="http://schemas.openxmlformats.org/presentationml/2006/main" xmlns:r="http://schemas.openxmlformats.org/officeDocument/2006/relationships">
+<p:sld xmlns:a="http://schemas.openxmlformats.org/drawingml/2006/main" xmlns:r="http://schemas.openxmlformats.org/officeDocument/2006/relationships" xmlns:p="http://schemas.openxmlformats.org/presentationml/2006/main">
   <p:cSld>
     <p:spTree>
       <p:nvGrpSpPr>
@@ -4676,7 +4950,14 @@
         <p:cNvGrpSpPr/>
         <p:nvPr/>
       </p:nvGrpSpPr>
-      <p:grpSpPr/>
+      <p:grpSpPr>
+        <a:xfrm>
+          <a:off x="0" y="0"/>
+          <a:ext cx="0" cy="0"/>
+          <a:chOff x="0" y="0"/>
+          <a:chExt cx="0" cy="0"/>
+        </a:xfrm>
+      </p:grpSpPr>
       <p:sp>
         <p:nvSpPr>
           <p:cNvPr id="2" name="Title 1"/>
@@ -4689,10 +4970,13 @@
         </p:nvSpPr>
         <p:spPr/>
         <p:txBody>
-          <a:bodyPr/>
-          <a:lstStyle/>
-          <a:p>
-            <a:r>
+          <a:bodyPr>
+            <a:normAutofit/>
+          </a:bodyPr>
+          <a:lstStyle/>
+          <a:p>
+            <a:r>
+              <a:rPr sz="3200" dirty="0"/>
               <a:t>Project Overview</a:t>
             </a:r>
           </a:p>
@@ -4710,60 +4994,77 @@
         </p:nvSpPr>
         <p:spPr/>
         <p:txBody>
-          <a:bodyPr/>
-          <a:lstStyle/>
-          <a:p/>
-          <a:p>
-            <a:pPr/>
-            <a:r>
+          <a:bodyPr>
+            <a:noAutofit/>
+          </a:bodyPr>
+          <a:lstStyle/>
+          <a:p>
+            <a:endParaRPr sz="2000" dirty="0"/>
+          </a:p>
+          <a:p>
+            <a:r>
+              <a:rPr sz="2000" dirty="0"/>
               <a:t>Goal: Develop an automatic sleep scoring system</a:t>
             </a:r>
           </a:p>
           <a:p>
             <a:pPr lvl="1"/>
             <a:r>
-              <a:t>Multi-signal biosignal processing (EEG, EOG, EMG)</a:t>
-            </a:r>
-          </a:p>
-          <a:p>
-            <a:pPr lvl="1"/>
-            <a:r>
+              <a:rPr sz="1800" dirty="0"/>
+              <a:t>Multi-signal </a:t>
+            </a:r>
+            <a:r>
+              <a:rPr sz="1800" dirty="0" err="1"/>
+              <a:t>biosignal</a:t>
+            </a:r>
+            <a:r>
+              <a:rPr sz="1800" dirty="0"/>
+              <a:t> processing (EEG, EOG, EMG)</a:t>
+            </a:r>
+          </a:p>
+          <a:p>
+            <a:pPr lvl="1"/>
+            <a:r>
+              <a:rPr sz="1800" dirty="0"/>
               <a:t>Machine learning classification of 5 sleep stages</a:t>
             </a:r>
           </a:p>
           <a:p>
-            <a:pPr/>
-            <a:r>
+            <a:r>
+              <a:rPr sz="2000" dirty="0"/>
               <a:t>Duration: 10 weeks with 4 iterations</a:t>
             </a:r>
           </a:p>
           <a:p>
-            <a:pPr/>
-            <a:r>
+            <a:r>
+              <a:rPr sz="2000" dirty="0"/>
               <a:t>Team-based development (3 members per group)</a:t>
             </a:r>
           </a:p>
           <a:p>
-            <a:pPr/>
-            <a:r>
+            <a:r>
+              <a:rPr sz="2000" dirty="0"/>
               <a:t>Deliverables:</a:t>
             </a:r>
           </a:p>
           <a:p>
             <a:pPr lvl="1"/>
             <a:r>
+              <a:rPr sz="1800" dirty="0"/>
               <a:t>Working code (Python/MATLAB)</a:t>
             </a:r>
           </a:p>
           <a:p>
             <a:pPr lvl="1"/>
             <a:r>
+              <a:rPr sz="1800" dirty="0"/>
               <a:t>Technical report (15 pages max)</a:t>
             </a:r>
           </a:p>
           <a:p>
             <a:pPr lvl="1"/>
             <a:r>
+              <a:rPr sz="1800" dirty="0"/>
               <a:t>Project management documentation</a:t>
             </a:r>
           </a:p>
@@ -4778,7 +5079,7 @@
 </file>
 
 <file path=ppt/slides/slide20.xml><?xml version="1.0" encoding="utf-8"?>
-<p:sld xmlns:a="http://schemas.openxmlformats.org/drawingml/2006/main" xmlns:p="http://schemas.openxmlformats.org/presentationml/2006/main" xmlns:r="http://schemas.openxmlformats.org/officeDocument/2006/relationships">
+<p:sld xmlns:a="http://schemas.openxmlformats.org/drawingml/2006/main" xmlns:r="http://schemas.openxmlformats.org/officeDocument/2006/relationships" xmlns:p="http://schemas.openxmlformats.org/presentationml/2006/main">
   <p:cSld>
     <p:spTree>
       <p:nvGrpSpPr>
@@ -4786,7 +5087,14 @@
         <p:cNvGrpSpPr/>
         <p:nvPr/>
       </p:nvGrpSpPr>
-      <p:grpSpPr/>
+      <p:grpSpPr>
+        <a:xfrm>
+          <a:off x="0" y="0"/>
+          <a:ext cx="0" cy="0"/>
+          <a:chOff x="0" y="0"/>
+          <a:chExt cx="0" cy="0"/>
+        </a:xfrm>
+      </p:grpSpPr>
       <p:sp>
         <p:nvSpPr>
           <p:cNvPr id="2" name="Title 1"/>
@@ -4799,11 +5107,18 @@
         </p:nvSpPr>
         <p:spPr/>
         <p:txBody>
-          <a:bodyPr/>
-          <a:lstStyle/>
-          <a:p>
-            <a:r>
-              <a:t>ClickUp Grading Checkpoints</a:t>
+          <a:bodyPr>
+            <a:normAutofit/>
+          </a:bodyPr>
+          <a:lstStyle/>
+          <a:p>
+            <a:r>
+              <a:rPr sz="3200" dirty="0" err="1"/>
+              <a:t>ClickUp</a:t>
+            </a:r>
+            <a:r>
+              <a:rPr sz="3200" dirty="0"/>
+              <a:t> Grading Checkpoints</a:t>
             </a:r>
           </a:p>
         </p:txBody>
@@ -4820,72 +5135,80 @@
         </p:nvSpPr>
         <p:spPr/>
         <p:txBody>
-          <a:bodyPr/>
-          <a:lstStyle/>
-          <a:p/>
-          <a:p>
-            <a:pPr/>
-            <a:r>
+          <a:bodyPr>
+            <a:noAutofit/>
+          </a:bodyPr>
+          <a:lstStyle/>
+          <a:p>
+            <a:endParaRPr sz="2000"/>
+          </a:p>
+          <a:p>
+            <a:r>
+              <a:rPr sz="2000"/>
               <a:t>Instructor will review your ClickUp at:</a:t>
             </a:r>
           </a:p>
           <a:p>
-            <a:pPr/>
-          </a:p>
-          <a:p>
-            <a:pPr/>
-            <a:r>
+            <a:endParaRPr sz="2000"/>
+          </a:p>
+          <a:p>
+            <a:r>
+              <a:rPr sz="2000"/>
               <a:t>✓ October 31, 2025 - Iteration 1 complete</a:t>
             </a:r>
           </a:p>
           <a:p>
-            <a:pPr/>
-            <a:r>
+            <a:r>
+              <a:rPr sz="2000"/>
               <a:t>✓ November 19, 2025 - Iteration 2 complete</a:t>
             </a:r>
           </a:p>
           <a:p>
-            <a:pPr/>
-            <a:r>
+            <a:r>
+              <a:rPr sz="2000"/>
               <a:t>✓ December 5, 2025 - Iteration 3 complete</a:t>
             </a:r>
           </a:p>
           <a:p>
-            <a:pPr/>
-            <a:r>
+            <a:r>
+              <a:rPr sz="2000"/>
               <a:t>✓ December 18, 2025 - Final delivery</a:t>
             </a:r>
           </a:p>
           <a:p>
-            <a:pPr/>
-          </a:p>
-          <a:p>
-            <a:pPr/>
-            <a:r>
+            <a:endParaRPr sz="2000"/>
+          </a:p>
+          <a:p>
+            <a:r>
+              <a:rPr sz="2000"/>
               <a:t>What is evaluated:</a:t>
             </a:r>
           </a:p>
           <a:p>
             <a:pPr lvl="1"/>
             <a:r>
+              <a:rPr sz="1800"/>
               <a:t>Task organization and clarity</a:t>
             </a:r>
           </a:p>
           <a:p>
             <a:pPr lvl="1"/>
             <a:r>
+              <a:rPr sz="1800"/>
               <a:t>Regular updates and progress</a:t>
             </a:r>
           </a:p>
           <a:p>
             <a:pPr lvl="1"/>
             <a:r>
+              <a:rPr sz="1800"/>
               <a:t>Team communication and collaboration</a:t>
             </a:r>
           </a:p>
           <a:p>
             <a:pPr lvl="1"/>
             <a:r>
+              <a:rPr sz="1800"/>
               <a:t>Problem-solving and adaptability</a:t>
             </a:r>
           </a:p>
@@ -4900,7 +5223,7 @@
 </file>
 
 <file path=ppt/slides/slide21.xml><?xml version="1.0" encoding="utf-8"?>
-<p:sld xmlns:a="http://schemas.openxmlformats.org/drawingml/2006/main" xmlns:p="http://schemas.openxmlformats.org/presentationml/2006/main" xmlns:r="http://schemas.openxmlformats.org/officeDocument/2006/relationships">
+<p:sld xmlns:a="http://schemas.openxmlformats.org/drawingml/2006/main" xmlns:r="http://schemas.openxmlformats.org/officeDocument/2006/relationships" xmlns:p="http://schemas.openxmlformats.org/presentationml/2006/main">
   <p:cSld>
     <p:spTree>
       <p:nvGrpSpPr>
@@ -4908,7 +5231,14 @@
         <p:cNvGrpSpPr/>
         <p:nvPr/>
       </p:nvGrpSpPr>
-      <p:grpSpPr/>
+      <p:grpSpPr>
+        <a:xfrm>
+          <a:off x="0" y="0"/>
+          <a:ext cx="0" cy="0"/>
+          <a:chOff x="0" y="0"/>
+          <a:chExt cx="0" cy="0"/>
+        </a:xfrm>
+      </p:grpSpPr>
       <p:sp>
         <p:nvSpPr>
           <p:cNvPr id="2" name="Title 1"/>
@@ -4921,35 +5251,41 @@
         </p:nvSpPr>
         <p:spPr/>
         <p:txBody>
+          <a:bodyPr>
+            <a:normAutofit/>
+          </a:bodyPr>
+          <a:lstStyle/>
+          <a:p>
+            <a:r>
+              <a:rPr sz="3200" dirty="0"/>
+              <a:t>Python Jumpstart:</a:t>
+            </a:r>
+          </a:p>
+          <a:p>
+            <a:r>
+              <a:rPr sz="3200" dirty="0"/>
+              <a:t>Project Structure &amp; Usage</a:t>
+            </a:r>
+          </a:p>
+        </p:txBody>
+      </p:sp>
+      <p:sp>
+        <p:nvSpPr>
+          <p:cNvPr id="3" name="Text Placeholder 2"/>
+          <p:cNvSpPr>
+            <a:spLocks noGrp="1"/>
+          </p:cNvSpPr>
+          <p:nvPr>
+            <p:ph type="body" idx="1"/>
+          </p:nvPr>
+        </p:nvSpPr>
+        <p:spPr/>
+        <p:txBody>
           <a:bodyPr/>
           <a:lstStyle/>
           <a:p>
-            <a:r>
-              <a:t>Python Jumpstart:</a:t>
-            </a:r>
-          </a:p>
-          <a:p>
-            <a:r>
-              <a:t>Project Structure &amp; Usage</a:t>
-            </a:r>
-          </a:p>
-        </p:txBody>
-      </p:sp>
-      <p:sp>
-        <p:nvSpPr>
-          <p:cNvPr id="3" name="Text Placeholder 2"/>
-          <p:cNvSpPr>
-            <a:spLocks noGrp="1"/>
-          </p:cNvSpPr>
-          <p:nvPr>
-            <p:ph type="body" idx="1"/>
-          </p:nvPr>
-        </p:nvSpPr>
-        <p:spPr/>
-        <p:txBody>
-          <a:bodyPr/>
-          <a:lstStyle/>
-          <a:p/>
+            <a:endParaRPr/>
+          </a:p>
         </p:txBody>
       </p:sp>
     </p:spTree>
@@ -4961,7 +5297,7 @@
 </file>
 
 <file path=ppt/slides/slide22.xml><?xml version="1.0" encoding="utf-8"?>
-<p:sld xmlns:a="http://schemas.openxmlformats.org/drawingml/2006/main" xmlns:p="http://schemas.openxmlformats.org/presentationml/2006/main" xmlns:r="http://schemas.openxmlformats.org/officeDocument/2006/relationships">
+<p:sld xmlns:a="http://schemas.openxmlformats.org/drawingml/2006/main" xmlns:r="http://schemas.openxmlformats.org/officeDocument/2006/relationships" xmlns:p="http://schemas.openxmlformats.org/presentationml/2006/main">
   <p:cSld>
     <p:spTree>
       <p:nvGrpSpPr>
@@ -4969,7 +5305,14 @@
         <p:cNvGrpSpPr/>
         <p:nvPr/>
       </p:nvGrpSpPr>
-      <p:grpSpPr/>
+      <p:grpSpPr>
+        <a:xfrm>
+          <a:off x="0" y="0"/>
+          <a:ext cx="0" cy="0"/>
+          <a:chOff x="0" y="0"/>
+          <a:chExt cx="0" cy="0"/>
+        </a:xfrm>
+      </p:grpSpPr>
       <p:sp>
         <p:nvSpPr>
           <p:cNvPr id="2" name="Title 1"/>
@@ -4982,10 +5325,13 @@
         </p:nvSpPr>
         <p:spPr/>
         <p:txBody>
-          <a:bodyPr/>
-          <a:lstStyle/>
-          <a:p>
-            <a:r>
+          <a:bodyPr>
+            <a:normAutofit/>
+          </a:bodyPr>
+          <a:lstStyle/>
+          <a:p>
+            <a:r>
+              <a:rPr sz="3200" dirty="0"/>
               <a:t>Python Jumpstart: What's Provided</a:t>
             </a:r>
           </a:p>
@@ -5003,69 +5349,81 @@
         </p:nvSpPr>
         <p:spPr/>
         <p:txBody>
-          <a:bodyPr/>
-          <a:lstStyle/>
-          <a:p/>
-          <a:p>
-            <a:pPr/>
-            <a:r>
+          <a:bodyPr>
+            <a:noAutofit/>
+          </a:bodyPr>
+          <a:lstStyle/>
+          <a:p>
+            <a:endParaRPr sz="2000"/>
+          </a:p>
+          <a:p>
+            <a:r>
+              <a:rPr sz="2000"/>
               <a:t>⚠️ Structure and examples ONLY - not complete solution!</a:t>
             </a:r>
           </a:p>
           <a:p>
-            <a:pPr/>
-          </a:p>
-          <a:p>
-            <a:pPr/>
-            <a:r>
+            <a:endParaRPr sz="2000"/>
+          </a:p>
+          <a:p>
+            <a:r>
+              <a:rPr sz="2000"/>
               <a:t>Provided:</a:t>
             </a:r>
           </a:p>
           <a:p>
             <a:pPr lvl="1"/>
             <a:r>
+              <a:rPr sz="1800"/>
               <a:t>Modular project structure (src/ directory)</a:t>
             </a:r>
           </a:p>
           <a:p>
             <a:pPr lvl="1"/>
             <a:r>
+              <a:rPr sz="1800"/>
               <a:t>Configuration system (config.py)</a:t>
             </a:r>
           </a:p>
           <a:p>
             <a:pPr lvl="1"/>
             <a:r>
+              <a:rPr sz="1800"/>
               <a:t>Basic filter example (lowpass at 40Hz)</a:t>
             </a:r>
           </a:p>
           <a:p>
             <a:pPr lvl="1"/>
             <a:r>
+              <a:rPr sz="1800"/>
               <a:t>3 simple features (mean, median, std)</a:t>
             </a:r>
           </a:p>
           <a:p>
             <a:pPr lvl="1"/>
             <a:r>
+              <a:rPr sz="1800"/>
               <a:t>Basic k-NN classifier with train/test split</a:t>
             </a:r>
           </a:p>
           <a:p>
             <a:pPr lvl="1"/>
             <a:r>
+              <a:rPr sz="1800"/>
               <a:t>Caching system for efficiency</a:t>
             </a:r>
           </a:p>
           <a:p>
             <a:pPr lvl="1"/>
             <a:r>
+              <a:rPr sz="1800"/>
               <a:t>Testing framework (pytest)</a:t>
             </a:r>
           </a:p>
           <a:p>
             <a:pPr lvl="1"/>
             <a:r>
+              <a:rPr sz="1800"/>
               <a:t>Google Colab notebook</a:t>
             </a:r>
           </a:p>
@@ -5080,7 +5438,7 @@
 </file>
 
 <file path=ppt/slides/slide23.xml><?xml version="1.0" encoding="utf-8"?>
-<p:sld xmlns:a="http://schemas.openxmlformats.org/drawingml/2006/main" xmlns:p="http://schemas.openxmlformats.org/presentationml/2006/main" xmlns:r="http://schemas.openxmlformats.org/officeDocument/2006/relationships">
+<p:sld xmlns:a="http://schemas.openxmlformats.org/drawingml/2006/main" xmlns:r="http://schemas.openxmlformats.org/officeDocument/2006/relationships" xmlns:p="http://schemas.openxmlformats.org/presentationml/2006/main">
   <p:cSld>
     <p:spTree>
       <p:nvGrpSpPr>
@@ -5088,7 +5446,14 @@
         <p:cNvGrpSpPr/>
         <p:nvPr/>
       </p:nvGrpSpPr>
-      <p:grpSpPr/>
+      <p:grpSpPr>
+        <a:xfrm>
+          <a:off x="0" y="0"/>
+          <a:ext cx="0" cy="0"/>
+          <a:chOff x="0" y="0"/>
+          <a:chExt cx="0" cy="0"/>
+        </a:xfrm>
+      </p:grpSpPr>
       <p:sp>
         <p:nvSpPr>
           <p:cNvPr id="2" name="Title 1"/>
@@ -5101,10 +5466,13 @@
         </p:nvSpPr>
         <p:spPr/>
         <p:txBody>
-          <a:bodyPr/>
-          <a:lstStyle/>
-          <a:p>
-            <a:r>
+          <a:bodyPr>
+            <a:normAutofit/>
+          </a:bodyPr>
+          <a:lstStyle/>
+          <a:p>
+            <a:r>
+              <a:rPr sz="3200" dirty="0"/>
               <a:t>Python Project Structure</a:t>
             </a:r>
           </a:p>
@@ -5122,84 +5490,100 @@
         </p:nvSpPr>
         <p:spPr/>
         <p:txBody>
-          <a:bodyPr/>
-          <a:lstStyle/>
-          <a:p/>
-          <a:p>
-            <a:pPr/>
-            <a:r>
+          <a:bodyPr>
+            <a:noAutofit/>
+          </a:bodyPr>
+          <a:lstStyle/>
+          <a:p>
+            <a:endParaRPr sz="2000"/>
+          </a:p>
+          <a:p>
+            <a:r>
+              <a:rPr sz="2000"/>
               <a:t>Python/</a:t>
             </a:r>
           </a:p>
           <a:p>
             <a:pPr lvl="1"/>
             <a:r>
+              <a:rPr sz="1800"/>
               <a:t>src/ - Core modules:</a:t>
             </a:r>
           </a:p>
           <a:p>
             <a:pPr lvl="2"/>
             <a:r>
+              <a:rPr sz="1600"/>
               <a:t>data_loader.py - Load EDF/XML files</a:t>
             </a:r>
           </a:p>
           <a:p>
             <a:pPr lvl="2"/>
             <a:r>
+              <a:rPr sz="1600"/>
               <a:t>preprocessing.py - Signal filtering</a:t>
             </a:r>
           </a:p>
           <a:p>
             <a:pPr lvl="2"/>
             <a:r>
+              <a:rPr sz="1600"/>
               <a:t>feature_extraction.py - Extract features</a:t>
             </a:r>
           </a:p>
           <a:p>
             <a:pPr lvl="2"/>
             <a:r>
+              <a:rPr sz="1600"/>
               <a:t>feature_selection.py - Select best features</a:t>
             </a:r>
           </a:p>
           <a:p>
             <a:pPr lvl="2"/>
             <a:r>
+              <a:rPr sz="1600"/>
               <a:t>classification.py - ML classifiers</a:t>
             </a:r>
           </a:p>
           <a:p>
             <a:pPr lvl="2"/>
             <a:r>
+              <a:rPr sz="1600"/>
               <a:t>visualization.py - Plot results</a:t>
             </a:r>
           </a:p>
           <a:p>
             <a:pPr lvl="2"/>
             <a:r>
+              <a:rPr sz="1600"/>
               <a:t>report.py - Generate reports</a:t>
             </a:r>
           </a:p>
           <a:p>
             <a:pPr lvl="1"/>
             <a:r>
+              <a:rPr sz="1800"/>
               <a:t>main.py - Training pipeline orchestration</a:t>
             </a:r>
           </a:p>
           <a:p>
             <a:pPr lvl="1"/>
             <a:r>
+              <a:rPr sz="1800"/>
               <a:t>run_inference.py - Generate predictions</a:t>
             </a:r>
           </a:p>
           <a:p>
             <a:pPr lvl="1"/>
             <a:r>
+              <a:rPr sz="1800"/>
               <a:t>config.py - Central configuration</a:t>
             </a:r>
           </a:p>
           <a:p>
             <a:pPr lvl="1"/>
             <a:r>
+              <a:rPr sz="1800"/>
               <a:t>colab_notebook.ipynb - Run in Google Colab</a:t>
             </a:r>
           </a:p>
@@ -5214,7 +5598,7 @@
 </file>
 
 <file path=ppt/slides/slide24.xml><?xml version="1.0" encoding="utf-8"?>
-<p:sld xmlns:a="http://schemas.openxmlformats.org/drawingml/2006/main" xmlns:p="http://schemas.openxmlformats.org/presentationml/2006/main" xmlns:r="http://schemas.openxmlformats.org/officeDocument/2006/relationships">
+<p:sld xmlns:a="http://schemas.openxmlformats.org/drawingml/2006/main" xmlns:r="http://schemas.openxmlformats.org/officeDocument/2006/relationships" xmlns:p="http://schemas.openxmlformats.org/presentationml/2006/main">
   <p:cSld>
     <p:spTree>
       <p:nvGrpSpPr>
@@ -5222,7 +5606,14 @@
         <p:cNvGrpSpPr/>
         <p:nvPr/>
       </p:nvGrpSpPr>
-      <p:grpSpPr/>
+      <p:grpSpPr>
+        <a:xfrm>
+          <a:off x="0" y="0"/>
+          <a:ext cx="0" cy="0"/>
+          <a:chOff x="0" y="0"/>
+          <a:chExt cx="0" cy="0"/>
+        </a:xfrm>
+      </p:grpSpPr>
       <p:sp>
         <p:nvSpPr>
           <p:cNvPr id="2" name="Title 1"/>
@@ -5235,10 +5626,13 @@
         </p:nvSpPr>
         <p:spPr/>
         <p:txBody>
-          <a:bodyPr/>
-          <a:lstStyle/>
-          <a:p>
-            <a:r>
+          <a:bodyPr>
+            <a:normAutofit/>
+          </a:bodyPr>
+          <a:lstStyle/>
+          <a:p>
+            <a:r>
+              <a:rPr sz="3200" dirty="0"/>
               <a:t>System Architecture - Data Flow</a:t>
             </a:r>
           </a:p>
@@ -5286,6 +5680,7 @@
           <a:lstStyle/>
           <a:p>
             <a:pPr algn="ctr"/>
+            <a:endParaRPr/>
           </a:p>
         </p:txBody>
       </p:sp>
@@ -5401,6 +5796,7 @@
           <a:lstStyle/>
           <a:p>
             <a:pPr algn="ctr"/>
+            <a:endParaRPr/>
           </a:p>
         </p:txBody>
       </p:sp>
@@ -5446,6 +5842,7 @@
           <a:lstStyle/>
           <a:p>
             <a:pPr algn="ctr"/>
+            <a:endParaRPr/>
           </a:p>
         </p:txBody>
       </p:sp>
@@ -5561,6 +5958,7 @@
           <a:lstStyle/>
           <a:p>
             <a:pPr algn="ctr"/>
+            <a:endParaRPr/>
           </a:p>
         </p:txBody>
       </p:sp>
@@ -5606,6 +6004,7 @@
           <a:lstStyle/>
           <a:p>
             <a:pPr algn="ctr"/>
+            <a:endParaRPr/>
           </a:p>
         </p:txBody>
       </p:sp>
@@ -5721,6 +6120,7 @@
           <a:lstStyle/>
           <a:p>
             <a:pPr algn="ctr"/>
+            <a:endParaRPr/>
           </a:p>
         </p:txBody>
       </p:sp>
@@ -5766,6 +6166,7 @@
           <a:lstStyle/>
           <a:p>
             <a:pPr algn="ctr"/>
+            <a:endParaRPr/>
           </a:p>
         </p:txBody>
       </p:sp>
@@ -5848,7 +6249,7 @@
 </file>
 
 <file path=ppt/slides/slide25.xml><?xml version="1.0" encoding="utf-8"?>
-<p:sld xmlns:a="http://schemas.openxmlformats.org/drawingml/2006/main" xmlns:p="http://schemas.openxmlformats.org/presentationml/2006/main" xmlns:r="http://schemas.openxmlformats.org/officeDocument/2006/relationships">
+<p:sld xmlns:a="http://schemas.openxmlformats.org/drawingml/2006/main" xmlns:r="http://schemas.openxmlformats.org/officeDocument/2006/relationships" xmlns:p="http://schemas.openxmlformats.org/presentationml/2006/main">
   <p:cSld>
     <p:spTree>
       <p:nvGrpSpPr>
@@ -5856,7 +6257,14 @@
         <p:cNvGrpSpPr/>
         <p:nvPr/>
       </p:nvGrpSpPr>
-      <p:grpSpPr/>
+      <p:grpSpPr>
+        <a:xfrm>
+          <a:off x="0" y="0"/>
+          <a:ext cx="0" cy="0"/>
+          <a:chOff x="0" y="0"/>
+          <a:chExt cx="0" cy="0"/>
+        </a:xfrm>
+      </p:grpSpPr>
       <p:sp>
         <p:nvSpPr>
           <p:cNvPr id="2" name="Title 1"/>
@@ -5869,10 +6277,13 @@
         </p:nvSpPr>
         <p:spPr/>
         <p:txBody>
-          <a:bodyPr/>
-          <a:lstStyle/>
-          <a:p>
-            <a:r>
+          <a:bodyPr>
+            <a:normAutofit/>
+          </a:bodyPr>
+          <a:lstStyle/>
+          <a:p>
+            <a:r>
+              <a:rPr sz="3200" dirty="0"/>
               <a:t>Configuration System (config.py)</a:t>
             </a:r>
           </a:p>
@@ -5890,72 +6301,83 @@
         </p:nvSpPr>
         <p:spPr/>
         <p:txBody>
-          <a:bodyPr/>
-          <a:lstStyle/>
-          <a:p/>
-          <a:p>
-            <a:pPr/>
-            <a:r>
+          <a:bodyPr>
+            <a:noAutofit/>
+          </a:bodyPr>
+          <a:lstStyle/>
+          <a:p>
+            <a:endParaRPr sz="2000"/>
+          </a:p>
+          <a:p>
+            <a:r>
+              <a:rPr sz="2000"/>
               <a:t>Central control for the entire pipeline</a:t>
             </a:r>
           </a:p>
           <a:p>
-            <a:pPr/>
-          </a:p>
-          <a:p>
-            <a:pPr/>
-            <a:r>
+            <a:endParaRPr sz="2000"/>
+          </a:p>
+          <a:p>
+            <a:r>
+              <a:rPr sz="2000"/>
               <a:t>Key settings:</a:t>
             </a:r>
           </a:p>
           <a:p>
             <a:pPr lvl="1"/>
             <a:r>
+              <a:rPr sz="1800"/>
               <a:t>CURRENT_ITERATION (1-4) - Controls which features/algorithms</a:t>
             </a:r>
           </a:p>
           <a:p>
             <a:pPr lvl="1"/>
             <a:r>
+              <a:rPr sz="1800"/>
               <a:t>USE_CACHE (True/False) - Speed up development</a:t>
             </a:r>
           </a:p>
           <a:p>
             <a:pPr lvl="1"/>
             <a:r>
+              <a:rPr sz="1800"/>
               <a:t>File paths - Data directories</a:t>
             </a:r>
           </a:p>
           <a:p>
             <a:pPr lvl="1"/>
             <a:r>
+              <a:rPr sz="1800"/>
               <a:t>Preprocessing parameters - Filter frequencies</a:t>
             </a:r>
           </a:p>
           <a:p>
             <a:pPr lvl="1"/>
             <a:r>
+              <a:rPr sz="1800"/>
               <a:t>Model hyperparameters - Classifier settings</a:t>
             </a:r>
           </a:p>
           <a:p>
-            <a:pPr/>
-          </a:p>
-          <a:p>
-            <a:pPr/>
-            <a:r>
+            <a:endParaRPr sz="2000"/>
+          </a:p>
+          <a:p>
+            <a:r>
+              <a:rPr sz="2000"/>
               <a:t>Benefits:</a:t>
             </a:r>
           </a:p>
           <a:p>
             <a:pPr lvl="1"/>
             <a:r>
+              <a:rPr sz="1800"/>
               <a:t>Easy to switch between iterations</a:t>
             </a:r>
           </a:p>
           <a:p>
             <a:pPr lvl="1"/>
             <a:r>
+              <a:rPr sz="1800"/>
               <a:t>Consistent settings across team</a:t>
             </a:r>
           </a:p>
@@ -5970,7 +6392,7 @@
 </file>
 
 <file path=ppt/slides/slide26.xml><?xml version="1.0" encoding="utf-8"?>
-<p:sld xmlns:a="http://schemas.openxmlformats.org/drawingml/2006/main" xmlns:p="http://schemas.openxmlformats.org/presentationml/2006/main" xmlns:r="http://schemas.openxmlformats.org/officeDocument/2006/relationships">
+<p:sld xmlns:a="http://schemas.openxmlformats.org/drawingml/2006/main" xmlns:r="http://schemas.openxmlformats.org/officeDocument/2006/relationships" xmlns:p="http://schemas.openxmlformats.org/presentationml/2006/main">
   <p:cSld>
     <p:spTree>
       <p:nvGrpSpPr>
@@ -5978,7 +6400,14 @@
         <p:cNvGrpSpPr/>
         <p:nvPr/>
       </p:nvGrpSpPr>
-      <p:grpSpPr/>
+      <p:grpSpPr>
+        <a:xfrm>
+          <a:off x="0" y="0"/>
+          <a:ext cx="0" cy="0"/>
+          <a:chOff x="0" y="0"/>
+          <a:chExt cx="0" cy="0"/>
+        </a:xfrm>
+      </p:grpSpPr>
       <p:sp>
         <p:nvSpPr>
           <p:cNvPr id="2" name="Title 1"/>
@@ -5991,10 +6420,13 @@
         </p:nvSpPr>
         <p:spPr/>
         <p:txBody>
-          <a:bodyPr/>
-          <a:lstStyle/>
-          <a:p>
-            <a:r>
+          <a:bodyPr>
+            <a:normAutofit/>
+          </a:bodyPr>
+          <a:lstStyle/>
+          <a:p>
+            <a:r>
+              <a:rPr sz="3200" dirty="0"/>
               <a:t>Running the Training Pipeline</a:t>
             </a:r>
           </a:p>
@@ -6012,69 +6444,78 @@
         </p:nvSpPr>
         <p:spPr/>
         <p:txBody>
-          <a:bodyPr/>
-          <a:lstStyle/>
-          <a:p/>
-          <a:p>
-            <a:pPr/>
-            <a:r>
+          <a:bodyPr>
+            <a:noAutofit/>
+          </a:bodyPr>
+          <a:lstStyle/>
+          <a:p>
+            <a:endParaRPr sz="2000"/>
+          </a:p>
+          <a:p>
+            <a:r>
+              <a:rPr sz="2000"/>
               <a:t>1. Setup (first time only):</a:t>
             </a:r>
           </a:p>
           <a:p>
             <a:pPr lvl="1"/>
             <a:r>
+              <a:rPr sz="1800"/>
               <a:t>pip install -r requirements.txt</a:t>
             </a:r>
           </a:p>
           <a:p>
-            <a:pPr/>
-          </a:p>
-          <a:p>
-            <a:pPr/>
-            <a:r>
+            <a:endParaRPr sz="2000"/>
+          </a:p>
+          <a:p>
+            <a:r>
+              <a:rPr sz="2000"/>
               <a:t>2. Verify setup:</a:t>
             </a:r>
           </a:p>
           <a:p>
             <a:pPr lvl="1"/>
             <a:r>
+              <a:rPr sz="1800"/>
               <a:t>python -m pytest tests/ -v</a:t>
             </a:r>
           </a:p>
           <a:p>
-            <a:pPr/>
-          </a:p>
-          <a:p>
-            <a:pPr/>
-            <a:r>
+            <a:endParaRPr sz="2000"/>
+          </a:p>
+          <a:p>
+            <a:r>
+              <a:rPr sz="2000"/>
               <a:t>3. Run training pipeline:</a:t>
             </a:r>
           </a:p>
           <a:p>
             <a:pPr lvl="1"/>
             <a:r>
+              <a:rPr sz="1800"/>
               <a:t>python main.py</a:t>
             </a:r>
           </a:p>
           <a:p>
-            <a:pPr/>
-          </a:p>
-          <a:p>
-            <a:pPr/>
-            <a:r>
+            <a:endParaRPr sz="2000"/>
+          </a:p>
+          <a:p>
+            <a:r>
+              <a:rPr sz="2000"/>
               <a:t>4. Run inference (generate submission):</a:t>
             </a:r>
           </a:p>
           <a:p>
             <a:pPr lvl="1"/>
             <a:r>
+              <a:rPr sz="1800"/>
               <a:t>python run_inference.py</a:t>
             </a:r>
           </a:p>
           <a:p>
             <a:pPr lvl="1"/>
             <a:r>
+              <a:rPr sz="1800"/>
               <a:t>Creates submission.csv in data/ directory</a:t>
             </a:r>
           </a:p>
@@ -6089,7 +6530,7 @@
 </file>
 
 <file path=ppt/slides/slide27.xml><?xml version="1.0" encoding="utf-8"?>
-<p:sld xmlns:a="http://schemas.openxmlformats.org/drawingml/2006/main" xmlns:p="http://schemas.openxmlformats.org/presentationml/2006/main" xmlns:r="http://schemas.openxmlformats.org/officeDocument/2006/relationships">
+<p:sld xmlns:a="http://schemas.openxmlformats.org/drawingml/2006/main" xmlns:r="http://schemas.openxmlformats.org/officeDocument/2006/relationships" xmlns:p="http://schemas.openxmlformats.org/presentationml/2006/main">
   <p:cSld>
     <p:spTree>
       <p:nvGrpSpPr>
@@ -6097,7 +6538,14 @@
         <p:cNvGrpSpPr/>
         <p:nvPr/>
       </p:nvGrpSpPr>
-      <p:grpSpPr/>
+      <p:grpSpPr>
+        <a:xfrm>
+          <a:off x="0" y="0"/>
+          <a:ext cx="0" cy="0"/>
+          <a:chOff x="0" y="0"/>
+          <a:chExt cx="0" cy="0"/>
+        </a:xfrm>
+      </p:grpSpPr>
       <p:sp>
         <p:nvSpPr>
           <p:cNvPr id="2" name="Title 1"/>
@@ -6110,10 +6558,13 @@
         </p:nvSpPr>
         <p:spPr/>
         <p:txBody>
-          <a:bodyPr/>
-          <a:lstStyle/>
-          <a:p>
-            <a:r>
+          <a:bodyPr>
+            <a:normAutofit/>
+          </a:bodyPr>
+          <a:lstStyle/>
+          <a:p>
+            <a:r>
+              <a:rPr sz="3200" dirty="0"/>
               <a:t>Caching System for Efficiency</a:t>
             </a:r>
           </a:p>
@@ -6131,78 +6582,90 @@
         </p:nvSpPr>
         <p:spPr/>
         <p:txBody>
-          <a:bodyPr/>
-          <a:lstStyle/>
-          <a:p/>
-          <a:p>
-            <a:pPr/>
-            <a:r>
+          <a:bodyPr>
+            <a:noAutofit/>
+          </a:bodyPr>
+          <a:lstStyle/>
+          <a:p>
+            <a:endParaRPr sz="2000"/>
+          </a:p>
+          <a:p>
+            <a:r>
+              <a:rPr sz="2000"/>
               <a:t>Why caching?</a:t>
             </a:r>
           </a:p>
           <a:p>
             <a:pPr lvl="1"/>
             <a:r>
+              <a:rPr sz="1800"/>
               <a:t>Preprocessing is slow (minutes per file)</a:t>
             </a:r>
           </a:p>
           <a:p>
             <a:pPr lvl="1"/>
             <a:r>
+              <a:rPr sz="1800"/>
               <a:t>Feature extraction takes time</a:t>
             </a:r>
           </a:p>
           <a:p>
             <a:pPr lvl="1"/>
             <a:r>
+              <a:rPr sz="1800"/>
               <a:t>Don't repeat work during development</a:t>
             </a:r>
           </a:p>
           <a:p>
-            <a:pPr/>
-          </a:p>
-          <a:p>
-            <a:pPr/>
-            <a:r>
+            <a:endParaRPr sz="2000"/>
+          </a:p>
+          <a:p>
+            <a:r>
+              <a:rPr sz="2000"/>
               <a:t>How it works:</a:t>
             </a:r>
           </a:p>
           <a:p>
             <a:pPr lvl="1"/>
             <a:r>
+              <a:rPr sz="1800"/>
               <a:t>Results saved to cache/ directory</a:t>
             </a:r>
           </a:p>
           <a:p>
             <a:pPr lvl="1"/>
             <a:r>
+              <a:rPr sz="1800"/>
               <a:t>Automatically reused on next run</a:t>
             </a:r>
           </a:p>
           <a:p>
             <a:pPr lvl="1"/>
             <a:r>
+              <a:rPr sz="1800"/>
               <a:t>Control with USE_CACHE in config.py</a:t>
             </a:r>
           </a:p>
           <a:p>
-            <a:pPr/>
-          </a:p>
-          <a:p>
-            <a:pPr/>
-            <a:r>
+            <a:endParaRPr sz="2000"/>
+          </a:p>
+          <a:p>
+            <a:r>
+              <a:rPr sz="2000"/>
               <a:t>When to clear cache:</a:t>
             </a:r>
           </a:p>
           <a:p>
             <a:pPr lvl="1"/>
             <a:r>
+              <a:rPr sz="1800"/>
               <a:t>Changed preprocessing parameters</a:t>
             </a:r>
           </a:p>
           <a:p>
             <a:pPr lvl="1"/>
             <a:r>
+              <a:rPr sz="1800"/>
               <a:t>Modified feature extraction code</a:t>
             </a:r>
           </a:p>
@@ -6217,7 +6680,7 @@
 </file>
 
 <file path=ppt/slides/slide28.xml><?xml version="1.0" encoding="utf-8"?>
-<p:sld xmlns:a="http://schemas.openxmlformats.org/drawingml/2006/main" xmlns:p="http://schemas.openxmlformats.org/presentationml/2006/main" xmlns:r="http://schemas.openxmlformats.org/officeDocument/2006/relationships">
+<p:sld xmlns:a="http://schemas.openxmlformats.org/drawingml/2006/main" xmlns:r="http://schemas.openxmlformats.org/officeDocument/2006/relationships" xmlns:p="http://schemas.openxmlformats.org/presentationml/2006/main">
   <p:cSld>
     <p:spTree>
       <p:nvGrpSpPr>
@@ -6225,7 +6688,14 @@
         <p:cNvGrpSpPr/>
         <p:nvPr/>
       </p:nvGrpSpPr>
-      <p:grpSpPr/>
+      <p:grpSpPr>
+        <a:xfrm>
+          <a:off x="0" y="0"/>
+          <a:ext cx="0" cy="0"/>
+          <a:chOff x="0" y="0"/>
+          <a:chExt cx="0" cy="0"/>
+        </a:xfrm>
+      </p:grpSpPr>
       <p:sp>
         <p:nvSpPr>
           <p:cNvPr id="2" name="Title 1"/>
@@ -6238,11 +6708,22 @@
         </p:nvSpPr>
         <p:spPr/>
         <p:txBody>
-          <a:bodyPr/>
-          <a:lstStyle/>
-          <a:p>
-            <a:r>
-              <a:t>Google Colab Notebook</a:t>
+          <a:bodyPr>
+            <a:normAutofit/>
+          </a:bodyPr>
+          <a:lstStyle/>
+          <a:p>
+            <a:r>
+              <a:rPr sz="3200" dirty="0"/>
+              <a:t>Google </a:t>
+            </a:r>
+            <a:r>
+              <a:rPr sz="3200" dirty="0" err="1"/>
+              <a:t>Colab</a:t>
+            </a:r>
+            <a:r>
+              <a:rPr sz="3200" dirty="0"/>
+              <a:t> Notebook</a:t>
             </a:r>
           </a:p>
         </p:txBody>
@@ -6259,78 +6740,89 @@
         </p:nvSpPr>
         <p:spPr/>
         <p:txBody>
-          <a:bodyPr/>
-          <a:lstStyle/>
-          <a:p/>
-          <a:p>
-            <a:pPr/>
-            <a:r>
+          <a:bodyPr>
+            <a:noAutofit/>
+          </a:bodyPr>
+          <a:lstStyle/>
+          <a:p>
+            <a:endParaRPr sz="2000"/>
+          </a:p>
+          <a:p>
+            <a:r>
+              <a:rPr sz="2000"/>
               <a:t>Alternative to local development</a:t>
             </a:r>
           </a:p>
           <a:p>
-            <a:pPr/>
-            <a:r>
+            <a:r>
+              <a:rPr sz="2000"/>
               <a:t>File: colab_notebook.ipynb</a:t>
             </a:r>
           </a:p>
           <a:p>
-            <a:pPr/>
-          </a:p>
-          <a:p>
-            <a:pPr/>
-            <a:r>
+            <a:endParaRPr sz="2000"/>
+          </a:p>
+          <a:p>
+            <a:r>
+              <a:rPr sz="2000"/>
               <a:t>Features:</a:t>
             </a:r>
           </a:p>
           <a:p>
             <a:pPr lvl="1"/>
             <a:r>
+              <a:rPr sz="1800"/>
               <a:t>No local setup required</a:t>
             </a:r>
           </a:p>
           <a:p>
             <a:pPr lvl="1"/>
             <a:r>
+              <a:rPr sz="1800"/>
               <a:t>Free GPU access (if needed)</a:t>
             </a:r>
           </a:p>
           <a:p>
             <a:pPr lvl="1"/>
             <a:r>
+              <a:rPr sz="1800"/>
               <a:t>Load from GitHub or Google Drive</a:t>
             </a:r>
           </a:p>
           <a:p>
             <a:pPr lvl="1"/>
             <a:r>
+              <a:rPr sz="1800"/>
               <a:t>Run complete pipeline in browser</a:t>
             </a:r>
           </a:p>
           <a:p>
-            <a:pPr/>
-          </a:p>
-          <a:p>
-            <a:pPr/>
-            <a:r>
+            <a:endParaRPr sz="2000"/>
+          </a:p>
+          <a:p>
+            <a:r>
+              <a:rPr sz="2000"/>
               <a:t>Usage:</a:t>
             </a:r>
           </a:p>
           <a:p>
             <a:pPr lvl="1"/>
             <a:r>
+              <a:rPr sz="1800"/>
               <a:t>Upload to Google Colab</a:t>
             </a:r>
           </a:p>
           <a:p>
             <a:pPr lvl="1"/>
             <a:r>
+              <a:rPr sz="1800"/>
               <a:t>Follow cell-by-cell instructions</a:t>
             </a:r>
           </a:p>
           <a:p>
             <a:pPr lvl="1"/>
             <a:r>
+              <a:rPr sz="1800"/>
               <a:t>View results inline</a:t>
             </a:r>
           </a:p>
@@ -6345,7 +6837,7 @@
 </file>
 
 <file path=ppt/slides/slide29.xml><?xml version="1.0" encoding="utf-8"?>
-<p:sld xmlns:a="http://schemas.openxmlformats.org/drawingml/2006/main" xmlns:p="http://schemas.openxmlformats.org/presentationml/2006/main" xmlns:r="http://schemas.openxmlformats.org/officeDocument/2006/relationships">
+<p:sld xmlns:a="http://schemas.openxmlformats.org/drawingml/2006/main" xmlns:r="http://schemas.openxmlformats.org/officeDocument/2006/relationships" xmlns:p="http://schemas.openxmlformats.org/presentationml/2006/main">
   <p:cSld>
     <p:spTree>
       <p:nvGrpSpPr>
@@ -6353,7 +6845,14 @@
         <p:cNvGrpSpPr/>
         <p:nvPr/>
       </p:nvGrpSpPr>
-      <p:grpSpPr/>
+      <p:grpSpPr>
+        <a:xfrm>
+          <a:off x="0" y="0"/>
+          <a:ext cx="0" cy="0"/>
+          <a:chOff x="0" y="0"/>
+          <a:chExt cx="0" cy="0"/>
+        </a:xfrm>
+      </p:grpSpPr>
       <p:sp>
         <p:nvSpPr>
           <p:cNvPr id="2" name="Title 1"/>
@@ -6366,10 +6865,13 @@
         </p:nvSpPr>
         <p:spPr/>
         <p:txBody>
-          <a:bodyPr/>
-          <a:lstStyle/>
-          <a:p>
-            <a:r>
+          <a:bodyPr>
+            <a:normAutofit/>
+          </a:bodyPr>
+          <a:lstStyle/>
+          <a:p>
+            <a:r>
+              <a:rPr sz="3200" dirty="0"/>
               <a:t>What You Must Implement</a:t>
             </a:r>
           </a:p>
@@ -6387,84 +6889,97 @@
         </p:nvSpPr>
         <p:spPr/>
         <p:txBody>
-          <a:bodyPr/>
-          <a:lstStyle/>
-          <a:p/>
-          <a:p>
-            <a:pPr/>
-            <a:r>
+          <a:bodyPr>
+            <a:noAutofit/>
+          </a:bodyPr>
+          <a:lstStyle/>
+          <a:p>
+            <a:endParaRPr sz="2000"/>
+          </a:p>
+          <a:p>
+            <a:r>
+              <a:rPr sz="2000"/>
               <a:t>Iteration 1:</a:t>
             </a:r>
           </a:p>
           <a:p>
             <a:pPr lvl="1"/>
             <a:r>
+              <a:rPr sz="1800"/>
               <a:t>Real EDF/XML file parsing</a:t>
             </a:r>
           </a:p>
           <a:p>
             <a:pPr lvl="1"/>
             <a:r>
+              <a:rPr sz="1800"/>
               <a:t>Bandpass filtering (0.5-40 Hz)</a:t>
             </a:r>
           </a:p>
           <a:p>
             <a:pPr lvl="1"/>
             <a:r>
+              <a:rPr sz="1800"/>
               <a:t>13+ additional time-domain features</a:t>
             </a:r>
           </a:p>
           <a:p>
-            <a:pPr/>
-            <a:r>
+            <a:r>
+              <a:rPr sz="2000"/>
               <a:t>Iteration 2:</a:t>
             </a:r>
           </a:p>
           <a:p>
             <a:pPr lvl="1"/>
             <a:r>
+              <a:rPr sz="1800"/>
               <a:t>Multi-channel processing (EEG+EOG)</a:t>
             </a:r>
           </a:p>
           <a:p>
             <a:pPr lvl="1"/>
             <a:r>
+              <a:rPr sz="1800"/>
               <a:t>Frequency-domain features (band powers)</a:t>
             </a:r>
           </a:p>
           <a:p>
             <a:pPr lvl="1"/>
             <a:r>
+              <a:rPr sz="1800"/>
               <a:t>SVM hyperparameter tuning</a:t>
             </a:r>
           </a:p>
           <a:p>
-            <a:pPr/>
-            <a:r>
+            <a:r>
+              <a:rPr sz="2000"/>
               <a:t>Iteration 3:</a:t>
             </a:r>
           </a:p>
           <a:p>
             <a:pPr lvl="1"/>
             <a:r>
+              <a:rPr sz="1800"/>
               <a:t>EMG signal processing</a:t>
             </a:r>
           </a:p>
           <a:p>
             <a:pPr lvl="1"/>
             <a:r>
+              <a:rPr sz="1800"/>
               <a:t>Feature selection algorithms</a:t>
             </a:r>
           </a:p>
           <a:p>
-            <a:pPr/>
-            <a:r>
+            <a:r>
+              <a:rPr sz="2000"/>
               <a:t>Iteration 4:</a:t>
             </a:r>
           </a:p>
           <a:p>
             <a:pPr lvl="1"/>
             <a:r>
+              <a:rPr sz="1800"/>
               <a:t>Cross-validation, optimization, final report</a:t>
             </a:r>
           </a:p>
@@ -6479,7 +6994,7 @@
 </file>
 
 <file path=ppt/slides/slide3.xml><?xml version="1.0" encoding="utf-8"?>
-<p:sld xmlns:a="http://schemas.openxmlformats.org/drawingml/2006/main" xmlns:p="http://schemas.openxmlformats.org/presentationml/2006/main" xmlns:r="http://schemas.openxmlformats.org/officeDocument/2006/relationships">
+<p:sld xmlns:a="http://schemas.openxmlformats.org/drawingml/2006/main" xmlns:r="http://schemas.openxmlformats.org/officeDocument/2006/relationships" xmlns:p="http://schemas.openxmlformats.org/presentationml/2006/main">
   <p:cSld>
     <p:spTree>
       <p:nvGrpSpPr>
@@ -6487,7 +7002,14 @@
         <p:cNvGrpSpPr/>
         <p:nvPr/>
       </p:nvGrpSpPr>
-      <p:grpSpPr/>
+      <p:grpSpPr>
+        <a:xfrm>
+          <a:off x="0" y="0"/>
+          <a:ext cx="0" cy="0"/>
+          <a:chOff x="0" y="0"/>
+          <a:chExt cx="0" cy="0"/>
+        </a:xfrm>
+      </p:grpSpPr>
       <p:sp>
         <p:nvSpPr>
           <p:cNvPr id="2" name="Title 1"/>
@@ -6500,10 +7022,13 @@
         </p:nvSpPr>
         <p:spPr/>
         <p:txBody>
-          <a:bodyPr/>
-          <a:lstStyle/>
-          <a:p>
-            <a:r>
+          <a:bodyPr>
+            <a:normAutofit/>
+          </a:bodyPr>
+          <a:lstStyle/>
+          <a:p>
+            <a:r>
+              <a:rPr sz="3200" dirty="0"/>
               <a:t>Learning Objectives</a:t>
             </a:r>
           </a:p>
@@ -6521,54 +7046,62 @@
         </p:nvSpPr>
         <p:spPr/>
         <p:txBody>
-          <a:bodyPr/>
-          <a:lstStyle/>
-          <a:p/>
-          <a:p>
-            <a:pPr/>
-            <a:r>
+          <a:bodyPr>
+            <a:noAutofit/>
+          </a:bodyPr>
+          <a:lstStyle/>
+          <a:p>
+            <a:endParaRPr sz="2000"/>
+          </a:p>
+          <a:p>
+            <a:r>
+              <a:rPr sz="2000"/>
               <a:t>Apply signal processing techniques to real biomedical data</a:t>
             </a:r>
           </a:p>
           <a:p>
             <a:pPr lvl="1"/>
             <a:r>
+              <a:rPr sz="1800"/>
               <a:t>Filtering, artifact removal, feature extraction</a:t>
             </a:r>
           </a:p>
           <a:p>
-            <a:pPr/>
-            <a:r>
+            <a:r>
+              <a:rPr sz="2000"/>
               <a:t>Implement machine learning classifiers for pattern recognition</a:t>
             </a:r>
           </a:p>
           <a:p>
             <a:pPr lvl="1"/>
             <a:r>
+              <a:rPr sz="1800"/>
               <a:t>k-NN, SVM, Random Forest</a:t>
             </a:r>
           </a:p>
           <a:p>
-            <a:pPr/>
-            <a:r>
+            <a:r>
+              <a:rPr sz="2000"/>
               <a:t>Practice agile software development in teams</a:t>
             </a:r>
           </a:p>
           <a:p>
             <a:pPr lvl="1"/>
             <a:r>
+              <a:rPr sz="1800"/>
               <a:t>Sprints, iterative development, task management</a:t>
             </a:r>
           </a:p>
           <a:p>
-            <a:pPr/>
-            <a:r>
+            <a:r>
+              <a:rPr sz="2000"/>
               <a:t>Develop professional documentation skills</a:t>
             </a:r>
           </a:p>
           <a:p>
             <a:pPr lvl="1"/>
             <a:r>
+              <a:rPr sz="1800"/>
               <a:t>Code documentation, technical reports, presentations</a:t>
             </a:r>
           </a:p>
@@ -6583,7 +7116,7 @@
 </file>
 
 <file path=ppt/slides/slide30.xml><?xml version="1.0" encoding="utf-8"?>
-<p:sld xmlns:a="http://schemas.openxmlformats.org/drawingml/2006/main" xmlns:p="http://schemas.openxmlformats.org/presentationml/2006/main" xmlns:r="http://schemas.openxmlformats.org/officeDocument/2006/relationships">
+<p:sld xmlns:a="http://schemas.openxmlformats.org/drawingml/2006/main" xmlns:r="http://schemas.openxmlformats.org/officeDocument/2006/relationships" xmlns:p="http://schemas.openxmlformats.org/presentationml/2006/main">
   <p:cSld>
     <p:spTree>
       <p:nvGrpSpPr>
@@ -6591,7 +7124,14 @@
         <p:cNvGrpSpPr/>
         <p:nvPr/>
       </p:nvGrpSpPr>
-      <p:grpSpPr/>
+      <p:grpSpPr>
+        <a:xfrm>
+          <a:off x="0" y="0"/>
+          <a:ext cx="0" cy="0"/>
+          <a:chOff x="0" y="0"/>
+          <a:chExt cx="0" cy="0"/>
+        </a:xfrm>
+      </p:grpSpPr>
       <p:sp>
         <p:nvSpPr>
           <p:cNvPr id="2" name="Title 1"/>
@@ -6604,35 +7144,41 @@
         </p:nvSpPr>
         <p:spPr/>
         <p:txBody>
+          <a:bodyPr>
+            <a:normAutofit/>
+          </a:bodyPr>
+          <a:lstStyle/>
+          <a:p>
+            <a:r>
+              <a:rPr sz="3200" dirty="0"/>
+              <a:t>Final Report:</a:t>
+            </a:r>
+          </a:p>
+          <a:p>
+            <a:r>
+              <a:rPr sz="3200" dirty="0"/>
+              <a:t>Structure &amp; Requirements</a:t>
+            </a:r>
+          </a:p>
+        </p:txBody>
+      </p:sp>
+      <p:sp>
+        <p:nvSpPr>
+          <p:cNvPr id="3" name="Text Placeholder 2"/>
+          <p:cNvSpPr>
+            <a:spLocks noGrp="1"/>
+          </p:cNvSpPr>
+          <p:nvPr>
+            <p:ph type="body" idx="1"/>
+          </p:nvPr>
+        </p:nvSpPr>
+        <p:spPr/>
+        <p:txBody>
           <a:bodyPr/>
           <a:lstStyle/>
           <a:p>
-            <a:r>
-              <a:t>Final Report:</a:t>
-            </a:r>
-          </a:p>
-          <a:p>
-            <a:r>
-              <a:t>Structure &amp; Requirements</a:t>
-            </a:r>
-          </a:p>
-        </p:txBody>
-      </p:sp>
-      <p:sp>
-        <p:nvSpPr>
-          <p:cNvPr id="3" name="Text Placeholder 2"/>
-          <p:cNvSpPr>
-            <a:spLocks noGrp="1"/>
-          </p:cNvSpPr>
-          <p:nvPr>
-            <p:ph type="body" idx="1"/>
-          </p:nvPr>
-        </p:nvSpPr>
-        <p:spPr/>
-        <p:txBody>
-          <a:bodyPr/>
-          <a:lstStyle/>
-          <a:p/>
+            <a:endParaRPr/>
+          </a:p>
         </p:txBody>
       </p:sp>
     </p:spTree>
@@ -6644,7 +7190,7 @@
 </file>
 
 <file path=ppt/slides/slide31.xml><?xml version="1.0" encoding="utf-8"?>
-<p:sld xmlns:a="http://schemas.openxmlformats.org/drawingml/2006/main" xmlns:p="http://schemas.openxmlformats.org/presentationml/2006/main" xmlns:r="http://schemas.openxmlformats.org/officeDocument/2006/relationships">
+<p:sld xmlns:a="http://schemas.openxmlformats.org/drawingml/2006/main" xmlns:r="http://schemas.openxmlformats.org/officeDocument/2006/relationships" xmlns:p="http://schemas.openxmlformats.org/presentationml/2006/main">
   <p:cSld>
     <p:spTree>
       <p:nvGrpSpPr>
@@ -6652,7 +7198,14 @@
         <p:cNvGrpSpPr/>
         <p:nvPr/>
       </p:nvGrpSpPr>
-      <p:grpSpPr/>
+      <p:grpSpPr>
+        <a:xfrm>
+          <a:off x="0" y="0"/>
+          <a:ext cx="0" cy="0"/>
+          <a:chOff x="0" y="0"/>
+          <a:chExt cx="0" cy="0"/>
+        </a:xfrm>
+      </p:grpSpPr>
       <p:sp>
         <p:nvSpPr>
           <p:cNvPr id="2" name="Title 1"/>
@@ -6665,10 +7218,13 @@
         </p:nvSpPr>
         <p:spPr/>
         <p:txBody>
-          <a:bodyPr/>
-          <a:lstStyle/>
-          <a:p>
-            <a:r>
+          <a:bodyPr>
+            <a:normAutofit/>
+          </a:bodyPr>
+          <a:lstStyle/>
+          <a:p>
+            <a:r>
+              <a:rPr sz="3200" dirty="0"/>
               <a:t>Technical Report (15 pages max)</a:t>
             </a:r>
           </a:p>
@@ -6686,72 +7242,81 @@
         </p:nvSpPr>
         <p:spPr/>
         <p:txBody>
-          <a:bodyPr/>
-          <a:lstStyle/>
-          <a:p/>
-          <a:p>
-            <a:pPr/>
-            <a:r>
+          <a:bodyPr>
+            <a:noAutofit/>
+          </a:bodyPr>
+          <a:lstStyle/>
+          <a:p>
+            <a:endParaRPr sz="2000"/>
+          </a:p>
+          <a:p>
+            <a:r>
+              <a:rPr sz="2000"/>
               <a:t>1. Introduction (1 page)</a:t>
             </a:r>
           </a:p>
           <a:p>
             <a:pPr lvl="1"/>
             <a:r>
+              <a:rPr sz="1800"/>
               <a:t>Problem statement, objectives</a:t>
             </a:r>
           </a:p>
           <a:p>
-            <a:pPr/>
-            <a:r>
+            <a:r>
+              <a:rPr sz="2000"/>
               <a:t>2. Methods (3 pages)</a:t>
             </a:r>
           </a:p>
           <a:p>
             <a:pPr lvl="1"/>
             <a:r>
+              <a:rPr sz="1800"/>
               <a:t>Signal processing, features, classification</a:t>
             </a:r>
           </a:p>
           <a:p>
-            <a:pPr/>
-            <a:r>
+            <a:r>
+              <a:rPr sz="2000"/>
               <a:t>3. Results (4-5 pages)</a:t>
             </a:r>
           </a:p>
           <a:p>
             <a:pPr lvl="1"/>
             <a:r>
+              <a:rPr sz="1800"/>
               <a:t>Performance metrics, confusion matrices, analysis</a:t>
             </a:r>
           </a:p>
           <a:p>
-            <a:pPr/>
-            <a:r>
+            <a:r>
+              <a:rPr sz="2000"/>
               <a:t>4. Discussion (3-4 pages)</a:t>
             </a:r>
           </a:p>
           <a:p>
             <a:pPr lvl="1"/>
             <a:r>
+              <a:rPr sz="1800"/>
               <a:t>Interpretation, challenges, improvements</a:t>
             </a:r>
           </a:p>
           <a:p>
-            <a:pPr/>
-            <a:r>
+            <a:r>
+              <a:rPr sz="2000"/>
               <a:t>5. Conclusion (1 page)</a:t>
             </a:r>
           </a:p>
           <a:p>
             <a:pPr lvl="1"/>
             <a:r>
+              <a:rPr sz="1800"/>
               <a:t>Summary, future work</a:t>
             </a:r>
           </a:p>
           <a:p>
-            <a:pPr/>
-            <a:r>
+            <a:r>
+              <a:rPr sz="2000"/>
               <a:t>6. References (1 page)</a:t>
             </a:r>
           </a:p>
@@ -6766,7 +7331,7 @@
 </file>
 
 <file path=ppt/slides/slide32.xml><?xml version="1.0" encoding="utf-8"?>
-<p:sld xmlns:a="http://schemas.openxmlformats.org/drawingml/2006/main" xmlns:p="http://schemas.openxmlformats.org/presentationml/2006/main" xmlns:r="http://schemas.openxmlformats.org/officeDocument/2006/relationships">
+<p:sld xmlns:a="http://schemas.openxmlformats.org/drawingml/2006/main" xmlns:r="http://schemas.openxmlformats.org/officeDocument/2006/relationships" xmlns:p="http://schemas.openxmlformats.org/presentationml/2006/main">
   <p:cSld>
     <p:spTree>
       <p:nvGrpSpPr>
@@ -6774,7 +7339,14 @@
         <p:cNvGrpSpPr/>
         <p:nvPr/>
       </p:nvGrpSpPr>
-      <p:grpSpPr/>
+      <p:grpSpPr>
+        <a:xfrm>
+          <a:off x="0" y="0"/>
+          <a:ext cx="0" cy="0"/>
+          <a:chOff x="0" y="0"/>
+          <a:chExt cx="0" cy="0"/>
+        </a:xfrm>
+      </p:grpSpPr>
       <p:sp>
         <p:nvSpPr>
           <p:cNvPr id="2" name="Title 1"/>
@@ -6787,10 +7359,13 @@
         </p:nvSpPr>
         <p:spPr/>
         <p:txBody>
-          <a:bodyPr/>
-          <a:lstStyle/>
-          <a:p>
-            <a:r>
+          <a:bodyPr>
+            <a:normAutofit/>
+          </a:bodyPr>
+          <a:lstStyle/>
+          <a:p>
+            <a:r>
+              <a:rPr sz="3200" dirty="0"/>
               <a:t>Report Content Focus</a:t>
             </a:r>
           </a:p>
@@ -6808,81 +7383,93 @@
         </p:nvSpPr>
         <p:spPr/>
         <p:txBody>
-          <a:bodyPr/>
-          <a:lstStyle/>
-          <a:p/>
-          <a:p>
-            <a:pPr/>
-            <a:r>
+          <a:bodyPr>
+            <a:noAutofit/>
+          </a:bodyPr>
+          <a:lstStyle/>
+          <a:p>
+            <a:endParaRPr sz="2000"/>
+          </a:p>
+          <a:p>
+            <a:r>
+              <a:rPr sz="2000"/>
               <a:t>Focus on the process, not just results</a:t>
             </a:r>
           </a:p>
           <a:p>
-            <a:pPr/>
-          </a:p>
-          <a:p>
-            <a:pPr/>
-            <a:r>
+            <a:endParaRPr sz="2000"/>
+          </a:p>
+          <a:p>
+            <a:r>
+              <a:rPr sz="2000"/>
               <a:t>Methods section should explain:</a:t>
             </a:r>
           </a:p>
           <a:p>
             <a:pPr lvl="1"/>
             <a:r>
+              <a:rPr sz="1800"/>
               <a:t>WHY you chose specific approaches</a:t>
             </a:r>
           </a:p>
           <a:p>
             <a:pPr lvl="1"/>
             <a:r>
+              <a:rPr sz="1800"/>
               <a:t>HOW you implemented them</a:t>
             </a:r>
           </a:p>
           <a:p>
             <a:pPr lvl="1"/>
             <a:r>
+              <a:rPr sz="1800"/>
               <a:t>What alternatives you considered</a:t>
             </a:r>
           </a:p>
           <a:p>
-            <a:pPr/>
-            <a:r>
+            <a:r>
+              <a:rPr sz="2000"/>
               <a:t>Results section should show:</a:t>
             </a:r>
           </a:p>
           <a:p>
             <a:pPr lvl="1"/>
             <a:r>
+              <a:rPr sz="1800"/>
               <a:t>Progression through iterations</a:t>
             </a:r>
           </a:p>
           <a:p>
             <a:pPr lvl="1"/>
             <a:r>
+              <a:rPr sz="1800"/>
               <a:t>Impact of different decisions</a:t>
             </a:r>
           </a:p>
           <a:p>
             <a:pPr lvl="1"/>
             <a:r>
+              <a:rPr sz="1800"/>
               <a:t>Statistical analysis of performance</a:t>
             </a:r>
           </a:p>
           <a:p>
-            <a:pPr/>
-            <a:r>
+            <a:r>
+              <a:rPr sz="2000"/>
               <a:t>Discussion should reflect:</a:t>
             </a:r>
           </a:p>
           <a:p>
             <a:pPr lvl="1"/>
             <a:r>
+              <a:rPr sz="1800"/>
               <a:t>Critical thinking about your approach</a:t>
             </a:r>
           </a:p>
           <a:p>
             <a:pPr lvl="1"/>
             <a:r>
+              <a:rPr sz="1800"/>
               <a:t>Learning from what didn't work</a:t>
             </a:r>
           </a:p>
@@ -6897,7 +7484,7 @@
 </file>
 
 <file path=ppt/slides/slide33.xml><?xml version="1.0" encoding="utf-8"?>
-<p:sld xmlns:a="http://schemas.openxmlformats.org/drawingml/2006/main" xmlns:p="http://schemas.openxmlformats.org/presentationml/2006/main" xmlns:r="http://schemas.openxmlformats.org/officeDocument/2006/relationships">
+<p:sld xmlns:a="http://schemas.openxmlformats.org/drawingml/2006/main" xmlns:r="http://schemas.openxmlformats.org/officeDocument/2006/relationships" xmlns:p="http://schemas.openxmlformats.org/presentationml/2006/main">
   <p:cSld>
     <p:spTree>
       <p:nvGrpSpPr>
@@ -6905,7 +7492,14 @@
         <p:cNvGrpSpPr/>
         <p:nvPr/>
       </p:nvGrpSpPr>
-      <p:grpSpPr/>
+      <p:grpSpPr>
+        <a:xfrm>
+          <a:off x="0" y="0"/>
+          <a:ext cx="0" cy="0"/>
+          <a:chOff x="0" y="0"/>
+          <a:chExt cx="0" cy="0"/>
+        </a:xfrm>
+      </p:grpSpPr>
       <p:sp>
         <p:nvSpPr>
           <p:cNvPr id="2" name="Title 1"/>
@@ -6918,30 +7512,35 @@
         </p:nvSpPr>
         <p:spPr/>
         <p:txBody>
+          <a:bodyPr>
+            <a:normAutofit/>
+          </a:bodyPr>
+          <a:lstStyle/>
+          <a:p>
+            <a:r>
+              <a:rPr sz="3200" dirty="0"/>
+              <a:t>Data &amp; File Formats</a:t>
+            </a:r>
+          </a:p>
+        </p:txBody>
+      </p:sp>
+      <p:sp>
+        <p:nvSpPr>
+          <p:cNvPr id="3" name="Text Placeholder 2"/>
+          <p:cNvSpPr>
+            <a:spLocks noGrp="1"/>
+          </p:cNvSpPr>
+          <p:nvPr>
+            <p:ph type="body" idx="1"/>
+          </p:nvPr>
+        </p:nvSpPr>
+        <p:spPr/>
+        <p:txBody>
           <a:bodyPr/>
           <a:lstStyle/>
           <a:p>
-            <a:r>
-              <a:t>Data &amp; File Formats</a:t>
-            </a:r>
-          </a:p>
-        </p:txBody>
-      </p:sp>
-      <p:sp>
-        <p:nvSpPr>
-          <p:cNvPr id="3" name="Text Placeholder 2"/>
-          <p:cNvSpPr>
-            <a:spLocks noGrp="1"/>
-          </p:cNvSpPr>
-          <p:nvPr>
-            <p:ph type="body" idx="1"/>
-          </p:nvPr>
-        </p:nvSpPr>
-        <p:spPr/>
-        <p:txBody>
-          <a:bodyPr/>
-          <a:lstStyle/>
-          <a:p/>
+            <a:endParaRPr/>
+          </a:p>
         </p:txBody>
       </p:sp>
     </p:spTree>
@@ -6953,7 +7552,7 @@
 </file>
 
 <file path=ppt/slides/slide34.xml><?xml version="1.0" encoding="utf-8"?>
-<p:sld xmlns:a="http://schemas.openxmlformats.org/drawingml/2006/main" xmlns:p="http://schemas.openxmlformats.org/presentationml/2006/main" xmlns:r="http://schemas.openxmlformats.org/officeDocument/2006/relationships">
+<p:sld xmlns:a="http://schemas.openxmlformats.org/drawingml/2006/main" xmlns:r="http://schemas.openxmlformats.org/officeDocument/2006/relationships" xmlns:p="http://schemas.openxmlformats.org/presentationml/2006/main">
   <p:cSld>
     <p:spTree>
       <p:nvGrpSpPr>
@@ -6961,7 +7560,14 @@
         <p:cNvGrpSpPr/>
         <p:nvPr/>
       </p:nvGrpSpPr>
-      <p:grpSpPr/>
+      <p:grpSpPr>
+        <a:xfrm>
+          <a:off x="0" y="0"/>
+          <a:ext cx="0" cy="0"/>
+          <a:chOff x="0" y="0"/>
+          <a:chExt cx="0" cy="0"/>
+        </a:xfrm>
+      </p:grpSpPr>
       <p:sp>
         <p:nvSpPr>
           <p:cNvPr id="2" name="Title 1"/>
@@ -6974,10 +7580,13 @@
         </p:nvSpPr>
         <p:spPr/>
         <p:txBody>
-          <a:bodyPr/>
-          <a:lstStyle/>
-          <a:p>
-            <a:r>
+          <a:bodyPr>
+            <a:normAutofit/>
+          </a:bodyPr>
+          <a:lstStyle/>
+          <a:p>
+            <a:r>
+              <a:rPr sz="3200" dirty="0"/>
               <a:t>Data Organization</a:t>
             </a:r>
           </a:p>
@@ -6995,81 +7604,93 @@
         </p:nvSpPr>
         <p:spPr/>
         <p:txBody>
-          <a:bodyPr/>
-          <a:lstStyle/>
-          <a:p/>
-          <a:p>
-            <a:pPr/>
-            <a:r>
+          <a:bodyPr>
+            <a:noAutofit/>
+          </a:bodyPr>
+          <a:lstStyle/>
+          <a:p>
+            <a:endParaRPr sz="2000"/>
+          </a:p>
+          <a:p>
+            <a:r>
+              <a:rPr sz="2000"/>
               <a:t>data/training/ - EDF + XML files with labels</a:t>
             </a:r>
           </a:p>
           <a:p>
             <a:pPr lvl="1"/>
             <a:r>
+              <a:rPr sz="1800"/>
               <a:t>Use for training and validation</a:t>
             </a:r>
           </a:p>
           <a:p>
             <a:pPr lvl="1"/>
             <a:r>
+              <a:rPr sz="1800"/>
               <a:t>Both EDF and XML required for each recording</a:t>
             </a:r>
           </a:p>
           <a:p>
-            <a:pPr/>
-            <a:r>
+            <a:r>
+              <a:rPr sz="2000"/>
               <a:t>data/holdout/ - EDF files only (no labels)</a:t>
             </a:r>
           </a:p>
           <a:p>
             <a:pPr lvl="1"/>
             <a:r>
+              <a:rPr sz="1800"/>
               <a:t>Use for final predictions/competition</a:t>
             </a:r>
           </a:p>
           <a:p>
-            <a:pPr/>
-            <a:r>
+            <a:r>
+              <a:rPr sz="2000"/>
               <a:t>data/sample/ - Small test dataset</a:t>
             </a:r>
           </a:p>
           <a:p>
             <a:pPr lvl="1"/>
             <a:r>
+              <a:rPr sz="1800"/>
               <a:t>Quick testing during development</a:t>
             </a:r>
           </a:p>
           <a:p>
-            <a:pPr/>
-          </a:p>
-          <a:p>
-            <a:pPr/>
-            <a:r>
+            <a:endParaRPr sz="2000"/>
+          </a:p>
+          <a:p>
+            <a:r>
+              <a:rPr sz="2000"/>
               <a:t>Key signals in EDF files:</a:t>
             </a:r>
           </a:p>
           <a:p>
             <a:pPr lvl="1"/>
             <a:r>
+              <a:rPr sz="1800"/>
               <a:t>EEG: C3-A2, C4-A1 (125 Hz, hardware high-pass 0.15 Hz)</a:t>
             </a:r>
           </a:p>
           <a:p>
             <a:pPr lvl="1"/>
             <a:r>
+              <a:rPr sz="1800"/>
               <a:t>EOG: Left/Right (50 Hz, hardware high-pass 0.15 Hz)</a:t>
             </a:r>
           </a:p>
           <a:p>
             <a:pPr lvl="1"/>
             <a:r>
+              <a:rPr sz="1800"/>
               <a:t>EMG: (125 Hz, hardware high-pass 0.15 Hz)</a:t>
             </a:r>
           </a:p>
           <a:p>
             <a:pPr lvl="1"/>
             <a:r>
+              <a:rPr sz="1800"/>
               <a:t>ECG: (125 Hz), Respiration: Thor/Abdo (10 Hz), SpO2/HR (1 Hz)</a:t>
             </a:r>
           </a:p>
@@ -7084,7 +7705,7 @@
 </file>
 
 <file path=ppt/slides/slide35.xml><?xml version="1.0" encoding="utf-8"?>
-<p:sld xmlns:a="http://schemas.openxmlformats.org/drawingml/2006/main" xmlns:p="http://schemas.openxmlformats.org/presentationml/2006/main" xmlns:r="http://schemas.openxmlformats.org/officeDocument/2006/relationships">
+<p:sld xmlns:a="http://schemas.openxmlformats.org/drawingml/2006/main" xmlns:r="http://schemas.openxmlformats.org/officeDocument/2006/relationships" xmlns:p="http://schemas.openxmlformats.org/presentationml/2006/main">
   <p:cSld>
     <p:spTree>
       <p:nvGrpSpPr>
@@ -7092,7 +7713,14 @@
         <p:cNvGrpSpPr/>
         <p:nvPr/>
       </p:nvGrpSpPr>
-      <p:grpSpPr/>
+      <p:grpSpPr>
+        <a:xfrm>
+          <a:off x="0" y="0"/>
+          <a:ext cx="0" cy="0"/>
+          <a:chOff x="0" y="0"/>
+          <a:chExt cx="0" cy="0"/>
+        </a:xfrm>
+      </p:grpSpPr>
       <p:sp>
         <p:nvSpPr>
           <p:cNvPr id="2" name="Title 1"/>
@@ -7105,10 +7733,13 @@
         </p:nvSpPr>
         <p:spPr/>
         <p:txBody>
-          <a:bodyPr/>
-          <a:lstStyle/>
-          <a:p>
-            <a:r>
+          <a:bodyPr>
+            <a:noAutofit/>
+          </a:bodyPr>
+          <a:lstStyle/>
+          <a:p>
+            <a:r>
+              <a:rPr sz="3200" dirty="0"/>
               <a:t>Available Signals - Detailed Specifications</a:t>
             </a:r>
           </a:p>
@@ -7133,10 +7764,34 @@
                 <a:tableStyleId>{5C22544A-7EE6-4342-B048-85BDC9FD1C3A}</a:tableStyleId>
               </a:tblPr>
               <a:tblGrid>
-                <a:gridCol w="2057400"/>
-                <a:gridCol w="2057400"/>
-                <a:gridCol w="2057400"/>
-                <a:gridCol w="2057400"/>
+                <a:gridCol w="2057400">
+                  <a:extLst>
+                    <a:ext uri="{9D8B030D-6E8A-4147-A177-3AD203B41FA5}">
+                      <a16:colId xmlns:a16="http://schemas.microsoft.com/office/drawing/2014/main" val="20000"/>
+                    </a:ext>
+                  </a:extLst>
+                </a:gridCol>
+                <a:gridCol w="2057400">
+                  <a:extLst>
+                    <a:ext uri="{9D8B030D-6E8A-4147-A177-3AD203B41FA5}">
+                      <a16:colId xmlns:a16="http://schemas.microsoft.com/office/drawing/2014/main" val="20001"/>
+                    </a:ext>
+                  </a:extLst>
+                </a:gridCol>
+                <a:gridCol w="2057400">
+                  <a:extLst>
+                    <a:ext uri="{9D8B030D-6E8A-4147-A177-3AD203B41FA5}">
+                      <a16:colId xmlns:a16="http://schemas.microsoft.com/office/drawing/2014/main" val="20002"/>
+                    </a:ext>
+                  </a:extLst>
+                </a:gridCol>
+                <a:gridCol w="2057400">
+                  <a:extLst>
+                    <a:ext uri="{9D8B030D-6E8A-4147-A177-3AD203B41FA5}">
+                      <a16:colId xmlns:a16="http://schemas.microsoft.com/office/drawing/2014/main" val="20003"/>
+                    </a:ext>
+                  </a:extLst>
+                </a:gridCol>
               </a:tblGrid>
               <a:tr h="332509">
                 <a:tc>
@@ -7145,7 +7800,7 @@
                     <a:lstStyle/>
                     <a:p>
                       <a:pPr>
-                        <a:defRPr b="1" sz="1200">
+                        <a:defRPr sz="1200" b="1">
                           <a:solidFill>
                             <a:srgbClr val="FFFFFF"/>
                           </a:solidFill>
@@ -7168,7 +7823,7 @@
                     <a:lstStyle/>
                     <a:p>
                       <a:pPr>
-                        <a:defRPr b="1" sz="1200">
+                        <a:defRPr sz="1200" b="1">
                           <a:solidFill>
                             <a:srgbClr val="FFFFFF"/>
                           </a:solidFill>
@@ -7191,7 +7846,7 @@
                     <a:lstStyle/>
                     <a:p>
                       <a:pPr>
-                        <a:defRPr b="1" sz="1200">
+                        <a:defRPr sz="1200" b="1">
                           <a:solidFill>
                             <a:srgbClr val="FFFFFF"/>
                           </a:solidFill>
@@ -7214,7 +7869,7 @@
                     <a:lstStyle/>
                     <a:p>
                       <a:pPr>
-                        <a:defRPr b="1" sz="1200">
+                        <a:defRPr sz="1200" b="1">
                           <a:solidFill>
                             <a:srgbClr val="FFFFFF"/>
                           </a:solidFill>
@@ -7231,6 +7886,11 @@
                     </a:solidFill>
                   </a:tcPr>
                 </a:tc>
+                <a:extLst>
+                  <a:ext uri="{0D108BD9-81ED-4DB2-BD59-A6C34878D82A}">
+                    <a16:rowId xmlns:a16="http://schemas.microsoft.com/office/drawing/2014/main" val="10000"/>
+                  </a:ext>
+                </a:extLst>
               </a:tr>
               <a:tr h="332509">
                 <a:tc>
@@ -7293,6 +7953,11 @@
                   </a:txBody>
                   <a:tcPr/>
                 </a:tc>
+                <a:extLst>
+                  <a:ext uri="{0D108BD9-81ED-4DB2-BD59-A6C34878D82A}">
+                    <a16:rowId xmlns:a16="http://schemas.microsoft.com/office/drawing/2014/main" val="10001"/>
+                  </a:ext>
+                </a:extLst>
               </a:tr>
               <a:tr h="332509">
                 <a:tc>
@@ -7355,6 +8020,11 @@
                   </a:txBody>
                   <a:tcPr/>
                 </a:tc>
+                <a:extLst>
+                  <a:ext uri="{0D108BD9-81ED-4DB2-BD59-A6C34878D82A}">
+                    <a16:rowId xmlns:a16="http://schemas.microsoft.com/office/drawing/2014/main" val="10002"/>
+                  </a:ext>
+                </a:extLst>
               </a:tr>
               <a:tr h="332509">
                 <a:tc>
@@ -7417,6 +8087,11 @@
                   </a:txBody>
                   <a:tcPr/>
                 </a:tc>
+                <a:extLst>
+                  <a:ext uri="{0D108BD9-81ED-4DB2-BD59-A6C34878D82A}">
+                    <a16:rowId xmlns:a16="http://schemas.microsoft.com/office/drawing/2014/main" val="10003"/>
+                  </a:ext>
+                </a:extLst>
               </a:tr>
               <a:tr h="332509">
                 <a:tc>
@@ -7479,6 +8154,11 @@
                   </a:txBody>
                   <a:tcPr/>
                 </a:tc>
+                <a:extLst>
+                  <a:ext uri="{0D108BD9-81ED-4DB2-BD59-A6C34878D82A}">
+                    <a16:rowId xmlns:a16="http://schemas.microsoft.com/office/drawing/2014/main" val="10004"/>
+                  </a:ext>
+                </a:extLst>
               </a:tr>
               <a:tr h="332509">
                 <a:tc>
@@ -7541,6 +8221,11 @@
                   </a:txBody>
                   <a:tcPr/>
                 </a:tc>
+                <a:extLst>
+                  <a:ext uri="{0D108BD9-81ED-4DB2-BD59-A6C34878D82A}">
+                    <a16:rowId xmlns:a16="http://schemas.microsoft.com/office/drawing/2014/main" val="10005"/>
+                  </a:ext>
+                </a:extLst>
               </a:tr>
               <a:tr h="332509">
                 <a:tc>
@@ -7603,6 +8288,11 @@
                   </a:txBody>
                   <a:tcPr/>
                 </a:tc>
+                <a:extLst>
+                  <a:ext uri="{0D108BD9-81ED-4DB2-BD59-A6C34878D82A}">
+                    <a16:rowId xmlns:a16="http://schemas.microsoft.com/office/drawing/2014/main" val="10006"/>
+                  </a:ext>
+                </a:extLst>
               </a:tr>
               <a:tr h="332509">
                 <a:tc>
@@ -7665,6 +8355,11 @@
                   </a:txBody>
                   <a:tcPr/>
                 </a:tc>
+                <a:extLst>
+                  <a:ext uri="{0D108BD9-81ED-4DB2-BD59-A6C34878D82A}">
+                    <a16:rowId xmlns:a16="http://schemas.microsoft.com/office/drawing/2014/main" val="10007"/>
+                  </a:ext>
+                </a:extLst>
               </a:tr>
               <a:tr h="332509">
                 <a:tc>
@@ -7727,6 +8422,11 @@
                   </a:txBody>
                   <a:tcPr/>
                 </a:tc>
+                <a:extLst>
+                  <a:ext uri="{0D108BD9-81ED-4DB2-BD59-A6C34878D82A}">
+                    <a16:rowId xmlns:a16="http://schemas.microsoft.com/office/drawing/2014/main" val="10008"/>
+                  </a:ext>
+                </a:extLst>
               </a:tr>
               <a:tr h="332509">
                 <a:tc>
@@ -7789,6 +8489,11 @@
                   </a:txBody>
                   <a:tcPr/>
                 </a:tc>
+                <a:extLst>
+                  <a:ext uri="{0D108BD9-81ED-4DB2-BD59-A6C34878D82A}">
+                    <a16:rowId xmlns:a16="http://schemas.microsoft.com/office/drawing/2014/main" val="10009"/>
+                  </a:ext>
+                </a:extLst>
               </a:tr>
               <a:tr h="332510">
                 <a:tc>
@@ -7851,6 +8556,11 @@
                   </a:txBody>
                   <a:tcPr/>
                 </a:tc>
+                <a:extLst>
+                  <a:ext uri="{0D108BD9-81ED-4DB2-BD59-A6C34878D82A}">
+                    <a16:rowId xmlns:a16="http://schemas.microsoft.com/office/drawing/2014/main" val="10010"/>
+                  </a:ext>
+                </a:extLst>
               </a:tr>
             </a:tbl>
           </a:graphicData>
@@ -7865,7 +8575,7 @@
 </file>
 
 <file path=ppt/slides/slide36.xml><?xml version="1.0" encoding="utf-8"?>
-<p:sld xmlns:a="http://schemas.openxmlformats.org/drawingml/2006/main" xmlns:p="http://schemas.openxmlformats.org/presentationml/2006/main" xmlns:r="http://schemas.openxmlformats.org/officeDocument/2006/relationships">
+<p:sld xmlns:a="http://schemas.openxmlformats.org/drawingml/2006/main" xmlns:r="http://schemas.openxmlformats.org/officeDocument/2006/relationships" xmlns:p="http://schemas.openxmlformats.org/presentationml/2006/main">
   <p:cSld>
     <p:spTree>
       <p:nvGrpSpPr>
@@ -7873,7 +8583,14 @@
         <p:cNvGrpSpPr/>
         <p:nvPr/>
       </p:nvGrpSpPr>
-      <p:grpSpPr/>
+      <p:grpSpPr>
+        <a:xfrm>
+          <a:off x="0" y="0"/>
+          <a:ext cx="0" cy="0"/>
+          <a:chOff x="0" y="0"/>
+          <a:chExt cx="0" cy="0"/>
+        </a:xfrm>
+      </p:grpSpPr>
       <p:sp>
         <p:nvSpPr>
           <p:cNvPr id="2" name="Title 1"/>
@@ -7886,10 +8603,13 @@
         </p:nvSpPr>
         <p:spPr/>
         <p:txBody>
-          <a:bodyPr/>
-          <a:lstStyle/>
-          <a:p>
-            <a:r>
+          <a:bodyPr>
+            <a:normAutofit/>
+          </a:bodyPr>
+          <a:lstStyle/>
+          <a:p>
+            <a:r>
+              <a:rPr sz="3200" dirty="0"/>
               <a:t>EDF and XML File Formats</a:t>
             </a:r>
           </a:p>
@@ -7907,66 +8627,76 @@
         </p:nvSpPr>
         <p:spPr/>
         <p:txBody>
-          <a:bodyPr/>
-          <a:lstStyle/>
-          <a:p/>
-          <a:p>
-            <a:pPr/>
-            <a:r>
+          <a:bodyPr>
+            <a:noAutofit/>
+          </a:bodyPr>
+          <a:lstStyle/>
+          <a:p>
+            <a:endParaRPr sz="2000"/>
+          </a:p>
+          <a:p>
+            <a:r>
+              <a:rPr sz="2000"/>
               <a:t>EDF (European Data Format):</a:t>
             </a:r>
           </a:p>
           <a:p>
             <a:pPr lvl="1"/>
             <a:r>
+              <a:rPr sz="1800"/>
               <a:t>Standard for biosignals (EEG, EOG, EMG)</a:t>
             </a:r>
           </a:p>
           <a:p>
             <a:pPr lvl="1"/>
             <a:r>
+              <a:rPr sz="1800"/>
               <a:t>Multiple channels with metadata</a:t>
             </a:r>
           </a:p>
           <a:p>
             <a:pPr lvl="1"/>
             <a:r>
+              <a:rPr sz="1800"/>
               <a:t>Python: Use MNE library (mne.io.read_raw_edf)</a:t>
             </a:r>
           </a:p>
           <a:p>
-            <a:pPr/>
-          </a:p>
-          <a:p>
-            <a:pPr/>
-            <a:r>
+            <a:endParaRPr sz="2000"/>
+          </a:p>
+          <a:p>
+            <a:r>
+              <a:rPr sz="2000"/>
               <a:t>XML (Compumedics Annotation Format):</a:t>
             </a:r>
           </a:p>
           <a:p>
             <a:pPr lvl="1"/>
             <a:r>
+              <a:rPr sz="1800"/>
               <a:t>Sleep stage labels for each 30-second epoch</a:t>
             </a:r>
           </a:p>
           <a:p>
             <a:pPr lvl="1"/>
             <a:r>
+              <a:rPr sz="1800"/>
               <a:t>Stages: Wake, N1, N2, N3, REM</a:t>
             </a:r>
           </a:p>
           <a:p>
             <a:pPr lvl="1"/>
             <a:r>
+              <a:rPr sz="1800"/>
               <a:t>Python: Use xml.etree.ElementTree</a:t>
             </a:r>
           </a:p>
           <a:p>
-            <a:pPr/>
-          </a:p>
-          <a:p>
-            <a:pPr/>
-            <a:r>
+            <a:endParaRPr sz="2000"/>
+          </a:p>
+          <a:p>
+            <a:r>
+              <a:rPr sz="2000"/>
               <a:t>📚 Reference: github.com/nsrr/edf-editor-translator/wiki</a:t>
             </a:r>
           </a:p>
@@ -7981,7 +8711,7 @@
 </file>
 
 <file path=ppt/slides/slide37.xml><?xml version="1.0" encoding="utf-8"?>
-<p:sld xmlns:a="http://schemas.openxmlformats.org/drawingml/2006/main" xmlns:p="http://schemas.openxmlformats.org/presentationml/2006/main" xmlns:r="http://schemas.openxmlformats.org/officeDocument/2006/relationships">
+<p:sld xmlns:a="http://schemas.openxmlformats.org/drawingml/2006/main" xmlns:r="http://schemas.openxmlformats.org/officeDocument/2006/relationships" xmlns:p="http://schemas.openxmlformats.org/presentationml/2006/main">
   <p:cSld>
     <p:spTree>
       <p:nvGrpSpPr>
@@ -7989,7 +8719,14 @@
         <p:cNvGrpSpPr/>
         <p:nvPr/>
       </p:nvGrpSpPr>
-      <p:grpSpPr/>
+      <p:grpSpPr>
+        <a:xfrm>
+          <a:off x="0" y="0"/>
+          <a:ext cx="0" cy="0"/>
+          <a:chOff x="0" y="0"/>
+          <a:chExt cx="0" cy="0"/>
+        </a:xfrm>
+      </p:grpSpPr>
       <p:sp>
         <p:nvSpPr>
           <p:cNvPr id="2" name="Title 1"/>
@@ -8002,10 +8739,13 @@
         </p:nvSpPr>
         <p:spPr/>
         <p:txBody>
-          <a:bodyPr/>
-          <a:lstStyle/>
-          <a:p>
-            <a:r>
+          <a:bodyPr>
+            <a:normAutofit/>
+          </a:bodyPr>
+          <a:lstStyle/>
+          <a:p>
+            <a:r>
+              <a:rPr sz="3200" dirty="0"/>
               <a:t>Signal Processing Considerations</a:t>
             </a:r>
           </a:p>
@@ -8023,72 +8763,83 @@
         </p:nvSpPr>
         <p:spPr/>
         <p:txBody>
-          <a:bodyPr/>
-          <a:lstStyle/>
-          <a:p/>
-          <a:p>
-            <a:pPr/>
-            <a:r>
+          <a:bodyPr>
+            <a:noAutofit/>
+          </a:bodyPr>
+          <a:lstStyle/>
+          <a:p>
+            <a:endParaRPr sz="2000"/>
+          </a:p>
+          <a:p>
+            <a:r>
+              <a:rPr sz="2000"/>
               <a:t>Hardware Filtering Already Applied:</a:t>
             </a:r>
           </a:p>
           <a:p>
             <a:pPr lvl="1"/>
             <a:r>
+              <a:rPr sz="1800"/>
               <a:t>EEG/EOG/EMG/ECG: High-pass 0.15 Hz</a:t>
             </a:r>
           </a:p>
           <a:p>
             <a:pPr lvl="1"/>
             <a:r>
+              <a:rPr sz="1800"/>
               <a:t>Respiration: High-pass 0.05 Hz</a:t>
             </a:r>
           </a:p>
           <a:p>
             <a:pPr lvl="1"/>
             <a:r>
+              <a:rPr sz="1800"/>
               <a:t>Design additional filters accordingly</a:t>
             </a:r>
           </a:p>
           <a:p>
-            <a:pPr/>
-          </a:p>
-          <a:p>
-            <a:pPr/>
-            <a:r>
+            <a:endParaRPr sz="2000"/>
+          </a:p>
+          <a:p>
+            <a:r>
+              <a:rPr sz="2000"/>
               <a:t>Different Sampling Rates:</a:t>
             </a:r>
           </a:p>
           <a:p>
             <a:pPr lvl="1"/>
             <a:r>
+              <a:rPr sz="1800"/>
               <a:t>Primary signals (EEG/EMG/ECG): 125 Hz</a:t>
             </a:r>
           </a:p>
           <a:p>
             <a:pPr lvl="1"/>
             <a:r>
+              <a:rPr sz="1800"/>
               <a:t>EOG signals: 50 Hz</a:t>
             </a:r>
           </a:p>
           <a:p>
             <a:pPr lvl="1"/>
             <a:r>
+              <a:rPr sz="1800"/>
               <a:t>Respiration/Airflow: 10 Hz</a:t>
             </a:r>
           </a:p>
           <a:p>
             <a:pPr lvl="1"/>
             <a:r>
+              <a:rPr sz="1800"/>
               <a:t>SpO2/Heart Rate: 1 Hz</a:t>
             </a:r>
           </a:p>
           <a:p>
-            <a:pPr/>
-          </a:p>
-          <a:p>
-            <a:pPr/>
-            <a:r>
+            <a:endParaRPr sz="2000"/>
+          </a:p>
+          <a:p>
+            <a:r>
+              <a:rPr sz="2000"/>
               <a:t>30-second epochs = different sample counts per signal</a:t>
             </a:r>
           </a:p>
@@ -8103,7 +8854,7 @@
 </file>
 
 <file path=ppt/slides/slide38.xml><?xml version="1.0" encoding="utf-8"?>
-<p:sld xmlns:a="http://schemas.openxmlformats.org/drawingml/2006/main" xmlns:p="http://schemas.openxmlformats.org/presentationml/2006/main" xmlns:r="http://schemas.openxmlformats.org/officeDocument/2006/relationships">
+<p:sld xmlns:a="http://schemas.openxmlformats.org/drawingml/2006/main" xmlns:r="http://schemas.openxmlformats.org/officeDocument/2006/relationships" xmlns:p="http://schemas.openxmlformats.org/presentationml/2006/main">
   <p:cSld>
     <p:spTree>
       <p:nvGrpSpPr>
@@ -8111,7 +8862,14 @@
         <p:cNvGrpSpPr/>
         <p:nvPr/>
       </p:nvGrpSpPr>
-      <p:grpSpPr/>
+      <p:grpSpPr>
+        <a:xfrm>
+          <a:off x="0" y="0"/>
+          <a:ext cx="0" cy="0"/>
+          <a:chOff x="0" y="0"/>
+          <a:chExt cx="0" cy="0"/>
+        </a:xfrm>
+      </p:grpSpPr>
       <p:sp>
         <p:nvSpPr>
           <p:cNvPr id="2" name="Title 1"/>
@@ -8124,30 +8882,35 @@
         </p:nvSpPr>
         <p:spPr/>
         <p:txBody>
+          <a:bodyPr>
+            <a:normAutofit/>
+          </a:bodyPr>
+          <a:lstStyle/>
+          <a:p>
+            <a:r>
+              <a:rPr sz="3200" dirty="0"/>
+              <a:t>Tips for Success</a:t>
+            </a:r>
+          </a:p>
+        </p:txBody>
+      </p:sp>
+      <p:sp>
+        <p:nvSpPr>
+          <p:cNvPr id="3" name="Text Placeholder 2"/>
+          <p:cNvSpPr>
+            <a:spLocks noGrp="1"/>
+          </p:cNvSpPr>
+          <p:nvPr>
+            <p:ph type="body" idx="1"/>
+          </p:nvPr>
+        </p:nvSpPr>
+        <p:spPr/>
+        <p:txBody>
           <a:bodyPr/>
           <a:lstStyle/>
           <a:p>
-            <a:r>
-              <a:t>Tips for Success</a:t>
-            </a:r>
-          </a:p>
-        </p:txBody>
-      </p:sp>
-      <p:sp>
-        <p:nvSpPr>
-          <p:cNvPr id="3" name="Text Placeholder 2"/>
-          <p:cNvSpPr>
-            <a:spLocks noGrp="1"/>
-          </p:cNvSpPr>
-          <p:nvPr>
-            <p:ph type="body" idx="1"/>
-          </p:nvPr>
-        </p:nvSpPr>
-        <p:spPr/>
-        <p:txBody>
-          <a:bodyPr/>
-          <a:lstStyle/>
-          <a:p/>
+            <a:endParaRPr/>
+          </a:p>
         </p:txBody>
       </p:sp>
     </p:spTree>
@@ -8159,7 +8922,7 @@
 </file>
 
 <file path=ppt/slides/slide39.xml><?xml version="1.0" encoding="utf-8"?>
-<p:sld xmlns:a="http://schemas.openxmlformats.org/drawingml/2006/main" xmlns:p="http://schemas.openxmlformats.org/presentationml/2006/main" xmlns:r="http://schemas.openxmlformats.org/officeDocument/2006/relationships">
+<p:sld xmlns:a="http://schemas.openxmlformats.org/drawingml/2006/main" xmlns:r="http://schemas.openxmlformats.org/officeDocument/2006/relationships" xmlns:p="http://schemas.openxmlformats.org/presentationml/2006/main">
   <p:cSld>
     <p:spTree>
       <p:nvGrpSpPr>
@@ -8167,7 +8930,14 @@
         <p:cNvGrpSpPr/>
         <p:nvPr/>
       </p:nvGrpSpPr>
-      <p:grpSpPr/>
+      <p:grpSpPr>
+        <a:xfrm>
+          <a:off x="0" y="0"/>
+          <a:ext cx="0" cy="0"/>
+          <a:chOff x="0" y="0"/>
+          <a:chExt cx="0" cy="0"/>
+        </a:xfrm>
+      </p:grpSpPr>
       <p:sp>
         <p:nvSpPr>
           <p:cNvPr id="2" name="Title 1"/>
@@ -8180,10 +8950,13 @@
         </p:nvSpPr>
         <p:spPr/>
         <p:txBody>
-          <a:bodyPr/>
-          <a:lstStyle/>
-          <a:p>
-            <a:r>
+          <a:bodyPr>
+            <a:normAutofit/>
+          </a:bodyPr>
+          <a:lstStyle/>
+          <a:p>
+            <a:r>
+              <a:rPr sz="3200" dirty="0"/>
               <a:t>Tips for Success</a:t>
             </a:r>
           </a:p>
@@ -8201,72 +8974,79 @@
         </p:nvSpPr>
         <p:spPr/>
         <p:txBody>
-          <a:bodyPr/>
-          <a:lstStyle/>
-          <a:p/>
-          <a:p>
-            <a:pPr/>
-            <a:r>
+          <a:bodyPr>
+            <a:noAutofit/>
+          </a:bodyPr>
+          <a:lstStyle/>
+          <a:p>
+            <a:endParaRPr sz="2000"/>
+          </a:p>
+          <a:p>
+            <a:r>
+              <a:rPr sz="2000"/>
               <a:t>Start early and work consistently</a:t>
             </a:r>
           </a:p>
           <a:p>
             <a:pPr lvl="1"/>
             <a:r>
+              <a:rPr sz="1800"/>
               <a:t>Don't wait until deadlines</a:t>
             </a:r>
           </a:p>
           <a:p>
-            <a:pPr/>
-            <a:r>
+            <a:r>
+              <a:rPr sz="2000"/>
               <a:t>Code first, optimize later</a:t>
             </a:r>
           </a:p>
           <a:p>
             <a:pPr lvl="1"/>
             <a:r>
+              <a:rPr sz="1800"/>
               <a:t>Get something working, then improve</a:t>
             </a:r>
           </a:p>
           <a:p>
-            <a:pPr/>
-            <a:r>
+            <a:r>
+              <a:rPr sz="2000"/>
               <a:t>Test often - run pipeline after changes</a:t>
             </a:r>
           </a:p>
           <a:p>
-            <a:pPr/>
-            <a:r>
+            <a:r>
+              <a:rPr sz="2000"/>
               <a:t>Use caching to speed up development</a:t>
             </a:r>
           </a:p>
           <a:p>
-            <a:pPr/>
-            <a:r>
+            <a:r>
+              <a:rPr sz="2000"/>
               <a:t>Document as you go - not at the end</a:t>
             </a:r>
           </a:p>
           <a:p>
-            <a:pPr/>
-            <a:r>
+            <a:r>
+              <a:rPr sz="2000"/>
               <a:t>Communicate proactively with your team</a:t>
             </a:r>
           </a:p>
           <a:p>
             <a:pPr lvl="1"/>
             <a:r>
+              <a:rPr sz="1800"/>
               <a:t>Over-communication is better than under-communication</a:t>
             </a:r>
           </a:p>
           <a:p>
-            <a:pPr/>
-            <a:r>
+            <a:r>
+              <a:rPr sz="2000"/>
               <a:t>Ask for help early when stuck</a:t>
             </a:r>
           </a:p>
           <a:p>
-            <a:pPr/>
-            <a:r>
+            <a:r>
+              <a:rPr sz="2000"/>
               <a:t>Celebrate wins and learn from failures</a:t>
             </a:r>
           </a:p>
@@ -8281,7 +9061,7 @@
 </file>
 
 <file path=ppt/slides/slide4.xml><?xml version="1.0" encoding="utf-8"?>
-<p:sld xmlns:a="http://schemas.openxmlformats.org/drawingml/2006/main" xmlns:p="http://schemas.openxmlformats.org/presentationml/2006/main" xmlns:r="http://schemas.openxmlformats.org/officeDocument/2006/relationships">
+<p:sld xmlns:a="http://schemas.openxmlformats.org/drawingml/2006/main" xmlns:r="http://schemas.openxmlformats.org/officeDocument/2006/relationships" xmlns:p="http://schemas.openxmlformats.org/presentationml/2006/main">
   <p:cSld>
     <p:spTree>
       <p:nvGrpSpPr>
@@ -8289,7 +9069,14 @@
         <p:cNvGrpSpPr/>
         <p:nvPr/>
       </p:nvGrpSpPr>
-      <p:grpSpPr/>
+      <p:grpSpPr>
+        <a:xfrm>
+          <a:off x="0" y="0"/>
+          <a:ext cx="0" cy="0"/>
+          <a:chOff x="0" y="0"/>
+          <a:chExt cx="0" cy="0"/>
+        </a:xfrm>
+      </p:grpSpPr>
       <p:sp>
         <p:nvSpPr>
           <p:cNvPr id="2" name="Title 1"/>
@@ -8302,10 +9089,13 @@
         </p:nvSpPr>
         <p:spPr/>
         <p:txBody>
-          <a:bodyPr/>
-          <a:lstStyle/>
-          <a:p>
-            <a:r>
+          <a:bodyPr>
+            <a:normAutofit/>
+          </a:bodyPr>
+          <a:lstStyle/>
+          <a:p>
+            <a:r>
+              <a:rPr sz="3200" dirty="0"/>
               <a:t>Assessment Criteria</a:t>
             </a:r>
           </a:p>
@@ -8323,51 +9113,58 @@
         </p:nvSpPr>
         <p:spPr/>
         <p:txBody>
-          <a:bodyPr/>
-          <a:lstStyle/>
-          <a:p/>
-          <a:p>
-            <a:pPr/>
-            <a:r>
+          <a:bodyPr>
+            <a:noAutofit/>
+          </a:bodyPr>
+          <a:lstStyle/>
+          <a:p>
+            <a:endParaRPr sz="2000"/>
+          </a:p>
+          <a:p>
+            <a:r>
+              <a:rPr sz="2000"/>
               <a:t>Methodology and Code Quality - 50%</a:t>
             </a:r>
           </a:p>
           <a:p>
             <a:pPr lvl="1"/>
             <a:r>
+              <a:rPr sz="1800"/>
               <a:t>Modular design, correct pipeline, documentation, testing</a:t>
             </a:r>
           </a:p>
           <a:p>
-            <a:pPr/>
-            <a:r>
+            <a:r>
+              <a:rPr sz="2000"/>
               <a:t>Team Collaboration - 30%</a:t>
             </a:r>
           </a:p>
           <a:p>
             <a:pPr lvl="1"/>
             <a:r>
+              <a:rPr sz="1800"/>
               <a:t>Regular updates, integration, ClickUp usage</a:t>
             </a:r>
           </a:p>
           <a:p>
-            <a:pPr/>
-            <a:r>
+            <a:r>
+              <a:rPr sz="2000"/>
               <a:t>Report &amp; Documentation - 20%</a:t>
             </a:r>
           </a:p>
           <a:p>
             <a:pPr lvl="1"/>
             <a:r>
+              <a:rPr sz="1800"/>
               <a:t>Clear technical writing, comprehensive analysis</a:t>
             </a:r>
           </a:p>
           <a:p>
-            <a:pPr/>
-          </a:p>
-          <a:p>
-            <a:pPr/>
-            <a:r>
+            <a:endParaRPr sz="2000"/>
+          </a:p>
+          <a:p>
+            <a:r>
+              <a:rPr sz="2000"/>
               <a:t>Note: No fixed accuracy target - focus on process and learning!</a:t>
             </a:r>
           </a:p>
@@ -8382,7 +9179,7 @@
 </file>
 
 <file path=ppt/slides/slide40.xml><?xml version="1.0" encoding="utf-8"?>
-<p:sld xmlns:a="http://schemas.openxmlformats.org/drawingml/2006/main" xmlns:p="http://schemas.openxmlformats.org/presentationml/2006/main" xmlns:r="http://schemas.openxmlformats.org/officeDocument/2006/relationships">
+<p:sld xmlns:a="http://schemas.openxmlformats.org/drawingml/2006/main" xmlns:r="http://schemas.openxmlformats.org/officeDocument/2006/relationships" xmlns:p="http://schemas.openxmlformats.org/presentationml/2006/main">
   <p:cSld>
     <p:spTree>
       <p:nvGrpSpPr>
@@ -8390,7 +9187,14 @@
         <p:cNvGrpSpPr/>
         <p:nvPr/>
       </p:nvGrpSpPr>
-      <p:grpSpPr/>
+      <p:grpSpPr>
+        <a:xfrm>
+          <a:off x="0" y="0"/>
+          <a:ext cx="0" cy="0"/>
+          <a:chOff x="0" y="0"/>
+          <a:chExt cx="0" cy="0"/>
+        </a:xfrm>
+      </p:grpSpPr>
       <p:sp>
         <p:nvSpPr>
           <p:cNvPr id="2" name="Title 1"/>
@@ -8403,10 +9207,13 @@
         </p:nvSpPr>
         <p:spPr/>
         <p:txBody>
-          <a:bodyPr/>
-          <a:lstStyle/>
-          <a:p>
-            <a:r>
+          <a:bodyPr>
+            <a:normAutofit/>
+          </a:bodyPr>
+          <a:lstStyle/>
+          <a:p>
+            <a:r>
+              <a:rPr sz="3200" dirty="0"/>
               <a:t>Team Organization (3 members)</a:t>
             </a:r>
           </a:p>
@@ -8424,69 +9231,79 @@
         </p:nvSpPr>
         <p:spPr/>
         <p:txBody>
-          <a:bodyPr/>
-          <a:lstStyle/>
-          <a:p/>
-          <a:p>
-            <a:pPr/>
-            <a:r>
+          <a:bodyPr>
+            <a:noAutofit/>
+          </a:bodyPr>
+          <a:lstStyle/>
+          <a:p>
+            <a:endParaRPr sz="2000"/>
+          </a:p>
+          <a:p>
+            <a:r>
+              <a:rPr sz="2000"/>
               <a:t>Project Manager:</a:t>
             </a:r>
           </a:p>
           <a:p>
             <a:pPr lvl="1"/>
             <a:r>
+              <a:rPr sz="1800"/>
               <a:t>Coordination, ClickUp, integration, documentation</a:t>
             </a:r>
           </a:p>
           <a:p>
-            <a:pPr/>
-            <a:r>
+            <a:r>
+              <a:rPr sz="2000"/>
               <a:t>Preprocessing Lead:</a:t>
             </a:r>
           </a:p>
           <a:p>
             <a:pPr lvl="1"/>
             <a:r>
+              <a:rPr sz="1800"/>
               <a:t>Signal cleaning, filtering, artifact removal</a:t>
             </a:r>
           </a:p>
           <a:p>
-            <a:pPr/>
-            <a:r>
+            <a:r>
+              <a:rPr sz="2000"/>
               <a:t>Feature Engineer:</a:t>
             </a:r>
           </a:p>
           <a:p>
             <a:pPr lvl="1"/>
             <a:r>
+              <a:rPr sz="1800"/>
               <a:t>Feature extraction, selection, analysis</a:t>
             </a:r>
           </a:p>
           <a:p>
-            <a:pPr/>
-          </a:p>
-          <a:p>
-            <a:pPr/>
-            <a:r>
+            <a:endParaRPr sz="2000"/>
+          </a:p>
+          <a:p>
+            <a:r>
+              <a:rPr sz="2000"/>
               <a:t>Note: With 3 members, roles overlap!</a:t>
             </a:r>
           </a:p>
           <a:p>
             <a:pPr lvl="1"/>
             <a:r>
+              <a:rPr sz="1800"/>
               <a:t>Everyone should contribute to multiple areas</a:t>
             </a:r>
           </a:p>
           <a:p>
             <a:pPr lvl="1"/>
             <a:r>
+              <a:rPr sz="1800"/>
               <a:t>Cross-train and help each other</a:t>
             </a:r>
           </a:p>
           <a:p>
             <a:pPr lvl="1"/>
             <a:r>
+              <a:rPr sz="1800"/>
               <a:t>ML/classification can be shared responsibility</a:t>
             </a:r>
           </a:p>
@@ -8501,7 +9318,7 @@
 </file>
 
 <file path=ppt/slides/slide41.xml><?xml version="1.0" encoding="utf-8"?>
-<p:sld xmlns:a="http://schemas.openxmlformats.org/drawingml/2006/main" xmlns:p="http://schemas.openxmlformats.org/presentationml/2006/main" xmlns:r="http://schemas.openxmlformats.org/officeDocument/2006/relationships">
+<p:sld xmlns:a="http://schemas.openxmlformats.org/drawingml/2006/main" xmlns:r="http://schemas.openxmlformats.org/officeDocument/2006/relationships" xmlns:p="http://schemas.openxmlformats.org/presentationml/2006/main">
   <p:cSld>
     <p:spTree>
       <p:nvGrpSpPr>
@@ -8509,7 +9326,14 @@
         <p:cNvGrpSpPr/>
         <p:nvPr/>
       </p:nvGrpSpPr>
-      <p:grpSpPr/>
+      <p:grpSpPr>
+        <a:xfrm>
+          <a:off x="0" y="0"/>
+          <a:ext cx="0" cy="0"/>
+          <a:chOff x="0" y="0"/>
+          <a:chExt cx="0" cy="0"/>
+        </a:xfrm>
+      </p:grpSpPr>
       <p:sp>
         <p:nvSpPr>
           <p:cNvPr id="2" name="Title 1"/>
@@ -8522,10 +9346,13 @@
         </p:nvSpPr>
         <p:spPr/>
         <p:txBody>
-          <a:bodyPr/>
-          <a:lstStyle/>
-          <a:p>
-            <a:r>
+          <a:bodyPr>
+            <a:normAutofit/>
+          </a:bodyPr>
+          <a:lstStyle/>
+          <a:p>
+            <a:r>
+              <a:rPr sz="3200" dirty="0"/>
               <a:t>Resources &amp; Documentation</a:t>
             </a:r>
           </a:p>
@@ -8543,72 +9370,83 @@
         </p:nvSpPr>
         <p:spPr/>
         <p:txBody>
-          <a:bodyPr/>
-          <a:lstStyle/>
-          <a:p/>
-          <a:p>
-            <a:pPr/>
-            <a:r>
+          <a:bodyPr>
+            <a:noAutofit/>
+          </a:bodyPr>
+          <a:lstStyle/>
+          <a:p>
+            <a:endParaRPr sz="2000"/>
+          </a:p>
+          <a:p>
+            <a:r>
+              <a:rPr sz="2000"/>
               <a:t>Project documentation:</a:t>
             </a:r>
           </a:p>
           <a:p>
             <a:pPr lvl="1"/>
             <a:r>
+              <a:rPr sz="1800"/>
               <a:t>PROJECT_GUIDE.md - Complete project guide</a:t>
             </a:r>
           </a:p>
           <a:p>
             <a:pPr lvl="1"/>
             <a:r>
+              <a:rPr sz="1800"/>
               <a:t>CLAUDE.md - Codebase overview</a:t>
             </a:r>
           </a:p>
           <a:p>
             <a:pPr lvl="1"/>
             <a:r>
+              <a:rPr sz="1800"/>
               <a:t>Python/README.md - Python jumpstart guide</a:t>
             </a:r>
           </a:p>
           <a:p>
-            <a:pPr/>
-          </a:p>
-          <a:p>
-            <a:pPr/>
-            <a:r>
+            <a:endParaRPr sz="2000"/>
+          </a:p>
+          <a:p>
+            <a:r>
+              <a:rPr sz="2000"/>
               <a:t>Key libraries:</a:t>
             </a:r>
           </a:p>
           <a:p>
             <a:pPr lvl="1"/>
             <a:r>
+              <a:rPr sz="1800"/>
               <a:t>MNE - EEG/biosignal processing</a:t>
             </a:r>
           </a:p>
           <a:p>
             <a:pPr lvl="1"/>
             <a:r>
+              <a:rPr sz="1800"/>
               <a:t>scikit-learn - Machine learning</a:t>
             </a:r>
           </a:p>
           <a:p>
             <a:pPr lvl="1"/>
             <a:r>
+              <a:rPr sz="1800"/>
               <a:t>NumPy/SciPy - Signal processing</a:t>
             </a:r>
           </a:p>
           <a:p>
-            <a:pPr/>
-          </a:p>
-          <a:p>
-            <a:pPr/>
-            <a:r>
+            <a:endParaRPr sz="2000"/>
+          </a:p>
+          <a:p>
+            <a:r>
+              <a:rPr sz="2000"/>
               <a:t>Support:</a:t>
             </a:r>
           </a:p>
           <a:p>
             <a:pPr lvl="1"/>
             <a:r>
+              <a:rPr sz="1800"/>
               <a:t>Office hours, course forum, team members</a:t>
             </a:r>
           </a:p>
@@ -8623,7 +9461,7 @@
 </file>
 
 <file path=ppt/slides/slide42.xml><?xml version="1.0" encoding="utf-8"?>
-<p:sld xmlns:a="http://schemas.openxmlformats.org/drawingml/2006/main" xmlns:p="http://schemas.openxmlformats.org/presentationml/2006/main" xmlns:r="http://schemas.openxmlformats.org/officeDocument/2006/relationships">
+<p:sld xmlns:a="http://schemas.openxmlformats.org/drawingml/2006/main" xmlns:r="http://schemas.openxmlformats.org/officeDocument/2006/relationships" xmlns:p="http://schemas.openxmlformats.org/presentationml/2006/main">
   <p:cSld>
     <p:spTree>
       <p:nvGrpSpPr>
@@ -8631,7 +9469,14 @@
         <p:cNvGrpSpPr/>
         <p:nvPr/>
       </p:nvGrpSpPr>
-      <p:grpSpPr/>
+      <p:grpSpPr>
+        <a:xfrm>
+          <a:off x="0" y="0"/>
+          <a:ext cx="0" cy="0"/>
+          <a:chOff x="0" y="0"/>
+          <a:chExt cx="0" cy="0"/>
+        </a:xfrm>
+      </p:grpSpPr>
       <p:sp>
         <p:nvSpPr>
           <p:cNvPr id="2" name="Title 1"/>
@@ -8644,30 +9489,35 @@
         </p:nvSpPr>
         <p:spPr/>
         <p:txBody>
+          <a:bodyPr>
+            <a:normAutofit/>
+          </a:bodyPr>
+          <a:lstStyle/>
+          <a:p>
+            <a:r>
+              <a:rPr sz="3200" dirty="0"/>
+              <a:t>Questions?</a:t>
+            </a:r>
+          </a:p>
+        </p:txBody>
+      </p:sp>
+      <p:sp>
+        <p:nvSpPr>
+          <p:cNvPr id="3" name="Text Placeholder 2"/>
+          <p:cNvSpPr>
+            <a:spLocks noGrp="1"/>
+          </p:cNvSpPr>
+          <p:nvPr>
+            <p:ph type="body" idx="1"/>
+          </p:nvPr>
+        </p:nvSpPr>
+        <p:spPr/>
+        <p:txBody>
           <a:bodyPr/>
           <a:lstStyle/>
           <a:p>
-            <a:r>
-              <a:t>Questions?</a:t>
-            </a:r>
-          </a:p>
-        </p:txBody>
-      </p:sp>
-      <p:sp>
-        <p:nvSpPr>
-          <p:cNvPr id="3" name="Text Placeholder 2"/>
-          <p:cNvSpPr>
-            <a:spLocks noGrp="1"/>
-          </p:cNvSpPr>
-          <p:nvPr>
-            <p:ph type="body" idx="1"/>
-          </p:nvPr>
-        </p:nvSpPr>
-        <p:spPr/>
-        <p:txBody>
-          <a:bodyPr/>
-          <a:lstStyle/>
-          <a:p/>
+            <a:endParaRPr/>
+          </a:p>
         </p:txBody>
       </p:sp>
     </p:spTree>
@@ -8679,7 +9529,7 @@
 </file>
 
 <file path=ppt/slides/slide43.xml><?xml version="1.0" encoding="utf-8"?>
-<p:sld xmlns:a="http://schemas.openxmlformats.org/drawingml/2006/main" xmlns:p="http://schemas.openxmlformats.org/presentationml/2006/main" xmlns:r="http://schemas.openxmlformats.org/officeDocument/2006/relationships">
+<p:sld xmlns:a="http://schemas.openxmlformats.org/drawingml/2006/main" xmlns:r="http://schemas.openxmlformats.org/officeDocument/2006/relationships" xmlns:p="http://schemas.openxmlformats.org/presentationml/2006/main">
   <p:cSld>
     <p:spTree>
       <p:nvGrpSpPr>
@@ -8687,7 +9537,14 @@
         <p:cNvGrpSpPr/>
         <p:nvPr/>
       </p:nvGrpSpPr>
-      <p:grpSpPr/>
+      <p:grpSpPr>
+        <a:xfrm>
+          <a:off x="0" y="0"/>
+          <a:ext cx="0" cy="0"/>
+          <a:chOff x="0" y="0"/>
+          <a:chExt cx="0" cy="0"/>
+        </a:xfrm>
+      </p:grpSpPr>
       <p:sp>
         <p:nvSpPr>
           <p:cNvPr id="2" name="Title 1"/>
@@ -8700,10 +9557,13 @@
         </p:nvSpPr>
         <p:spPr/>
         <p:txBody>
-          <a:bodyPr/>
-          <a:lstStyle/>
-          <a:p>
-            <a:r>
+          <a:bodyPr>
+            <a:normAutofit/>
+          </a:bodyPr>
+          <a:lstStyle/>
+          <a:p>
+            <a:r>
+              <a:rPr sz="3200" dirty="0"/>
               <a:t>Summary - Key Takeaways</a:t>
             </a:r>
           </a:p>
@@ -8721,60 +9581,72 @@
         </p:nvSpPr>
         <p:spPr/>
         <p:txBody>
-          <a:bodyPr/>
-          <a:lstStyle/>
-          <a:p/>
-          <a:p>
-            <a:pPr/>
-            <a:r>
+          <a:bodyPr>
+            <a:noAutofit/>
+          </a:bodyPr>
+          <a:lstStyle/>
+          <a:p>
+            <a:endParaRPr sz="1800" dirty="0"/>
+          </a:p>
+          <a:p>
+            <a:r>
+              <a:rPr sz="1800" dirty="0"/>
               <a:t>✓ Iterative agile development over 10 weeks</a:t>
             </a:r>
           </a:p>
           <a:p>
-            <a:pPr/>
-            <a:r>
+            <a:r>
+              <a:rPr sz="1800" dirty="0"/>
               <a:t>✓ 4 sprints with clear milestones and deadlines</a:t>
             </a:r>
           </a:p>
           <a:p>
-            <a:pPr/>
-            <a:r>
+            <a:r>
+              <a:rPr sz="1800" dirty="0"/>
               <a:t>✓ Assessment based on process, not just accuracy</a:t>
             </a:r>
           </a:p>
           <a:p>
-            <a:pPr/>
-            <a:r>
-              <a:t>✓ Use ClickUp for project management and collaboration</a:t>
-            </a:r>
-          </a:p>
-          <a:p>
-            <a:pPr/>
-            <a:r>
+            <a:r>
+              <a:rPr sz="1800" dirty="0"/>
+              <a:t>✓ Use </a:t>
+            </a:r>
+            <a:r>
+              <a:rPr sz="1800" dirty="0" err="1"/>
+              <a:t>ClickUp</a:t>
+            </a:r>
+            <a:r>
+              <a:rPr sz="1800" dirty="0"/>
+              <a:t> for project management and collaboration</a:t>
+            </a:r>
+          </a:p>
+          <a:p>
+            <a:r>
+              <a:rPr sz="1800" dirty="0"/>
               <a:t>✓ Python jumpstart provides structure, you implement algorithms</a:t>
             </a:r>
           </a:p>
           <a:p>
-            <a:pPr/>
-            <a:r>
+            <a:r>
+              <a:rPr sz="1800" dirty="0"/>
               <a:t>✓ Focus on learning and continuous improvement</a:t>
             </a:r>
           </a:p>
           <a:p>
-            <a:pPr/>
-          </a:p>
-          <a:p>
-            <a:pPr/>
-            <a:r>
+            <a:endParaRPr sz="1800" dirty="0"/>
+          </a:p>
+          <a:p>
+            <a:r>
+              <a:rPr sz="1800" dirty="0"/>
               <a:t>Start with Iteration 1: Get basic pipeline working!</a:t>
             </a:r>
           </a:p>
           <a:p>
-            <a:pPr/>
-          </a:p>
-          <a:p>
-            <a:pPr/>
-            <a:r>
+            <a:endParaRPr sz="1800" dirty="0"/>
+          </a:p>
+          <a:p>
+            <a:r>
+              <a:rPr sz="1800" dirty="0"/>
               <a:t>Good luck! 🚀</a:t>
             </a:r>
           </a:p>
@@ -8789,7 +9661,7 @@
 </file>
 
 <file path=ppt/slides/slide5.xml><?xml version="1.0" encoding="utf-8"?>
-<p:sld xmlns:a="http://schemas.openxmlformats.org/drawingml/2006/main" xmlns:p="http://schemas.openxmlformats.org/presentationml/2006/main" xmlns:r="http://schemas.openxmlformats.org/officeDocument/2006/relationships">
+<p:sld xmlns:a="http://schemas.openxmlformats.org/drawingml/2006/main" xmlns:r="http://schemas.openxmlformats.org/officeDocument/2006/relationships" xmlns:p="http://schemas.openxmlformats.org/presentationml/2006/main">
   <p:cSld>
     <p:spTree>
       <p:nvGrpSpPr>
@@ -8797,7 +9669,14 @@
         <p:cNvGrpSpPr/>
         <p:nvPr/>
       </p:nvGrpSpPr>
-      <p:grpSpPr/>
+      <p:grpSpPr>
+        <a:xfrm>
+          <a:off x="0" y="0"/>
+          <a:ext cx="0" cy="0"/>
+          <a:chOff x="0" y="0"/>
+          <a:chExt cx="0" cy="0"/>
+        </a:xfrm>
+      </p:grpSpPr>
       <p:sp>
         <p:nvSpPr>
           <p:cNvPr id="2" name="Title 1"/>
@@ -8810,35 +9689,41 @@
         </p:nvSpPr>
         <p:spPr/>
         <p:txBody>
+          <a:bodyPr>
+            <a:normAutofit/>
+          </a:bodyPr>
+          <a:lstStyle/>
+          <a:p>
+            <a:r>
+              <a:rPr sz="3200" dirty="0"/>
+              <a:t>Development Methodology:</a:t>
+            </a:r>
+          </a:p>
+          <a:p>
+            <a:r>
+              <a:rPr sz="3200" dirty="0"/>
+              <a:t>Agile vs. Waterfall</a:t>
+            </a:r>
+          </a:p>
+        </p:txBody>
+      </p:sp>
+      <p:sp>
+        <p:nvSpPr>
+          <p:cNvPr id="3" name="Text Placeholder 2"/>
+          <p:cNvSpPr>
+            <a:spLocks noGrp="1"/>
+          </p:cNvSpPr>
+          <p:nvPr>
+            <p:ph type="body" idx="1"/>
+          </p:nvPr>
+        </p:nvSpPr>
+        <p:spPr/>
+        <p:txBody>
           <a:bodyPr/>
           <a:lstStyle/>
           <a:p>
-            <a:r>
-              <a:t>Development Methodology:</a:t>
-            </a:r>
-          </a:p>
-          <a:p>
-            <a:r>
-              <a:t>Agile vs. Waterfall</a:t>
-            </a:r>
-          </a:p>
-        </p:txBody>
-      </p:sp>
-      <p:sp>
-        <p:nvSpPr>
-          <p:cNvPr id="3" name="Text Placeholder 2"/>
-          <p:cNvSpPr>
-            <a:spLocks noGrp="1"/>
-          </p:cNvSpPr>
-          <p:nvPr>
-            <p:ph type="body" idx="1"/>
-          </p:nvPr>
-        </p:nvSpPr>
-        <p:spPr/>
-        <p:txBody>
-          <a:bodyPr/>
-          <a:lstStyle/>
-          <a:p/>
+            <a:endParaRPr/>
+          </a:p>
         </p:txBody>
       </p:sp>
     </p:spTree>
@@ -8850,7 +9735,7 @@
 </file>
 
 <file path=ppt/slides/slide6.xml><?xml version="1.0" encoding="utf-8"?>
-<p:sld xmlns:a="http://schemas.openxmlformats.org/drawingml/2006/main" xmlns:p="http://schemas.openxmlformats.org/presentationml/2006/main" xmlns:r="http://schemas.openxmlformats.org/officeDocument/2006/relationships">
+<p:sld xmlns:a="http://schemas.openxmlformats.org/drawingml/2006/main" xmlns:r="http://schemas.openxmlformats.org/officeDocument/2006/relationships" xmlns:p="http://schemas.openxmlformats.org/presentationml/2006/main">
   <p:cSld>
     <p:spTree>
       <p:nvGrpSpPr>
@@ -8858,7 +9743,14 @@
         <p:cNvGrpSpPr/>
         <p:nvPr/>
       </p:nvGrpSpPr>
-      <p:grpSpPr/>
+      <p:grpSpPr>
+        <a:xfrm>
+          <a:off x="0" y="0"/>
+          <a:ext cx="0" cy="0"/>
+          <a:chOff x="0" y="0"/>
+          <a:chExt cx="0" cy="0"/>
+        </a:xfrm>
+      </p:grpSpPr>
       <p:sp>
         <p:nvSpPr>
           <p:cNvPr id="2" name="Title 1"/>
@@ -8871,10 +9763,13 @@
         </p:nvSpPr>
         <p:spPr/>
         <p:txBody>
-          <a:bodyPr/>
-          <a:lstStyle/>
-          <a:p>
-            <a:r>
+          <a:bodyPr>
+            <a:normAutofit/>
+          </a:bodyPr>
+          <a:lstStyle/>
+          <a:p>
+            <a:r>
+              <a:rPr sz="3200" dirty="0"/>
               <a:t>Waterfall vs. Agile Methodology</a:t>
             </a:r>
           </a:p>
@@ -8922,6 +9817,7 @@
           <a:lstStyle/>
           <a:p>
             <a:pPr algn="ctr"/>
+            <a:endParaRPr/>
           </a:p>
         </p:txBody>
       </p:sp>
@@ -8967,6 +9863,7 @@
           <a:lstStyle/>
           <a:p>
             <a:pPr algn="ctr"/>
+            <a:endParaRPr/>
           </a:p>
         </p:txBody>
       </p:sp>
@@ -9053,7 +9950,9 @@
             <a:spAutoFit/>
           </a:bodyPr>
           <a:lstStyle/>
-          <a:p/>
+          <a:p>
+            <a:endParaRPr/>
+          </a:p>
           <a:p>
             <a:pPr>
               <a:spcAft>
@@ -9143,7 +10042,9 @@
             <a:spAutoFit/>
           </a:bodyPr>
           <a:lstStyle/>
-          <a:p/>
+          <a:p>
+            <a:endParaRPr/>
+          </a:p>
           <a:p>
             <a:pPr>
               <a:spcAft>
@@ -9221,7 +10122,7 @@
 </file>
 
 <file path=ppt/slides/slide7.xml><?xml version="1.0" encoding="utf-8"?>
-<p:sld xmlns:a="http://schemas.openxmlformats.org/drawingml/2006/main" xmlns:p="http://schemas.openxmlformats.org/presentationml/2006/main" xmlns:r="http://schemas.openxmlformats.org/officeDocument/2006/relationships">
+<p:sld xmlns:a="http://schemas.openxmlformats.org/drawingml/2006/main" xmlns:r="http://schemas.openxmlformats.org/officeDocument/2006/relationships" xmlns:p="http://schemas.openxmlformats.org/presentationml/2006/main">
   <p:cSld>
     <p:spTree>
       <p:nvGrpSpPr>
@@ -9229,7 +10130,14 @@
         <p:cNvGrpSpPr/>
         <p:nvPr/>
       </p:nvGrpSpPr>
-      <p:grpSpPr/>
+      <p:grpSpPr>
+        <a:xfrm>
+          <a:off x="0" y="0"/>
+          <a:ext cx="0" cy="0"/>
+          <a:chOff x="0" y="0"/>
+          <a:chExt cx="0" cy="0"/>
+        </a:xfrm>
+      </p:grpSpPr>
       <p:sp>
         <p:nvSpPr>
           <p:cNvPr id="2" name="Title 1"/>
@@ -9242,10 +10150,13 @@
         </p:nvSpPr>
         <p:spPr/>
         <p:txBody>
-          <a:bodyPr/>
-          <a:lstStyle/>
-          <a:p>
-            <a:r>
+          <a:bodyPr>
+            <a:normAutofit/>
+          </a:bodyPr>
+          <a:lstStyle/>
+          <a:p>
+            <a:r>
+              <a:rPr sz="3200" dirty="0"/>
               <a:t>Sprint Lifecycle (2.5 weeks each)</a:t>
             </a:r>
           </a:p>
@@ -9347,6 +10258,7 @@
           <a:lstStyle/>
           <a:p>
             <a:pPr algn="ctr"/>
+            <a:endParaRPr/>
           </a:p>
         </p:txBody>
       </p:sp>
@@ -9446,6 +10358,7 @@
           <a:lstStyle/>
           <a:p>
             <a:pPr algn="ctr"/>
+            <a:endParaRPr/>
           </a:p>
         </p:txBody>
       </p:sp>
@@ -9545,6 +10458,7 @@
           <a:lstStyle/>
           <a:p>
             <a:pPr algn="ctr"/>
+            <a:endParaRPr/>
           </a:p>
         </p:txBody>
       </p:sp>
@@ -9642,7 +10556,7 @@
 </file>
 
 <file path=ppt/slides/slide8.xml><?xml version="1.0" encoding="utf-8"?>
-<p:sld xmlns:a="http://schemas.openxmlformats.org/drawingml/2006/main" xmlns:p="http://schemas.openxmlformats.org/presentationml/2006/main" xmlns:r="http://schemas.openxmlformats.org/officeDocument/2006/relationships">
+<p:sld xmlns:a="http://schemas.openxmlformats.org/drawingml/2006/main" xmlns:r="http://schemas.openxmlformats.org/officeDocument/2006/relationships" xmlns:p="http://schemas.openxmlformats.org/presentationml/2006/main">
   <p:cSld>
     <p:spTree>
       <p:nvGrpSpPr>
@@ -9650,7 +10564,14 @@
         <p:cNvGrpSpPr/>
         <p:nvPr/>
       </p:nvGrpSpPr>
-      <p:grpSpPr/>
+      <p:grpSpPr>
+        <a:xfrm>
+          <a:off x="0" y="0"/>
+          <a:ext cx="0" cy="0"/>
+          <a:chOff x="0" y="0"/>
+          <a:chExt cx="0" cy="0"/>
+        </a:xfrm>
+      </p:grpSpPr>
       <p:sp>
         <p:nvSpPr>
           <p:cNvPr id="2" name="Title 1"/>
@@ -9663,35 +10584,41 @@
         </p:nvSpPr>
         <p:spPr/>
         <p:txBody>
+          <a:bodyPr>
+            <a:normAutofit/>
+          </a:bodyPr>
+          <a:lstStyle/>
+          <a:p>
+            <a:r>
+              <a:rPr sz="3200" dirty="0"/>
+              <a:t>Iteration Planning:</a:t>
+            </a:r>
+          </a:p>
+          <a:p>
+            <a:r>
+              <a:rPr sz="3200" dirty="0"/>
+              <a:t>4 Sprints Over 10 Weeks</a:t>
+            </a:r>
+          </a:p>
+        </p:txBody>
+      </p:sp>
+      <p:sp>
+        <p:nvSpPr>
+          <p:cNvPr id="3" name="Text Placeholder 2"/>
+          <p:cNvSpPr>
+            <a:spLocks noGrp="1"/>
+          </p:cNvSpPr>
+          <p:nvPr>
+            <p:ph type="body" idx="1"/>
+          </p:nvPr>
+        </p:nvSpPr>
+        <p:spPr/>
+        <p:txBody>
           <a:bodyPr/>
           <a:lstStyle/>
           <a:p>
-            <a:r>
-              <a:t>Iteration Planning:</a:t>
-            </a:r>
-          </a:p>
-          <a:p>
-            <a:r>
-              <a:t>4 Sprints Over 10 Weeks</a:t>
-            </a:r>
-          </a:p>
-        </p:txBody>
-      </p:sp>
-      <p:sp>
-        <p:nvSpPr>
-          <p:cNvPr id="3" name="Text Placeholder 2"/>
-          <p:cNvSpPr>
-            <a:spLocks noGrp="1"/>
-          </p:cNvSpPr>
-          <p:nvPr>
-            <p:ph type="body" idx="1"/>
-          </p:nvPr>
-        </p:nvSpPr>
-        <p:spPr/>
-        <p:txBody>
-          <a:bodyPr/>
-          <a:lstStyle/>
-          <a:p/>
+            <a:endParaRPr/>
+          </a:p>
         </p:txBody>
       </p:sp>
     </p:spTree>
@@ -9703,7 +10630,7 @@
 </file>
 
 <file path=ppt/slides/slide9.xml><?xml version="1.0" encoding="utf-8"?>
-<p:sld xmlns:a="http://schemas.openxmlformats.org/drawingml/2006/main" xmlns:p="http://schemas.openxmlformats.org/presentationml/2006/main" xmlns:r="http://schemas.openxmlformats.org/officeDocument/2006/relationships">
+<p:sld xmlns:a="http://schemas.openxmlformats.org/drawingml/2006/main" xmlns:r="http://schemas.openxmlformats.org/officeDocument/2006/relationships" xmlns:p="http://schemas.openxmlformats.org/presentationml/2006/main">
   <p:cSld>
     <p:spTree>
       <p:nvGrpSpPr>
@@ -9711,7 +10638,14 @@
         <p:cNvGrpSpPr/>
         <p:nvPr/>
       </p:nvGrpSpPr>
-      <p:grpSpPr/>
+      <p:grpSpPr>
+        <a:xfrm>
+          <a:off x="0" y="0"/>
+          <a:ext cx="0" cy="0"/>
+          <a:chOff x="0" y="0"/>
+          <a:chExt cx="0" cy="0"/>
+        </a:xfrm>
+      </p:grpSpPr>
       <p:sp>
         <p:nvSpPr>
           <p:cNvPr id="2" name="Title 1"/>
@@ -9724,10 +10658,13 @@
         </p:nvSpPr>
         <p:spPr/>
         <p:txBody>
-          <a:bodyPr/>
-          <a:lstStyle/>
-          <a:p>
-            <a:r>
+          <a:bodyPr>
+            <a:normAutofit/>
+          </a:bodyPr>
+          <a:lstStyle/>
+          <a:p>
+            <a:r>
+              <a:rPr sz="3200" dirty="0"/>
               <a:t>Project Timeline - Key Milestones</a:t>
             </a:r>
           </a:p>
@@ -9810,6 +10747,7 @@
           <a:lstStyle/>
           <a:p>
             <a:pPr algn="ctr"/>
+            <a:endParaRPr/>
           </a:p>
         </p:txBody>
       </p:sp>
@@ -9926,6 +10864,7 @@
           <a:lstStyle/>
           <a:p>
             <a:pPr algn="ctr"/>
+            <a:endParaRPr/>
           </a:p>
         </p:txBody>
       </p:sp>
@@ -10042,6 +10981,7 @@
           <a:lstStyle/>
           <a:p>
             <a:pPr algn="ctr"/>
+            <a:endParaRPr/>
           </a:p>
         </p:txBody>
       </p:sp>
@@ -10158,6 +11098,7 @@
           <a:lstStyle/>
           <a:p>
             <a:pPr algn="ctr"/>
+            <a:endParaRPr/>
           </a:p>
         </p:txBody>
       </p:sp>
